--- a/img/diagrams.pptx
+++ b/img/diagrams.pptx
@@ -110,6 +110,11 @@
       </a:defRPr>
     </a:lvl9pPr>
   </p:defaultTextStyle>
+  <p:extLst>
+    <p:ext uri="{EFAFB233-063F-42B5-8137-9DF3F51BA10A}">
+      <p15:sldGuideLst xmlns:p15="http://schemas.microsoft.com/office/powerpoint/2012/main"/>
+    </p:ext>
+  </p:extLst>
 </p:presentation>
 </file>
 
@@ -244,7 +249,7 @@
           <a:p>
             <a:fld id="{6F0F2E15-8A21-43A7-A274-6B4EA6471F4B}" type="datetimeFigureOut">
               <a:rPr lang="en-GB" smtClean="0"/>
-              <a:t>03/10/2022</a:t>
+              <a:t>04/10/2022</a:t>
             </a:fld>
             <a:endParaRPr lang="en-GB"/>
           </a:p>
@@ -414,7 +419,7 @@
           <a:p>
             <a:fld id="{6F0F2E15-8A21-43A7-A274-6B4EA6471F4B}" type="datetimeFigureOut">
               <a:rPr lang="en-GB" smtClean="0"/>
-              <a:t>03/10/2022</a:t>
+              <a:t>04/10/2022</a:t>
             </a:fld>
             <a:endParaRPr lang="en-GB"/>
           </a:p>
@@ -594,7 +599,7 @@
           <a:p>
             <a:fld id="{6F0F2E15-8A21-43A7-A274-6B4EA6471F4B}" type="datetimeFigureOut">
               <a:rPr lang="en-GB" smtClean="0"/>
-              <a:t>03/10/2022</a:t>
+              <a:t>04/10/2022</a:t>
             </a:fld>
             <a:endParaRPr lang="en-GB"/>
           </a:p>
@@ -764,7 +769,7 @@
           <a:p>
             <a:fld id="{6F0F2E15-8A21-43A7-A274-6B4EA6471F4B}" type="datetimeFigureOut">
               <a:rPr lang="en-GB" smtClean="0"/>
-              <a:t>03/10/2022</a:t>
+              <a:t>04/10/2022</a:t>
             </a:fld>
             <a:endParaRPr lang="en-GB"/>
           </a:p>
@@ -1010,7 +1015,7 @@
           <a:p>
             <a:fld id="{6F0F2E15-8A21-43A7-A274-6B4EA6471F4B}" type="datetimeFigureOut">
               <a:rPr lang="en-GB" smtClean="0"/>
-              <a:t>03/10/2022</a:t>
+              <a:t>04/10/2022</a:t>
             </a:fld>
             <a:endParaRPr lang="en-GB"/>
           </a:p>
@@ -1242,7 +1247,7 @@
           <a:p>
             <a:fld id="{6F0F2E15-8A21-43A7-A274-6B4EA6471F4B}" type="datetimeFigureOut">
               <a:rPr lang="en-GB" smtClean="0"/>
-              <a:t>03/10/2022</a:t>
+              <a:t>04/10/2022</a:t>
             </a:fld>
             <a:endParaRPr lang="en-GB"/>
           </a:p>
@@ -1609,7 +1614,7 @@
           <a:p>
             <a:fld id="{6F0F2E15-8A21-43A7-A274-6B4EA6471F4B}" type="datetimeFigureOut">
               <a:rPr lang="en-GB" smtClean="0"/>
-              <a:t>03/10/2022</a:t>
+              <a:t>04/10/2022</a:t>
             </a:fld>
             <a:endParaRPr lang="en-GB"/>
           </a:p>
@@ -1727,7 +1732,7 @@
           <a:p>
             <a:fld id="{6F0F2E15-8A21-43A7-A274-6B4EA6471F4B}" type="datetimeFigureOut">
               <a:rPr lang="en-GB" smtClean="0"/>
-              <a:t>03/10/2022</a:t>
+              <a:t>04/10/2022</a:t>
             </a:fld>
             <a:endParaRPr lang="en-GB"/>
           </a:p>
@@ -1822,7 +1827,7 @@
           <a:p>
             <a:fld id="{6F0F2E15-8A21-43A7-A274-6B4EA6471F4B}" type="datetimeFigureOut">
               <a:rPr lang="en-GB" smtClean="0"/>
-              <a:t>03/10/2022</a:t>
+              <a:t>04/10/2022</a:t>
             </a:fld>
             <a:endParaRPr lang="en-GB"/>
           </a:p>
@@ -2099,7 +2104,7 @@
           <a:p>
             <a:fld id="{6F0F2E15-8A21-43A7-A274-6B4EA6471F4B}" type="datetimeFigureOut">
               <a:rPr lang="en-GB" smtClean="0"/>
-              <a:t>03/10/2022</a:t>
+              <a:t>04/10/2022</a:t>
             </a:fld>
             <a:endParaRPr lang="en-GB"/>
           </a:p>
@@ -2352,7 +2357,7 @@
           <a:p>
             <a:fld id="{6F0F2E15-8A21-43A7-A274-6B4EA6471F4B}" type="datetimeFigureOut">
               <a:rPr lang="en-GB" smtClean="0"/>
-              <a:t>03/10/2022</a:t>
+              <a:t>04/10/2022</a:t>
             </a:fld>
             <a:endParaRPr lang="en-GB"/>
           </a:p>
@@ -2565,7 +2570,7 @@
           <a:p>
             <a:fld id="{6F0F2E15-8A21-43A7-A274-6B4EA6471F4B}" type="datetimeFigureOut">
               <a:rPr lang="en-GB" smtClean="0"/>
-              <a:t>03/10/2022</a:t>
+              <a:t>04/10/2022</a:t>
             </a:fld>
             <a:endParaRPr lang="en-GB"/>
           </a:p>
@@ -2978,7 +2983,7 @@
         </p:nvGrpSpPr>
         <p:grpSpPr>
           <a:xfrm>
-            <a:off x="1423180" y="618719"/>
+            <a:off x="1508638" y="1516027"/>
             <a:ext cx="9327429" cy="2275942"/>
             <a:chOff x="1423180" y="618719"/>
             <a:chExt cx="9327429" cy="2275942"/>
@@ -3192,34 +3197,7 @@
                     </a:solidFill>
                     <a:latin typeface="Bahnschrift Light SemiCondensed" panose="020B0502040204020203" pitchFamily="34" charset="0"/>
                   </a:rPr>
-                  <a:t>/</a:t>
-                </a:r>
-                <a:r>
-                  <a:rPr lang="pt-BR" dirty="0" smtClean="0">
-                    <a:solidFill>
-                      <a:schemeClr val="tx1"/>
-                    </a:solidFill>
-                    <a:latin typeface="Bahnschrift Light SemiCondensed" panose="020B0502040204020203" pitchFamily="34" charset="0"/>
-                  </a:rPr>
-                  <a:t>’</a:t>
-                </a:r>
-                <a:r>
-                  <a:rPr lang="pt-BR" dirty="0" err="1" smtClean="0">
-                    <a:solidFill>
-                      <a:schemeClr val="tx1"/>
-                    </a:solidFill>
-                    <a:latin typeface="Bahnschrift Light SemiCondensed" panose="020B0502040204020203" pitchFamily="34" charset="0"/>
-                  </a:rPr>
-                  <a:t>taw.lə</a:t>
-                </a:r>
-                <a:r>
-                  <a:rPr lang="pt-BR" dirty="0" smtClean="0">
-                    <a:solidFill>
-                      <a:schemeClr val="tx1"/>
-                    </a:solidFill>
-                    <a:latin typeface="Bahnschrift Light SemiCondensed" panose="020B0502040204020203" pitchFamily="34" charset="0"/>
-                  </a:rPr>
-                  <a:t>/</a:t>
+                  <a:t>/’me.sa/</a:t>
                 </a:r>
                 <a:endParaRPr lang="pt-BR" dirty="0">
                   <a:solidFill>
@@ -3333,8 +3311,8 @@
           </p:nvSpPr>
           <p:spPr>
             <a:xfrm>
-              <a:off x="8497073" y="1155237"/>
-              <a:ext cx="792205" cy="338554"/>
+              <a:off x="8468219" y="1155237"/>
+              <a:ext cx="821059" cy="338554"/>
             </a:xfrm>
             <a:prstGeom prst="rect">
               <a:avLst/>
@@ -3355,7 +3333,7 @@
                   </a:solidFill>
                   <a:latin typeface="Bahnschrift Light SemiCondensed" panose="020B0502040204020203" pitchFamily="34" charset="0"/>
                 </a:rPr>
-                <a:t>Catalan</a:t>
+                <a:t>Spanish</a:t>
               </a:r>
               <a:endParaRPr lang="en-GB" sz="1600" dirty="0">
                 <a:solidFill>
@@ -3794,527 +3772,21 @@
       </p:grpSpPr>
       <p:grpSp>
         <p:nvGrpSpPr>
-          <p:cNvPr id="79" name="Grupo 78"/>
+          <p:cNvPr id="14" name="Grupo 13"/>
           <p:cNvGrpSpPr/>
           <p:nvPr/>
         </p:nvGrpSpPr>
         <p:grpSpPr>
           <a:xfrm>
-            <a:off x="1786070" y="618719"/>
-            <a:ext cx="8964539" cy="4012473"/>
-            <a:chOff x="1786070" y="618719"/>
-            <a:chExt cx="8964539" cy="4012473"/>
+            <a:off x="1143100" y="618719"/>
+            <a:ext cx="9607509" cy="4012473"/>
+            <a:chOff x="1143100" y="618719"/>
+            <a:chExt cx="9607509" cy="4012473"/>
           </a:xfrm>
         </p:grpSpPr>
-        <p:sp>
-          <p:nvSpPr>
-            <p:cNvPr id="5" name="Rectángulo 4"/>
-            <p:cNvSpPr/>
-            <p:nvPr/>
-          </p:nvSpPr>
-          <p:spPr>
-            <a:xfrm>
-              <a:off x="3725546" y="1159753"/>
-              <a:ext cx="3093998" cy="3471439"/>
-            </a:xfrm>
-            <a:prstGeom prst="rect">
-              <a:avLst/>
-            </a:prstGeom>
-            <a:solidFill>
-              <a:schemeClr val="bg1">
-                <a:lumMod val="95000"/>
-              </a:schemeClr>
-            </a:solidFill>
-            <a:ln>
-              <a:noFill/>
-            </a:ln>
-          </p:spPr>
-          <p:style>
-            <a:lnRef idx="2">
-              <a:schemeClr val="accent1">
-                <a:shade val="50000"/>
-              </a:schemeClr>
-            </a:lnRef>
-            <a:fillRef idx="1">
-              <a:schemeClr val="accent1"/>
-            </a:fillRef>
-            <a:effectRef idx="0">
-              <a:schemeClr val="accent1"/>
-            </a:effectRef>
-            <a:fontRef idx="minor">
-              <a:schemeClr val="lt1"/>
-            </a:fontRef>
-          </p:style>
-          <p:txBody>
-            <a:bodyPr rtlCol="0" anchor="ctr"/>
-            <a:lstStyle/>
-            <a:p>
-              <a:pPr algn="ctr"/>
-              <a:endParaRPr lang="en-GB"/>
-            </a:p>
-          </p:txBody>
-        </p:sp>
-        <p:sp>
-          <p:nvSpPr>
-            <p:cNvPr id="6" name="Rectángulo 5"/>
-            <p:cNvSpPr/>
-            <p:nvPr/>
-          </p:nvSpPr>
-          <p:spPr>
-            <a:xfrm>
-              <a:off x="6819543" y="1159753"/>
-              <a:ext cx="2469735" cy="1734908"/>
-            </a:xfrm>
-            <a:prstGeom prst="rect">
-              <a:avLst/>
-            </a:prstGeom>
-            <a:solidFill>
-              <a:schemeClr val="accent1">
-                <a:lumMod val="20000"/>
-                <a:lumOff val="80000"/>
-              </a:schemeClr>
-            </a:solidFill>
-            <a:ln>
-              <a:noFill/>
-            </a:ln>
-          </p:spPr>
-          <p:style>
-            <a:lnRef idx="2">
-              <a:schemeClr val="accent1">
-                <a:shade val="50000"/>
-              </a:schemeClr>
-            </a:lnRef>
-            <a:fillRef idx="1">
-              <a:schemeClr val="accent1"/>
-            </a:fillRef>
-            <a:effectRef idx="0">
-              <a:schemeClr val="accent1"/>
-            </a:effectRef>
-            <a:fontRef idx="minor">
-              <a:schemeClr val="lt1"/>
-            </a:fontRef>
-          </p:style>
-          <p:txBody>
-            <a:bodyPr rtlCol="0" anchor="ctr"/>
-            <a:lstStyle/>
-            <a:p>
-              <a:pPr algn="ctr"/>
-              <a:endParaRPr lang="en-GB"/>
-            </a:p>
-          </p:txBody>
-        </p:sp>
-        <p:grpSp>
-          <p:nvGrpSpPr>
-            <p:cNvPr id="8" name="Grupo 7"/>
-            <p:cNvGrpSpPr/>
-            <p:nvPr/>
-          </p:nvGrpSpPr>
-          <p:grpSpPr>
-            <a:xfrm>
-              <a:off x="7475236" y="1758829"/>
-              <a:ext cx="1158350" cy="646043"/>
-              <a:chOff x="4267355" y="1783512"/>
-              <a:chExt cx="991894" cy="646043"/>
-            </a:xfrm>
-            <a:solidFill>
-              <a:schemeClr val="accent1">
-                <a:lumMod val="60000"/>
-                <a:lumOff val="40000"/>
-              </a:schemeClr>
-            </a:solidFill>
-          </p:grpSpPr>
-          <p:sp>
-            <p:nvSpPr>
-              <p:cNvPr id="20" name="Elipse 19"/>
-              <p:cNvSpPr/>
-              <p:nvPr/>
-            </p:nvSpPr>
-            <p:spPr>
-              <a:xfrm>
-                <a:off x="4267355" y="1783512"/>
-                <a:ext cx="991894" cy="646043"/>
-              </a:xfrm>
-              <a:prstGeom prst="ellipse">
-                <a:avLst/>
-              </a:prstGeom>
-              <a:grpFill/>
-              <a:ln w="19050">
-                <a:noFill/>
-              </a:ln>
-            </p:spPr>
-            <p:style>
-              <a:lnRef idx="2">
-                <a:schemeClr val="accent1">
-                  <a:shade val="50000"/>
-                </a:schemeClr>
-              </a:lnRef>
-              <a:fillRef idx="1">
-                <a:schemeClr val="accent1"/>
-              </a:fillRef>
-              <a:effectRef idx="0">
-                <a:schemeClr val="accent1"/>
-              </a:effectRef>
-              <a:fontRef idx="minor">
-                <a:schemeClr val="lt1"/>
-              </a:fontRef>
-            </p:style>
-            <p:txBody>
-              <a:bodyPr rtlCol="0" anchor="ctr"/>
-              <a:lstStyle/>
-              <a:p>
-                <a:pPr algn="ctr"/>
-                <a:endParaRPr lang="en-GB"/>
-              </a:p>
-            </p:txBody>
-          </p:sp>
-          <p:sp>
-            <p:nvSpPr>
-              <p:cNvPr id="21" name="Rectángulo 20"/>
-              <p:cNvSpPr/>
-              <p:nvPr/>
-            </p:nvSpPr>
-            <p:spPr>
-              <a:xfrm>
-                <a:off x="4354674" y="1944744"/>
-                <a:ext cx="823079" cy="299103"/>
-              </a:xfrm>
-              <a:prstGeom prst="rect">
-                <a:avLst/>
-              </a:prstGeom>
-              <a:grpFill/>
-              <a:ln>
-                <a:noFill/>
-              </a:ln>
-            </p:spPr>
-            <p:style>
-              <a:lnRef idx="2">
-                <a:schemeClr val="accent1">
-                  <a:shade val="50000"/>
-                </a:schemeClr>
-              </a:lnRef>
-              <a:fillRef idx="1">
-                <a:schemeClr val="accent1"/>
-              </a:fillRef>
-              <a:effectRef idx="0">
-                <a:schemeClr val="accent1"/>
-              </a:effectRef>
-              <a:fontRef idx="minor">
-                <a:schemeClr val="lt1"/>
-              </a:fontRef>
-            </p:style>
-            <p:txBody>
-              <a:bodyPr rtlCol="0" anchor="ctr"/>
-              <a:lstStyle/>
-              <a:p>
-                <a:pPr algn="ctr"/>
-                <a:r>
-                  <a:rPr lang="pt-BR" dirty="0" smtClean="0">
-                    <a:solidFill>
-                      <a:schemeClr val="tx1"/>
-                    </a:solidFill>
-                    <a:latin typeface="Bahnschrift Light SemiCondensed" panose="020B0502040204020203" pitchFamily="34" charset="0"/>
-                  </a:rPr>
-                  <a:t>/</a:t>
-                </a:r>
-                <a:r>
-                  <a:rPr lang="pt-BR" dirty="0" smtClean="0">
-                    <a:solidFill>
-                      <a:schemeClr val="tx1"/>
-                    </a:solidFill>
-                    <a:latin typeface="Bahnschrift Light SemiCondensed" panose="020B0502040204020203" pitchFamily="34" charset="0"/>
-                  </a:rPr>
-                  <a:t>’</a:t>
-                </a:r>
-                <a:r>
-                  <a:rPr lang="pt-BR" dirty="0" err="1" smtClean="0">
-                    <a:solidFill>
-                      <a:schemeClr val="tx1"/>
-                    </a:solidFill>
-                    <a:latin typeface="Bahnschrift Light SemiCondensed" panose="020B0502040204020203" pitchFamily="34" charset="0"/>
-                  </a:rPr>
-                  <a:t>taw.lə</a:t>
-                </a:r>
-                <a:r>
-                  <a:rPr lang="pt-BR" dirty="0" smtClean="0">
-                    <a:solidFill>
-                      <a:schemeClr val="tx1"/>
-                    </a:solidFill>
-                    <a:latin typeface="Bahnschrift Light SemiCondensed" panose="020B0502040204020203" pitchFamily="34" charset="0"/>
-                  </a:rPr>
-                  <a:t>/</a:t>
-                </a:r>
-                <a:endParaRPr lang="pt-BR" dirty="0">
-                  <a:solidFill>
-                    <a:schemeClr val="tx1"/>
-                  </a:solidFill>
-                  <a:latin typeface="Bahnschrift Light SemiCondensed" panose="020B0502040204020203" pitchFamily="34" charset="0"/>
-                </a:endParaRPr>
-              </a:p>
-            </p:txBody>
-          </p:sp>
-        </p:grpSp>
-        <p:sp>
-          <p:nvSpPr>
-            <p:cNvPr id="11" name="CuadroTexto 10"/>
-            <p:cNvSpPr txBox="1"/>
-            <p:nvPr/>
-          </p:nvSpPr>
-          <p:spPr>
-            <a:xfrm>
-              <a:off x="4507212" y="618719"/>
-              <a:ext cx="1562272" cy="523220"/>
-            </a:xfrm>
-            <a:prstGeom prst="rect">
-              <a:avLst/>
-            </a:prstGeom>
-            <a:noFill/>
-          </p:spPr>
-          <p:txBody>
-            <a:bodyPr wrap="square" rtlCol="0" anchor="ctr">
-              <a:spAutoFit/>
-            </a:bodyPr>
-            <a:lstStyle/>
-            <a:p>
-              <a:pPr algn="ctr"/>
-              <a:r>
-                <a:rPr lang="es-ES" sz="1400" dirty="0" err="1" smtClean="0">
-                  <a:latin typeface="Bahnschrift Light SemiCondensed" panose="020B0502040204020203" pitchFamily="34" charset="0"/>
-                </a:rPr>
-                <a:t>Semantic</a:t>
-              </a:r>
-              <a:r>
-                <a:rPr lang="es-ES" sz="1400" dirty="0" smtClean="0">
-                  <a:latin typeface="Bahnschrift Light SemiCondensed" panose="020B0502040204020203" pitchFamily="34" charset="0"/>
-                </a:rPr>
-                <a:t> </a:t>
-              </a:r>
-              <a:r>
-                <a:rPr lang="es-ES" sz="1400" dirty="0" err="1" smtClean="0">
-                  <a:latin typeface="Bahnschrift Light SemiCondensed" panose="020B0502040204020203" pitchFamily="34" charset="0"/>
-                </a:rPr>
-                <a:t>representations</a:t>
-              </a:r>
-              <a:endParaRPr lang="en-GB" sz="1400" dirty="0">
-                <a:latin typeface="Bahnschrift Light SemiCondensed" panose="020B0502040204020203" pitchFamily="34" charset="0"/>
-              </a:endParaRPr>
-            </a:p>
-          </p:txBody>
-        </p:sp>
-        <p:sp>
-          <p:nvSpPr>
-            <p:cNvPr id="15" name="CuadroTexto 14"/>
-            <p:cNvSpPr txBox="1"/>
-            <p:nvPr/>
-          </p:nvSpPr>
-          <p:spPr>
-            <a:xfrm>
-              <a:off x="8497073" y="1155237"/>
-              <a:ext cx="792205" cy="338554"/>
-            </a:xfrm>
-            <a:prstGeom prst="rect">
-              <a:avLst/>
-            </a:prstGeom>
-            <a:noFill/>
-          </p:spPr>
-          <p:txBody>
-            <a:bodyPr wrap="none" rtlCol="0">
-              <a:spAutoFit/>
-            </a:bodyPr>
-            <a:lstStyle/>
-            <a:p>
-              <a:pPr algn="r"/>
-              <a:r>
-                <a:rPr lang="es-ES" sz="1600" dirty="0" err="1" smtClean="0">
-                  <a:solidFill>
-                    <a:srgbClr val="002060"/>
-                  </a:solidFill>
-                  <a:latin typeface="Bahnschrift Light SemiCondensed" panose="020B0502040204020203" pitchFamily="34" charset="0"/>
-                </a:rPr>
-                <a:t>Catalan</a:t>
-              </a:r>
-              <a:endParaRPr lang="en-GB" sz="1600" dirty="0">
-                <a:solidFill>
-                  <a:srgbClr val="002060"/>
-                </a:solidFill>
-                <a:latin typeface="Bahnschrift Light SemiCondensed" panose="020B0502040204020203" pitchFamily="34" charset="0"/>
-              </a:endParaRPr>
-            </a:p>
-          </p:txBody>
-        </p:sp>
-        <p:sp>
-          <p:nvSpPr>
-            <p:cNvPr id="16" name="CuadroTexto 15"/>
-            <p:cNvSpPr txBox="1"/>
-            <p:nvPr/>
-          </p:nvSpPr>
-          <p:spPr>
-            <a:xfrm>
-              <a:off x="7084694" y="618719"/>
-              <a:ext cx="1939431" cy="523220"/>
-            </a:xfrm>
-            <a:prstGeom prst="rect">
-              <a:avLst/>
-            </a:prstGeom>
-            <a:noFill/>
-          </p:spPr>
-          <p:txBody>
-            <a:bodyPr wrap="square" rtlCol="0" anchor="ctr">
-              <a:spAutoFit/>
-            </a:bodyPr>
-            <a:lstStyle/>
-            <a:p>
-              <a:pPr algn="ctr"/>
-              <a:r>
-                <a:rPr lang="es-ES" sz="1400" dirty="0" err="1" smtClean="0">
-                  <a:latin typeface="Bahnschrift Light SemiCondensed" panose="020B0502040204020203" pitchFamily="34" charset="0"/>
-                </a:rPr>
-                <a:t>Phonological</a:t>
-              </a:r>
-              <a:r>
-                <a:rPr lang="es-ES" sz="1400" dirty="0" smtClean="0">
-                  <a:latin typeface="Bahnschrift Light SemiCondensed" panose="020B0502040204020203" pitchFamily="34" charset="0"/>
-                </a:rPr>
-                <a:t> </a:t>
-              </a:r>
-              <a:r>
-                <a:rPr lang="es-ES" sz="1400" dirty="0" err="1" smtClean="0">
-                  <a:latin typeface="Bahnschrift Light SemiCondensed" panose="020B0502040204020203" pitchFamily="34" charset="0"/>
-                </a:rPr>
-                <a:t>representations</a:t>
-              </a:r>
-              <a:endParaRPr lang="en-GB" sz="1400" dirty="0">
-                <a:latin typeface="Bahnschrift Light SemiCondensed" panose="020B0502040204020203" pitchFamily="34" charset="0"/>
-              </a:endParaRPr>
-            </a:p>
-          </p:txBody>
-        </p:sp>
-        <p:sp>
-          <p:nvSpPr>
-            <p:cNvPr id="23" name="Rectángulo 22"/>
-            <p:cNvSpPr/>
-            <p:nvPr/>
-          </p:nvSpPr>
-          <p:spPr>
-            <a:xfrm>
-              <a:off x="4215721" y="1404731"/>
-              <a:ext cx="2139019" cy="1321722"/>
-            </a:xfrm>
-            <a:prstGeom prst="rect">
-              <a:avLst/>
-            </a:prstGeom>
-            <a:noFill/>
-            <a:ln>
-              <a:noFill/>
-            </a:ln>
-          </p:spPr>
-          <p:style>
-            <a:lnRef idx="2">
-              <a:schemeClr val="accent1">
-                <a:shade val="50000"/>
-              </a:schemeClr>
-            </a:lnRef>
-            <a:fillRef idx="1">
-              <a:schemeClr val="accent1"/>
-            </a:fillRef>
-            <a:effectRef idx="0">
-              <a:schemeClr val="accent1"/>
-            </a:effectRef>
-            <a:fontRef idx="minor">
-              <a:schemeClr val="lt1"/>
-            </a:fontRef>
-          </p:style>
-          <p:txBody>
-            <a:bodyPr rtlCol="0" anchor="ctr"/>
-            <a:lstStyle/>
-            <a:p>
-              <a:pPr algn="ctr"/>
-              <a:endParaRPr lang="en-GB"/>
-            </a:p>
-          </p:txBody>
-        </p:sp>
-        <p:cxnSp>
-          <p:nvCxnSpPr>
-            <p:cNvPr id="29" name="Conector recto de flecha 28"/>
-            <p:cNvCxnSpPr>
-              <a:stCxn id="73" idx="3"/>
-              <a:endCxn id="2" idx="1"/>
-            </p:cNvCxnSpPr>
-            <p:nvPr/>
-          </p:nvCxnSpPr>
-          <p:spPr>
-            <a:xfrm>
-              <a:off x="2991027" y="2937547"/>
-              <a:ext cx="1786072" cy="0"/>
-            </a:xfrm>
-            <a:prstGeom prst="straightConnector1">
-              <a:avLst/>
-            </a:prstGeom>
-            <a:ln w="28575">
-              <a:solidFill>
-                <a:schemeClr val="tx1"/>
-              </a:solidFill>
-              <a:tailEnd type="triangle"/>
-            </a:ln>
-          </p:spPr>
-          <p:style>
-            <a:lnRef idx="1">
-              <a:schemeClr val="accent1"/>
-            </a:lnRef>
-            <a:fillRef idx="0">
-              <a:schemeClr val="accent1"/>
-            </a:fillRef>
-            <a:effectRef idx="0">
-              <a:schemeClr val="accent1"/>
-            </a:effectRef>
-            <a:fontRef idx="minor">
-              <a:schemeClr val="tx1"/>
-            </a:fontRef>
-          </p:style>
-        </p:cxnSp>
-        <p:sp>
-          <p:nvSpPr>
-            <p:cNvPr id="42" name="CuadroTexto 41"/>
-            <p:cNvSpPr txBox="1"/>
-            <p:nvPr/>
-          </p:nvSpPr>
-          <p:spPr>
-            <a:xfrm>
-              <a:off x="3241045" y="2369718"/>
-              <a:ext cx="1229884" cy="523220"/>
-            </a:xfrm>
-            <a:prstGeom prst="rect">
-              <a:avLst/>
-            </a:prstGeom>
-            <a:noFill/>
-          </p:spPr>
-          <p:txBody>
-            <a:bodyPr wrap="square" rtlCol="0">
-              <a:spAutoFit/>
-            </a:bodyPr>
-            <a:lstStyle/>
-            <a:p>
-              <a:pPr algn="ctr"/>
-              <a:r>
-                <a:rPr lang="es-ES" sz="1400" dirty="0" smtClean="0">
-                  <a:latin typeface="Bahnschrift Light SemiCondensed" panose="020B0502040204020203" pitchFamily="34" charset="0"/>
-                </a:rPr>
-                <a:t>Visual </a:t>
-              </a:r>
-              <a:r>
-                <a:rPr lang="es-ES" sz="1400" dirty="0" err="1" smtClean="0">
-                  <a:latin typeface="Bahnschrift Light SemiCondensed" panose="020B0502040204020203" pitchFamily="34" charset="0"/>
-                </a:rPr>
-                <a:t>recognition</a:t>
-              </a:r>
-              <a:endParaRPr lang="en-GB" sz="1400" dirty="0">
-                <a:latin typeface="Bahnschrift Light SemiCondensed" panose="020B0502040204020203" pitchFamily="34" charset="0"/>
-              </a:endParaRPr>
-            </a:p>
-          </p:txBody>
-        </p:sp>
         <p:pic>
           <p:nvPicPr>
-            <p:cNvPr id="44" name="Imagen 43"/>
+            <p:cNvPr id="28" name="Imagen 27"/>
             <p:cNvPicPr>
               <a:picLocks noChangeAspect="1"/>
             </p:cNvPicPr>
@@ -4322,785 +3794,73 @@
           </p:nvPicPr>
           <p:blipFill rotWithShape="1">
             <a:blip r:embed="rId2" cstate="print">
-              <a:duotone>
-                <a:schemeClr val="accent5">
-                  <a:shade val="45000"/>
-                  <a:satMod val="135000"/>
-                </a:schemeClr>
-                <a:prstClr val="white"/>
-              </a:duotone>
               <a:extLst>
                 <a:ext uri="{28A0092B-C50C-407E-A947-70E740481C1C}">
                   <a14:useLocalDpi xmlns:a14="http://schemas.microsoft.com/office/drawing/2010/main" val="0"/>
                 </a:ext>
               </a:extLst>
             </a:blip>
-            <a:srcRect b="18120"/>
+            <a:srcRect t="17165" b="16499"/>
             <a:stretch/>
           </p:blipFill>
           <p:spPr>
             <a:xfrm>
-              <a:off x="9668527" y="1638843"/>
-              <a:ext cx="1082082" cy="886013"/>
+              <a:off x="1143100" y="2438925"/>
+              <a:ext cx="1840806" cy="1221099"/>
             </a:xfrm>
             <a:prstGeom prst="rect">
               <a:avLst/>
             </a:prstGeom>
           </p:spPr>
         </p:pic>
-        <p:cxnSp>
-          <p:nvCxnSpPr>
-            <p:cNvPr id="45" name="Conector recto de flecha 44"/>
-            <p:cNvCxnSpPr>
-              <a:stCxn id="20" idx="6"/>
-              <a:endCxn id="44" idx="1"/>
-            </p:cNvCxnSpPr>
-            <p:nvPr/>
-          </p:nvCxnSpPr>
-          <p:spPr>
-            <a:xfrm flipV="1">
-              <a:off x="8633586" y="2081850"/>
-              <a:ext cx="1034941" cy="1"/>
-            </a:xfrm>
-            <a:prstGeom prst="straightConnector1">
-              <a:avLst/>
-            </a:prstGeom>
-            <a:ln w="28575">
-              <a:solidFill>
-                <a:schemeClr val="accent5"/>
-              </a:solidFill>
-              <a:tailEnd type="triangle"/>
-            </a:ln>
-          </p:spPr>
-          <p:style>
-            <a:lnRef idx="1">
-              <a:schemeClr val="accent1"/>
-            </a:lnRef>
-            <a:fillRef idx="0">
-              <a:schemeClr val="accent1"/>
-            </a:fillRef>
-            <a:effectRef idx="0">
-              <a:schemeClr val="accent1"/>
-            </a:effectRef>
-            <a:fontRef idx="minor">
-              <a:schemeClr val="tx1"/>
-            </a:fontRef>
-          </p:style>
-        </p:cxnSp>
-        <p:sp>
-          <p:nvSpPr>
-            <p:cNvPr id="49" name="CuadroTexto 48"/>
-            <p:cNvSpPr txBox="1"/>
-            <p:nvPr/>
-          </p:nvSpPr>
-          <p:spPr>
-            <a:xfrm>
-              <a:off x="8536114" y="2110298"/>
-              <a:ext cx="1229884" cy="307777"/>
-            </a:xfrm>
-            <a:prstGeom prst="rect">
-              <a:avLst/>
-            </a:prstGeom>
-            <a:noFill/>
-          </p:spPr>
-          <p:txBody>
-            <a:bodyPr wrap="square" rtlCol="0">
-              <a:spAutoFit/>
-            </a:bodyPr>
-            <a:lstStyle/>
-            <a:p>
-              <a:pPr algn="ctr"/>
-              <a:r>
-                <a:rPr lang="es-ES" sz="1400" dirty="0" err="1" smtClean="0">
-                  <a:latin typeface="Bahnschrift Light SemiCondensed" panose="020B0502040204020203" pitchFamily="34" charset="0"/>
-                </a:rPr>
-                <a:t>Articulation</a:t>
-              </a:r>
-              <a:endParaRPr lang="en-GB" sz="1400" dirty="0">
-                <a:latin typeface="Bahnschrift Light SemiCondensed" panose="020B0502040204020203" pitchFamily="34" charset="0"/>
-              </a:endParaRPr>
-            </a:p>
-          </p:txBody>
-        </p:sp>
-        <p:sp>
-          <p:nvSpPr>
-            <p:cNvPr id="55" name="Rectángulo 54"/>
-            <p:cNvSpPr/>
-            <p:nvPr/>
-          </p:nvSpPr>
-          <p:spPr>
-            <a:xfrm>
-              <a:off x="6819541" y="2896284"/>
-              <a:ext cx="2469735" cy="1734908"/>
-            </a:xfrm>
-            <a:prstGeom prst="rect">
-              <a:avLst/>
-            </a:prstGeom>
-            <a:solidFill>
-              <a:schemeClr val="accent2">
-                <a:lumMod val="20000"/>
-                <a:lumOff val="80000"/>
-              </a:schemeClr>
-            </a:solidFill>
-            <a:ln>
-              <a:noFill/>
-            </a:ln>
-          </p:spPr>
-          <p:style>
-            <a:lnRef idx="2">
-              <a:schemeClr val="accent1">
-                <a:shade val="50000"/>
-              </a:schemeClr>
-            </a:lnRef>
-            <a:fillRef idx="1">
-              <a:schemeClr val="accent1"/>
-            </a:fillRef>
-            <a:effectRef idx="0">
-              <a:schemeClr val="accent1"/>
-            </a:effectRef>
-            <a:fontRef idx="minor">
-              <a:schemeClr val="lt1"/>
-            </a:fontRef>
-          </p:style>
-          <p:txBody>
-            <a:bodyPr rtlCol="0" anchor="ctr"/>
-            <a:lstStyle/>
-            <a:p>
-              <a:pPr algn="ctr"/>
-              <a:endParaRPr lang="en-GB"/>
-            </a:p>
-          </p:txBody>
-        </p:sp>
         <p:grpSp>
           <p:nvGrpSpPr>
-            <p:cNvPr id="56" name="Grupo 55"/>
+            <p:cNvPr id="13" name="Grupo 12"/>
             <p:cNvGrpSpPr/>
             <p:nvPr/>
           </p:nvGrpSpPr>
           <p:grpSpPr>
             <a:xfrm>
-              <a:off x="7482037" y="3317495"/>
-              <a:ext cx="1158350" cy="646043"/>
-              <a:chOff x="4185859" y="1763339"/>
-              <a:chExt cx="991894" cy="646043"/>
-            </a:xfrm>
-            <a:solidFill>
-              <a:schemeClr val="accent1">
-                <a:lumMod val="60000"/>
-                <a:lumOff val="40000"/>
-              </a:schemeClr>
-            </a:solidFill>
-          </p:grpSpPr>
-          <p:sp>
-            <p:nvSpPr>
-              <p:cNvPr id="71" name="Elipse 70"/>
-              <p:cNvSpPr/>
-              <p:nvPr/>
-            </p:nvSpPr>
-            <p:spPr>
-              <a:xfrm>
-                <a:off x="4185859" y="1763339"/>
-                <a:ext cx="991894" cy="646043"/>
-              </a:xfrm>
-              <a:prstGeom prst="ellipse">
-                <a:avLst/>
-              </a:prstGeom>
-              <a:solidFill>
-                <a:schemeClr val="accent2">
-                  <a:lumMod val="60000"/>
-                  <a:lumOff val="40000"/>
-                </a:schemeClr>
-              </a:solidFill>
-              <a:ln w="19050">
-                <a:noFill/>
-              </a:ln>
-            </p:spPr>
-            <p:style>
-              <a:lnRef idx="2">
-                <a:schemeClr val="accent1">
-                  <a:shade val="50000"/>
-                </a:schemeClr>
-              </a:lnRef>
-              <a:fillRef idx="1">
-                <a:schemeClr val="accent1"/>
-              </a:fillRef>
-              <a:effectRef idx="0">
-                <a:schemeClr val="accent1"/>
-              </a:effectRef>
-              <a:fontRef idx="minor">
-                <a:schemeClr val="lt1"/>
-              </a:fontRef>
-            </p:style>
-            <p:txBody>
-              <a:bodyPr rtlCol="0" anchor="ctr"/>
-              <a:lstStyle/>
-              <a:p>
-                <a:pPr algn="ctr"/>
-                <a:endParaRPr lang="en-GB">
-                  <a:solidFill>
-                    <a:schemeClr val="accent2">
-                      <a:lumMod val="40000"/>
-                      <a:lumOff val="60000"/>
-                    </a:schemeClr>
-                  </a:solidFill>
-                </a:endParaRPr>
-              </a:p>
-            </p:txBody>
-          </p:sp>
-          <p:sp>
-            <p:nvSpPr>
-              <p:cNvPr id="72" name="Rectángulo 71"/>
-              <p:cNvSpPr/>
-              <p:nvPr/>
-            </p:nvSpPr>
-            <p:spPr>
-              <a:xfrm>
-                <a:off x="4265385" y="1910479"/>
-                <a:ext cx="823079" cy="299103"/>
-              </a:xfrm>
-              <a:prstGeom prst="rect">
-                <a:avLst/>
-              </a:prstGeom>
-              <a:noFill/>
-              <a:ln>
-                <a:noFill/>
-              </a:ln>
-            </p:spPr>
-            <p:style>
-              <a:lnRef idx="2">
-                <a:schemeClr val="accent1">
-                  <a:shade val="50000"/>
-                </a:schemeClr>
-              </a:lnRef>
-              <a:fillRef idx="1">
-                <a:schemeClr val="accent1"/>
-              </a:fillRef>
-              <a:effectRef idx="0">
-                <a:schemeClr val="accent1"/>
-              </a:effectRef>
-              <a:fontRef idx="minor">
-                <a:schemeClr val="lt1"/>
-              </a:fontRef>
-            </p:style>
-            <p:txBody>
-              <a:bodyPr rtlCol="0" anchor="ctr"/>
-              <a:lstStyle/>
-              <a:p>
-                <a:pPr algn="ctr"/>
-                <a:r>
-                  <a:rPr lang="pt-BR" dirty="0" smtClean="0">
-                    <a:solidFill>
-                      <a:schemeClr val="tx1"/>
-                    </a:solidFill>
-                    <a:latin typeface="Bahnschrift Light SemiCondensed" panose="020B0502040204020203" pitchFamily="34" charset="0"/>
-                  </a:rPr>
-                  <a:t>/’me.sa/</a:t>
-                </a:r>
-                <a:endParaRPr lang="pt-BR" dirty="0">
-                  <a:solidFill>
-                    <a:schemeClr val="tx1"/>
-                  </a:solidFill>
-                  <a:latin typeface="Bahnschrift Light SemiCondensed" panose="020B0502040204020203" pitchFamily="34" charset="0"/>
-                </a:endParaRPr>
-              </a:p>
-            </p:txBody>
-          </p:sp>
-        </p:grpSp>
-        <p:sp>
-          <p:nvSpPr>
-            <p:cNvPr id="59" name="CuadroTexto 58"/>
-            <p:cNvSpPr txBox="1"/>
-            <p:nvPr/>
-          </p:nvSpPr>
-          <p:spPr>
-            <a:xfrm>
-              <a:off x="8468217" y="4292638"/>
-              <a:ext cx="821059" cy="338554"/>
-            </a:xfrm>
-            <a:prstGeom prst="rect">
-              <a:avLst/>
-            </a:prstGeom>
-            <a:noFill/>
-          </p:spPr>
-          <p:txBody>
-            <a:bodyPr wrap="none" rtlCol="0">
-              <a:spAutoFit/>
-            </a:bodyPr>
-            <a:lstStyle/>
-            <a:p>
-              <a:pPr algn="r"/>
-              <a:r>
-                <a:rPr lang="es-ES" sz="1600" dirty="0" err="1" smtClean="0">
-                  <a:solidFill>
-                    <a:schemeClr val="accent2">
-                      <a:lumMod val="50000"/>
-                    </a:schemeClr>
-                  </a:solidFill>
-                  <a:latin typeface="Bahnschrift Light SemiCondensed" panose="020B0502040204020203" pitchFamily="34" charset="0"/>
-                </a:rPr>
-                <a:t>Spanish</a:t>
-              </a:r>
-              <a:endParaRPr lang="en-GB" sz="1600" dirty="0">
-                <a:solidFill>
-                  <a:schemeClr val="accent2">
-                    <a:lumMod val="50000"/>
-                  </a:schemeClr>
-                </a:solidFill>
-                <a:latin typeface="Bahnschrift Light SemiCondensed" panose="020B0502040204020203" pitchFamily="34" charset="0"/>
-              </a:endParaRPr>
-            </a:p>
-          </p:txBody>
-        </p:sp>
-        <p:pic>
-          <p:nvPicPr>
-            <p:cNvPr id="2" name="Imagen 1"/>
-            <p:cNvPicPr>
-              <a:picLocks noChangeAspect="1"/>
-            </p:cNvPicPr>
-            <p:nvPr/>
-          </p:nvPicPr>
-          <p:blipFill rotWithShape="1">
-            <a:blip r:embed="rId3" cstate="print">
-              <a:extLst>
-                <a:ext uri="{BEBA8EAE-BF5A-486C-A8C5-ECC9F3942E4B}">
-                  <a14:imgProps xmlns:a14="http://schemas.microsoft.com/office/drawing/2010/main">
-                    <a14:imgLayer r:embed="rId4">
-                      <a14:imgEffect>
-                        <a14:backgroundRemoval t="8121" b="90000" l="9901" r="89989"/>
-                      </a14:imgEffect>
-                      <a14:imgEffect>
-                        <a14:saturation sat="0"/>
-                      </a14:imgEffect>
-                    </a14:imgLayer>
-                  </a14:imgProps>
-                </a:ext>
-                <a:ext uri="{28A0092B-C50C-407E-A947-70E740481C1C}">
-                  <a14:useLocalDpi xmlns:a14="http://schemas.microsoft.com/office/drawing/2010/main" val="0"/>
-                </a:ext>
-              </a:extLst>
-            </a:blip>
-            <a:srcRect l="10106" r="10077"/>
-            <a:stretch/>
-          </p:blipFill>
-          <p:spPr>
-            <a:xfrm>
-              <a:off x="4777099" y="1548361"/>
-              <a:ext cx="1222049" cy="2778371"/>
-            </a:xfrm>
-            <a:prstGeom prst="rect">
-              <a:avLst/>
-            </a:prstGeom>
-          </p:spPr>
-        </p:pic>
-        <p:pic>
-          <p:nvPicPr>
-            <p:cNvPr id="73" name="Imagen 72"/>
-            <p:cNvPicPr>
-              <a:picLocks noChangeAspect="1"/>
-            </p:cNvPicPr>
-            <p:nvPr/>
-          </p:nvPicPr>
-          <p:blipFill rotWithShape="1">
-            <a:blip r:embed="rId5" cstate="print">
-              <a:extLst>
-                <a:ext uri="{BEBA8EAE-BF5A-486C-A8C5-ECC9F3942E4B}">
-                  <a14:imgProps xmlns:a14="http://schemas.microsoft.com/office/drawing/2010/main">
-                    <a14:imgLayer r:embed="rId4">
-                      <a14:imgEffect>
-                        <a14:backgroundRemoval t="8121" b="90000" l="9901" r="89989"/>
-                      </a14:imgEffect>
-                    </a14:imgLayer>
-                  </a14:imgProps>
-                </a:ext>
-                <a:ext uri="{28A0092B-C50C-407E-A947-70E740481C1C}">
-                  <a14:useLocalDpi xmlns:a14="http://schemas.microsoft.com/office/drawing/2010/main" val="0"/>
-                </a:ext>
-              </a:extLst>
-            </a:blip>
-            <a:srcRect l="9687" r="11612"/>
-            <a:stretch/>
-          </p:blipFill>
-          <p:spPr>
-            <a:xfrm>
-              <a:off x="1786070" y="1548361"/>
-              <a:ext cx="1204957" cy="2778371"/>
-            </a:xfrm>
-            <a:prstGeom prst="rect">
-              <a:avLst/>
-            </a:prstGeom>
-          </p:spPr>
-        </p:pic>
-        <p:cxnSp>
-          <p:nvCxnSpPr>
-            <p:cNvPr id="12" name="Conector angular 11"/>
-            <p:cNvCxnSpPr>
-              <a:stCxn id="2" idx="3"/>
-              <a:endCxn id="20" idx="2"/>
-            </p:cNvCxnSpPr>
-            <p:nvPr/>
-          </p:nvCxnSpPr>
-          <p:spPr>
-            <a:xfrm flipV="1">
-              <a:off x="5999148" y="2081851"/>
-              <a:ext cx="1476088" cy="855696"/>
-            </a:xfrm>
-            <a:prstGeom prst="bentConnector3">
-              <a:avLst>
-                <a:gd name="adj1" fmla="val 34368"/>
-              </a:avLst>
-            </a:prstGeom>
-            <a:ln w="28575">
-              <a:solidFill>
-                <a:schemeClr val="accent5"/>
-              </a:solidFill>
-              <a:tailEnd type="triangle"/>
-            </a:ln>
-          </p:spPr>
-          <p:style>
-            <a:lnRef idx="1">
-              <a:schemeClr val="accent1"/>
-            </a:lnRef>
-            <a:fillRef idx="0">
-              <a:schemeClr val="accent1"/>
-            </a:fillRef>
-            <a:effectRef idx="0">
-              <a:schemeClr val="accent1"/>
-            </a:effectRef>
-            <a:fontRef idx="minor">
-              <a:schemeClr val="tx1"/>
-            </a:fontRef>
-          </p:style>
-        </p:cxnSp>
-        <p:cxnSp>
-          <p:nvCxnSpPr>
-            <p:cNvPr id="74" name="Conector angular 73"/>
-            <p:cNvCxnSpPr>
-              <a:endCxn id="71" idx="2"/>
-            </p:cNvCxnSpPr>
-            <p:nvPr/>
-          </p:nvCxnSpPr>
-          <p:spPr>
-            <a:xfrm>
-              <a:off x="5999148" y="3076486"/>
-              <a:ext cx="1482889" cy="564031"/>
-            </a:xfrm>
-            <a:prstGeom prst="bentConnector3">
-              <a:avLst>
-                <a:gd name="adj1" fmla="val 34440"/>
-              </a:avLst>
-            </a:prstGeom>
-            <a:ln w="28575">
-              <a:solidFill>
-                <a:schemeClr val="accent2"/>
-              </a:solidFill>
-              <a:tailEnd type="triangle"/>
-            </a:ln>
-          </p:spPr>
-          <p:style>
-            <a:lnRef idx="1">
-              <a:schemeClr val="accent1"/>
-            </a:lnRef>
-            <a:fillRef idx="0">
-              <a:schemeClr val="accent1"/>
-            </a:fillRef>
-            <a:effectRef idx="0">
-              <a:schemeClr val="accent1"/>
-            </a:effectRef>
-            <a:fontRef idx="minor">
-              <a:schemeClr val="tx1"/>
-            </a:fontRef>
-          </p:style>
-        </p:cxnSp>
-      </p:grpSp>
-      <p:sp>
-        <p:nvSpPr>
-          <p:cNvPr id="82" name="CuadroTexto 81"/>
-          <p:cNvSpPr txBox="1"/>
-          <p:nvPr/>
-        </p:nvSpPr>
-        <p:spPr>
-          <a:xfrm>
-            <a:off x="6532448" y="2689864"/>
-            <a:ext cx="1229884" cy="523220"/>
-          </a:xfrm>
-          <a:prstGeom prst="rect">
-            <a:avLst/>
-          </a:prstGeom>
-          <a:noFill/>
-        </p:spPr>
-        <p:txBody>
-          <a:bodyPr wrap="square" rtlCol="0">
-            <a:spAutoFit/>
-          </a:bodyPr>
-          <a:lstStyle/>
-          <a:p>
-            <a:r>
-              <a:rPr lang="es-ES" sz="1400" dirty="0" err="1" smtClean="0">
-                <a:latin typeface="Bahnschrift Light SemiCondensed" panose="020B0502040204020203" pitchFamily="34" charset="0"/>
-              </a:rPr>
-              <a:t>Phonological</a:t>
-            </a:r>
-            <a:r>
-              <a:rPr lang="es-ES" sz="1400" dirty="0" smtClean="0">
-                <a:latin typeface="Bahnschrift Light SemiCondensed" panose="020B0502040204020203" pitchFamily="34" charset="0"/>
-              </a:rPr>
-              <a:t> </a:t>
-            </a:r>
-            <a:r>
-              <a:rPr lang="es-ES" sz="1400" dirty="0" err="1" smtClean="0">
-                <a:latin typeface="Bahnschrift Light SemiCondensed" panose="020B0502040204020203" pitchFamily="34" charset="0"/>
-              </a:rPr>
-              <a:t>retrieval</a:t>
-            </a:r>
-            <a:endParaRPr lang="en-GB" sz="1400" dirty="0">
-              <a:latin typeface="Bahnschrift Light SemiCondensed" panose="020B0502040204020203" pitchFamily="34" charset="0"/>
-            </a:endParaRPr>
-          </a:p>
-        </p:txBody>
-      </p:sp>
-    </p:spTree>
-    <p:extLst>
-      <p:ext uri="{BB962C8B-B14F-4D97-AF65-F5344CB8AC3E}">
-        <p14:creationId xmlns:p14="http://schemas.microsoft.com/office/powerpoint/2010/main" val="2532002125"/>
-      </p:ext>
-    </p:extLst>
-  </p:cSld>
-  <p:clrMapOvr>
-    <a:masterClrMapping/>
-  </p:clrMapOvr>
-</p:sld>
-</file>
-
-<file path=ppt/slides/slide3.xml><?xml version="1.0" encoding="utf-8"?>
-<p:sld xmlns:a="http://schemas.openxmlformats.org/drawingml/2006/main" xmlns:r="http://schemas.openxmlformats.org/officeDocument/2006/relationships" xmlns:p="http://schemas.openxmlformats.org/presentationml/2006/main">
-  <p:cSld>
-    <p:spTree>
-      <p:nvGrpSpPr>
-        <p:cNvPr id="1" name=""/>
-        <p:cNvGrpSpPr/>
-        <p:nvPr/>
-      </p:nvGrpSpPr>
-      <p:grpSpPr>
-        <a:xfrm>
-          <a:off x="0" y="0"/>
-          <a:ext cx="0" cy="0"/>
-          <a:chOff x="0" y="0"/>
-          <a:chExt cx="0" cy="0"/>
-        </a:xfrm>
-      </p:grpSpPr>
-      <p:sp>
-        <p:nvSpPr>
-          <p:cNvPr id="63" name="CuadroTexto 62"/>
-          <p:cNvSpPr txBox="1"/>
-          <p:nvPr/>
-        </p:nvSpPr>
-        <p:spPr>
-          <a:xfrm>
-            <a:off x="8089143" y="2694463"/>
-            <a:ext cx="1359591" cy="523220"/>
-          </a:xfrm>
-          <a:prstGeom prst="rect">
-            <a:avLst/>
-          </a:prstGeom>
-          <a:noFill/>
-        </p:spPr>
-        <p:txBody>
-          <a:bodyPr wrap="square" rtlCol="0">
-            <a:spAutoFit/>
-          </a:bodyPr>
-          <a:lstStyle/>
-          <a:p>
-            <a:r>
-              <a:rPr lang="es-ES" sz="1400" dirty="0" smtClean="0">
-                <a:latin typeface="Bahnschrift Light SemiCondensed" panose="020B0502040204020203" pitchFamily="34" charset="0"/>
-              </a:rPr>
-              <a:t>Cross-</a:t>
-            </a:r>
-            <a:r>
-              <a:rPr lang="es-ES" sz="1400" dirty="0" err="1" smtClean="0">
-                <a:latin typeface="Bahnschrift Light SemiCondensed" panose="020B0502040204020203" pitchFamily="34" charset="0"/>
-              </a:rPr>
-              <a:t>language</a:t>
-            </a:r>
-            <a:r>
-              <a:rPr lang="es-ES" sz="1400" dirty="0" smtClean="0">
-                <a:latin typeface="Bahnschrift Light SemiCondensed" panose="020B0502040204020203" pitchFamily="34" charset="0"/>
-              </a:rPr>
-              <a:t> </a:t>
-            </a:r>
-            <a:r>
-              <a:rPr lang="es-ES" sz="1400" dirty="0" err="1" smtClean="0">
-                <a:latin typeface="Bahnschrift Light SemiCondensed" panose="020B0502040204020203" pitchFamily="34" charset="0"/>
-              </a:rPr>
-              <a:t>activation</a:t>
-            </a:r>
-            <a:endParaRPr lang="en-GB" sz="1400" dirty="0">
-              <a:latin typeface="Bahnschrift Light SemiCondensed" panose="020B0502040204020203" pitchFamily="34" charset="0"/>
-            </a:endParaRPr>
-          </a:p>
-        </p:txBody>
-      </p:sp>
-      <p:grpSp>
-        <p:nvGrpSpPr>
-          <p:cNvPr id="17" name="Grupo 16"/>
-          <p:cNvGrpSpPr/>
-          <p:nvPr/>
-        </p:nvGrpSpPr>
-        <p:grpSpPr>
-          <a:xfrm>
-            <a:off x="1786070" y="875093"/>
-            <a:ext cx="8964539" cy="4012473"/>
-            <a:chOff x="1786070" y="875093"/>
-            <a:chExt cx="8964539" cy="4012473"/>
-          </a:xfrm>
-        </p:grpSpPr>
-        <p:grpSp>
-          <p:nvGrpSpPr>
-            <p:cNvPr id="31" name="Grupo 30"/>
-            <p:cNvGrpSpPr/>
-            <p:nvPr/>
-          </p:nvGrpSpPr>
-          <p:grpSpPr>
-            <a:xfrm>
-              <a:off x="1786070" y="875093"/>
-              <a:ext cx="8964539" cy="4012473"/>
-              <a:chOff x="1786070" y="618719"/>
-              <a:chExt cx="8964539" cy="4012473"/>
+              <a:off x="2915227" y="618719"/>
+              <a:ext cx="7835382" cy="4012473"/>
+              <a:chOff x="2915227" y="618719"/>
+              <a:chExt cx="7835382" cy="4012473"/>
             </a:xfrm>
           </p:grpSpPr>
-          <p:sp>
-            <p:nvSpPr>
-              <p:cNvPr id="32" name="Rectángulo 31"/>
-              <p:cNvSpPr/>
-              <p:nvPr/>
-            </p:nvSpPr>
-            <p:spPr>
-              <a:xfrm>
-                <a:off x="3725546" y="1159753"/>
-                <a:ext cx="3093998" cy="3471439"/>
-              </a:xfrm>
-              <a:prstGeom prst="rect">
-                <a:avLst/>
-              </a:prstGeom>
-              <a:solidFill>
-                <a:schemeClr val="bg1">
-                  <a:lumMod val="95000"/>
-                </a:schemeClr>
-              </a:solidFill>
-              <a:ln>
-                <a:noFill/>
-              </a:ln>
-            </p:spPr>
-            <p:style>
-              <a:lnRef idx="2">
-                <a:schemeClr val="accent1">
-                  <a:shade val="50000"/>
-                </a:schemeClr>
-              </a:lnRef>
-              <a:fillRef idx="1">
-                <a:schemeClr val="accent1"/>
-              </a:fillRef>
-              <a:effectRef idx="0">
-                <a:schemeClr val="accent1"/>
-              </a:effectRef>
-              <a:fontRef idx="minor">
-                <a:schemeClr val="lt1"/>
-              </a:fontRef>
-            </p:style>
-            <p:txBody>
-              <a:bodyPr rtlCol="0" anchor="ctr"/>
-              <a:lstStyle/>
-              <a:p>
-                <a:pPr algn="ctr"/>
-                <a:endParaRPr lang="en-GB"/>
-              </a:p>
-            </p:txBody>
-          </p:sp>
-          <p:sp>
-            <p:nvSpPr>
-              <p:cNvPr id="33" name="Rectángulo 32"/>
-              <p:cNvSpPr/>
-              <p:nvPr/>
-            </p:nvSpPr>
-            <p:spPr>
-              <a:xfrm>
-                <a:off x="6819543" y="1159753"/>
-                <a:ext cx="2469735" cy="1734908"/>
-              </a:xfrm>
-              <a:prstGeom prst="rect">
-                <a:avLst/>
-              </a:prstGeom>
-              <a:solidFill>
-                <a:schemeClr val="accent1">
-                  <a:lumMod val="20000"/>
-                  <a:lumOff val="80000"/>
-                </a:schemeClr>
-              </a:solidFill>
-              <a:ln>
-                <a:noFill/>
-              </a:ln>
-            </p:spPr>
-            <p:style>
-              <a:lnRef idx="2">
-                <a:schemeClr val="accent1">
-                  <a:shade val="50000"/>
-                </a:schemeClr>
-              </a:lnRef>
-              <a:fillRef idx="1">
-                <a:schemeClr val="accent1"/>
-              </a:fillRef>
-              <a:effectRef idx="0">
-                <a:schemeClr val="accent1"/>
-              </a:effectRef>
-              <a:fontRef idx="minor">
-                <a:schemeClr val="lt1"/>
-              </a:fontRef>
-            </p:style>
-            <p:txBody>
-              <a:bodyPr rtlCol="0" anchor="ctr"/>
-              <a:lstStyle/>
-              <a:p>
-                <a:pPr algn="ctr"/>
-                <a:endParaRPr lang="en-GB"/>
-              </a:p>
-            </p:txBody>
-          </p:sp>
           <p:grpSp>
             <p:nvGrpSpPr>
-              <p:cNvPr id="34" name="Grupo 33"/>
+              <p:cNvPr id="79" name="Grupo 78"/>
               <p:cNvGrpSpPr/>
               <p:nvPr/>
             </p:nvGrpSpPr>
             <p:grpSpPr>
               <a:xfrm>
-                <a:off x="7475236" y="1758829"/>
-                <a:ext cx="1158350" cy="646043"/>
-                <a:chOff x="4267355" y="1783512"/>
-                <a:chExt cx="991894" cy="646043"/>
+                <a:off x="2915227" y="618719"/>
+                <a:ext cx="7835382" cy="4012473"/>
+                <a:chOff x="2915227" y="618719"/>
+                <a:chExt cx="7835382" cy="4012473"/>
               </a:xfrm>
-              <a:solidFill>
-                <a:schemeClr val="accent1">
-                  <a:lumMod val="60000"/>
-                  <a:lumOff val="40000"/>
-                </a:schemeClr>
-              </a:solidFill>
             </p:grpSpPr>
             <p:sp>
               <p:nvSpPr>
-                <p:cNvPr id="61" name="Elipse 60"/>
+                <p:cNvPr id="5" name="Rectángulo 4"/>
                 <p:cNvSpPr/>
                 <p:nvPr/>
               </p:nvSpPr>
               <p:spPr>
                 <a:xfrm>
-                  <a:off x="4267355" y="1783512"/>
-                  <a:ext cx="991894" cy="646043"/>
+                  <a:off x="3725546" y="1159753"/>
+                  <a:ext cx="3093998" cy="3471439"/>
                 </a:xfrm>
-                <a:prstGeom prst="ellipse">
+                <a:prstGeom prst="rect">
                   <a:avLst/>
                 </a:prstGeom>
-                <a:grpFill/>
-                <a:ln w="19050">
+                <a:solidFill>
+                  <a:schemeClr val="bg1">
+                    <a:lumMod val="95000"/>
+                  </a:schemeClr>
+                </a:solidFill>
+                <a:ln>
                   <a:noFill/>
                 </a:ln>
               </p:spPr>
@@ -5131,19 +3891,24 @@
             </p:sp>
             <p:sp>
               <p:nvSpPr>
-                <p:cNvPr id="62" name="Rectángulo 61"/>
+                <p:cNvPr id="6" name="Rectángulo 5"/>
                 <p:cNvSpPr/>
                 <p:nvPr/>
               </p:nvSpPr>
               <p:spPr>
                 <a:xfrm>
-                  <a:off x="4354674" y="1944744"/>
-                  <a:ext cx="823079" cy="299103"/>
+                  <a:off x="6819543" y="1159753"/>
+                  <a:ext cx="2469735" cy="1734908"/>
                 </a:xfrm>
                 <a:prstGeom prst="rect">
                   <a:avLst/>
                 </a:prstGeom>
-                <a:grpFill/>
+                <a:solidFill>
+                  <a:schemeClr val="accent1">
+                    <a:lumMod val="20000"/>
+                    <a:lumOff val="80000"/>
+                  </a:schemeClr>
+                </a:solidFill>
                 <a:ln>
                   <a:noFill/>
                 </a:ln>
@@ -5169,556 +3934,278 @@
                 <a:lstStyle/>
                 <a:p>
                   <a:pPr algn="ctr"/>
-                  <a:r>
-                    <a:rPr lang="pt-BR" dirty="0" smtClean="0">
+                  <a:endParaRPr lang="en-GB"/>
+                </a:p>
+              </p:txBody>
+            </p:sp>
+            <p:grpSp>
+              <p:nvGrpSpPr>
+                <p:cNvPr id="8" name="Grupo 7"/>
+                <p:cNvGrpSpPr/>
+                <p:nvPr/>
+              </p:nvGrpSpPr>
+              <p:grpSpPr>
+                <a:xfrm>
+                  <a:off x="7475236" y="1758829"/>
+                  <a:ext cx="1158350" cy="646043"/>
+                  <a:chOff x="4267355" y="1783512"/>
+                  <a:chExt cx="991894" cy="646043"/>
+                </a:xfrm>
+                <a:solidFill>
+                  <a:schemeClr val="accent1">
+                    <a:lumMod val="60000"/>
+                    <a:lumOff val="40000"/>
+                  </a:schemeClr>
+                </a:solidFill>
+              </p:grpSpPr>
+              <p:sp>
+                <p:nvSpPr>
+                  <p:cNvPr id="20" name="Elipse 19"/>
+                  <p:cNvSpPr/>
+                  <p:nvPr/>
+                </p:nvSpPr>
+                <p:spPr>
+                  <a:xfrm>
+                    <a:off x="4267355" y="1783512"/>
+                    <a:ext cx="991894" cy="646043"/>
+                  </a:xfrm>
+                  <a:prstGeom prst="ellipse">
+                    <a:avLst/>
+                  </a:prstGeom>
+                  <a:grpFill/>
+                  <a:ln w="19050">
+                    <a:noFill/>
+                  </a:ln>
+                </p:spPr>
+                <p:style>
+                  <a:lnRef idx="2">
+                    <a:schemeClr val="accent1">
+                      <a:shade val="50000"/>
+                    </a:schemeClr>
+                  </a:lnRef>
+                  <a:fillRef idx="1">
+                    <a:schemeClr val="accent1"/>
+                  </a:fillRef>
+                  <a:effectRef idx="0">
+                    <a:schemeClr val="accent1"/>
+                  </a:effectRef>
+                  <a:fontRef idx="minor">
+                    <a:schemeClr val="lt1"/>
+                  </a:fontRef>
+                </p:style>
+                <p:txBody>
+                  <a:bodyPr rtlCol="0" anchor="ctr"/>
+                  <a:lstStyle/>
+                  <a:p>
+                    <a:pPr algn="ctr"/>
+                    <a:endParaRPr lang="en-GB"/>
+                  </a:p>
+                </p:txBody>
+              </p:sp>
+              <p:sp>
+                <p:nvSpPr>
+                  <p:cNvPr id="21" name="Rectángulo 20"/>
+                  <p:cNvSpPr/>
+                  <p:nvPr/>
+                </p:nvSpPr>
+                <p:spPr>
+                  <a:xfrm>
+                    <a:off x="4354674" y="1944744"/>
+                    <a:ext cx="823079" cy="299103"/>
+                  </a:xfrm>
+                  <a:prstGeom prst="rect">
+                    <a:avLst/>
+                  </a:prstGeom>
+                  <a:grpFill/>
+                  <a:ln>
+                    <a:noFill/>
+                  </a:ln>
+                </p:spPr>
+                <p:style>
+                  <a:lnRef idx="2">
+                    <a:schemeClr val="accent1">
+                      <a:shade val="50000"/>
+                    </a:schemeClr>
+                  </a:lnRef>
+                  <a:fillRef idx="1">
+                    <a:schemeClr val="accent1"/>
+                  </a:fillRef>
+                  <a:effectRef idx="0">
+                    <a:schemeClr val="accent1"/>
+                  </a:effectRef>
+                  <a:fontRef idx="minor">
+                    <a:schemeClr val="lt1"/>
+                  </a:fontRef>
+                </p:style>
+                <p:txBody>
+                  <a:bodyPr rtlCol="0" anchor="ctr"/>
+                  <a:lstStyle/>
+                  <a:p>
+                    <a:pPr algn="ctr"/>
+                    <a:r>
+                      <a:rPr lang="pt-BR" dirty="0" smtClean="0">
+                        <a:solidFill>
+                          <a:schemeClr val="tx1"/>
+                        </a:solidFill>
+                        <a:latin typeface="Bahnschrift Light SemiCondensed" panose="020B0502040204020203" pitchFamily="34" charset="0"/>
+                      </a:rPr>
+                      <a:t>/’me.sa/</a:t>
+                    </a:r>
+                    <a:endParaRPr lang="pt-BR" dirty="0">
                       <a:solidFill>
                         <a:schemeClr val="tx1"/>
                       </a:solidFill>
                       <a:latin typeface="Bahnschrift Light SemiCondensed" panose="020B0502040204020203" pitchFamily="34" charset="0"/>
+                    </a:endParaRPr>
+                  </a:p>
+                </p:txBody>
+              </p:sp>
+            </p:grpSp>
+            <p:sp>
+              <p:nvSpPr>
+                <p:cNvPr id="11" name="CuadroTexto 10"/>
+                <p:cNvSpPr txBox="1"/>
+                <p:nvPr/>
+              </p:nvSpPr>
+              <p:spPr>
+                <a:xfrm>
+                  <a:off x="4507212" y="618719"/>
+                  <a:ext cx="1562272" cy="523220"/>
+                </a:xfrm>
+                <a:prstGeom prst="rect">
+                  <a:avLst/>
+                </a:prstGeom>
+                <a:noFill/>
+              </p:spPr>
+              <p:txBody>
+                <a:bodyPr wrap="square" rtlCol="0" anchor="ctr">
+                  <a:spAutoFit/>
+                </a:bodyPr>
+                <a:lstStyle/>
+                <a:p>
+                  <a:pPr algn="ctr"/>
+                  <a:r>
+                    <a:rPr lang="es-ES" sz="1400" dirty="0" err="1" smtClean="0">
+                      <a:latin typeface="Bahnschrift Light SemiCondensed" panose="020B0502040204020203" pitchFamily="34" charset="0"/>
                     </a:rPr>
-                    <a:t>/</a:t>
+                    <a:t>Semantic</a:t>
                   </a:r>
                   <a:r>
-                    <a:rPr lang="pt-BR" dirty="0" smtClean="0">
+                    <a:rPr lang="es-ES" sz="1400" dirty="0" smtClean="0">
+                      <a:latin typeface="Bahnschrift Light SemiCondensed" panose="020B0502040204020203" pitchFamily="34" charset="0"/>
+                    </a:rPr>
+                    <a:t> </a:t>
+                  </a:r>
+                  <a:r>
+                    <a:rPr lang="es-ES" sz="1400" dirty="0" err="1" smtClean="0">
+                      <a:latin typeface="Bahnschrift Light SemiCondensed" panose="020B0502040204020203" pitchFamily="34" charset="0"/>
+                    </a:rPr>
+                    <a:t>representations</a:t>
+                  </a:r>
+                  <a:endParaRPr lang="en-GB" sz="1400" dirty="0">
+                    <a:latin typeface="Bahnschrift Light SemiCondensed" panose="020B0502040204020203" pitchFamily="34" charset="0"/>
+                  </a:endParaRPr>
+                </a:p>
+              </p:txBody>
+            </p:sp>
+            <p:sp>
+              <p:nvSpPr>
+                <p:cNvPr id="15" name="CuadroTexto 14"/>
+                <p:cNvSpPr txBox="1"/>
+                <p:nvPr/>
+              </p:nvSpPr>
+              <p:spPr>
+                <a:xfrm>
+                  <a:off x="8468219" y="1155237"/>
+                  <a:ext cx="821059" cy="338554"/>
+                </a:xfrm>
+                <a:prstGeom prst="rect">
+                  <a:avLst/>
+                </a:prstGeom>
+                <a:noFill/>
+              </p:spPr>
+              <p:txBody>
+                <a:bodyPr wrap="none" rtlCol="0">
+                  <a:spAutoFit/>
+                </a:bodyPr>
+                <a:lstStyle/>
+                <a:p>
+                  <a:pPr algn="r"/>
+                  <a:r>
+                    <a:rPr lang="es-ES" sz="1600" dirty="0" err="1" smtClean="0">
                       <a:solidFill>
-                        <a:schemeClr val="tx1"/>
+                        <a:srgbClr val="002060"/>
                       </a:solidFill>
                       <a:latin typeface="Bahnschrift Light SemiCondensed" panose="020B0502040204020203" pitchFamily="34" charset="0"/>
                     </a:rPr>
-                    <a:t>’</a:t>
+                    <a:t>Spanish</a:t>
                   </a:r>
-                  <a:r>
-                    <a:rPr lang="pt-BR" dirty="0" err="1" smtClean="0">
-                      <a:solidFill>
-                        <a:schemeClr val="tx1"/>
-                      </a:solidFill>
-                      <a:latin typeface="Bahnschrift Light SemiCondensed" panose="020B0502040204020203" pitchFamily="34" charset="0"/>
-                    </a:rPr>
-                    <a:t>taw.lə</a:t>
-                  </a:r>
-                  <a:r>
-                    <a:rPr lang="pt-BR" dirty="0" smtClean="0">
-                      <a:solidFill>
-                        <a:schemeClr val="tx1"/>
-                      </a:solidFill>
-                      <a:latin typeface="Bahnschrift Light SemiCondensed" panose="020B0502040204020203" pitchFamily="34" charset="0"/>
-                    </a:rPr>
-                    <a:t>/</a:t>
-                  </a:r>
-                  <a:endParaRPr lang="pt-BR" dirty="0">
+                  <a:endParaRPr lang="en-GB" sz="1600" dirty="0">
                     <a:solidFill>
-                      <a:schemeClr val="tx1"/>
+                      <a:srgbClr val="002060"/>
                     </a:solidFill>
                     <a:latin typeface="Bahnschrift Light SemiCondensed" panose="020B0502040204020203" pitchFamily="34" charset="0"/>
                   </a:endParaRPr>
                 </a:p>
               </p:txBody>
             </p:sp>
-          </p:grpSp>
-          <p:sp>
-            <p:nvSpPr>
-              <p:cNvPr id="35" name="CuadroTexto 34"/>
-              <p:cNvSpPr txBox="1"/>
-              <p:nvPr/>
-            </p:nvSpPr>
-            <p:spPr>
-              <a:xfrm>
-                <a:off x="4507212" y="618719"/>
-                <a:ext cx="1562272" cy="523220"/>
-              </a:xfrm>
-              <a:prstGeom prst="rect">
-                <a:avLst/>
-              </a:prstGeom>
-              <a:noFill/>
-            </p:spPr>
-            <p:txBody>
-              <a:bodyPr wrap="square" rtlCol="0" anchor="ctr">
-                <a:spAutoFit/>
-              </a:bodyPr>
-              <a:lstStyle/>
-              <a:p>
-                <a:pPr algn="ctr"/>
-                <a:r>
-                  <a:rPr lang="es-ES" sz="1400" dirty="0" err="1" smtClean="0">
-                    <a:latin typeface="Bahnschrift Light SemiCondensed" panose="020B0502040204020203" pitchFamily="34" charset="0"/>
-                  </a:rPr>
-                  <a:t>Semantic</a:t>
-                </a:r>
-                <a:r>
-                  <a:rPr lang="es-ES" sz="1400" dirty="0" smtClean="0">
-                    <a:latin typeface="Bahnschrift Light SemiCondensed" panose="020B0502040204020203" pitchFamily="34" charset="0"/>
-                  </a:rPr>
-                  <a:t> </a:t>
-                </a:r>
-                <a:r>
-                  <a:rPr lang="es-ES" sz="1400" dirty="0" err="1" smtClean="0">
-                    <a:latin typeface="Bahnschrift Light SemiCondensed" panose="020B0502040204020203" pitchFamily="34" charset="0"/>
-                  </a:rPr>
-                  <a:t>representations</a:t>
-                </a:r>
-                <a:endParaRPr lang="en-GB" sz="1400" dirty="0">
-                  <a:latin typeface="Bahnschrift Light SemiCondensed" panose="020B0502040204020203" pitchFamily="34" charset="0"/>
-                </a:endParaRPr>
-              </a:p>
-            </p:txBody>
-          </p:sp>
-          <p:sp>
-            <p:nvSpPr>
-              <p:cNvPr id="36" name="CuadroTexto 35"/>
-              <p:cNvSpPr txBox="1"/>
-              <p:nvPr/>
-            </p:nvSpPr>
-            <p:spPr>
-              <a:xfrm>
-                <a:off x="8497073" y="1155237"/>
-                <a:ext cx="792205" cy="338554"/>
-              </a:xfrm>
-              <a:prstGeom prst="rect">
-                <a:avLst/>
-              </a:prstGeom>
-              <a:noFill/>
-            </p:spPr>
-            <p:txBody>
-              <a:bodyPr wrap="none" rtlCol="0">
-                <a:spAutoFit/>
-              </a:bodyPr>
-              <a:lstStyle/>
-              <a:p>
-                <a:pPr algn="r"/>
-                <a:r>
-                  <a:rPr lang="es-ES" sz="1600" dirty="0" err="1" smtClean="0">
-                    <a:solidFill>
-                      <a:srgbClr val="002060"/>
-                    </a:solidFill>
-                    <a:latin typeface="Bahnschrift Light SemiCondensed" panose="020B0502040204020203" pitchFamily="34" charset="0"/>
-                  </a:rPr>
-                  <a:t>Catalan</a:t>
-                </a:r>
-                <a:endParaRPr lang="en-GB" sz="1600" dirty="0">
-                  <a:solidFill>
-                    <a:srgbClr val="002060"/>
-                  </a:solidFill>
-                  <a:latin typeface="Bahnschrift Light SemiCondensed" panose="020B0502040204020203" pitchFamily="34" charset="0"/>
-                </a:endParaRPr>
-              </a:p>
-            </p:txBody>
-          </p:sp>
-          <p:sp>
-            <p:nvSpPr>
-              <p:cNvPr id="37" name="CuadroTexto 36"/>
-              <p:cNvSpPr txBox="1"/>
-              <p:nvPr/>
-            </p:nvSpPr>
-            <p:spPr>
-              <a:xfrm>
-                <a:off x="7084694" y="618719"/>
-                <a:ext cx="1939431" cy="523220"/>
-              </a:xfrm>
-              <a:prstGeom prst="rect">
-                <a:avLst/>
-              </a:prstGeom>
-              <a:noFill/>
-            </p:spPr>
-            <p:txBody>
-              <a:bodyPr wrap="square" rtlCol="0" anchor="ctr">
-                <a:spAutoFit/>
-              </a:bodyPr>
-              <a:lstStyle/>
-              <a:p>
-                <a:pPr algn="ctr"/>
-                <a:r>
-                  <a:rPr lang="es-ES" sz="1400" dirty="0" err="1" smtClean="0">
-                    <a:latin typeface="Bahnschrift Light SemiCondensed" panose="020B0502040204020203" pitchFamily="34" charset="0"/>
-                  </a:rPr>
-                  <a:t>Phonological</a:t>
-                </a:r>
-                <a:r>
-                  <a:rPr lang="es-ES" sz="1400" dirty="0" smtClean="0">
-                    <a:latin typeface="Bahnschrift Light SemiCondensed" panose="020B0502040204020203" pitchFamily="34" charset="0"/>
-                  </a:rPr>
-                  <a:t> </a:t>
-                </a:r>
-                <a:r>
-                  <a:rPr lang="es-ES" sz="1400" dirty="0" err="1" smtClean="0">
-                    <a:latin typeface="Bahnschrift Light SemiCondensed" panose="020B0502040204020203" pitchFamily="34" charset="0"/>
-                  </a:rPr>
-                  <a:t>representations</a:t>
-                </a:r>
-                <a:endParaRPr lang="en-GB" sz="1400" dirty="0">
-                  <a:latin typeface="Bahnschrift Light SemiCondensed" panose="020B0502040204020203" pitchFamily="34" charset="0"/>
-                </a:endParaRPr>
-              </a:p>
-            </p:txBody>
-          </p:sp>
-          <p:sp>
-            <p:nvSpPr>
-              <p:cNvPr id="38" name="Rectángulo 37"/>
-              <p:cNvSpPr/>
-              <p:nvPr/>
-            </p:nvSpPr>
-            <p:spPr>
-              <a:xfrm>
-                <a:off x="4215721" y="1404731"/>
-                <a:ext cx="2139019" cy="1321722"/>
-              </a:xfrm>
-              <a:prstGeom prst="rect">
-                <a:avLst/>
-              </a:prstGeom>
-              <a:noFill/>
-              <a:ln>
-                <a:noFill/>
-              </a:ln>
-            </p:spPr>
-            <p:style>
-              <a:lnRef idx="2">
-                <a:schemeClr val="accent1">
-                  <a:shade val="50000"/>
-                </a:schemeClr>
-              </a:lnRef>
-              <a:fillRef idx="1">
-                <a:schemeClr val="accent1"/>
-              </a:fillRef>
-              <a:effectRef idx="0">
-                <a:schemeClr val="accent1"/>
-              </a:effectRef>
-              <a:fontRef idx="minor">
-                <a:schemeClr val="lt1"/>
-              </a:fontRef>
-            </p:style>
-            <p:txBody>
-              <a:bodyPr rtlCol="0" anchor="ctr"/>
-              <a:lstStyle/>
-              <a:p>
-                <a:pPr algn="ctr"/>
-                <a:endParaRPr lang="en-GB"/>
-              </a:p>
-            </p:txBody>
-          </p:sp>
-          <p:cxnSp>
-            <p:nvCxnSpPr>
-              <p:cNvPr id="39" name="Conector recto de flecha 38"/>
-              <p:cNvCxnSpPr>
-                <a:stCxn id="52" idx="3"/>
-                <a:endCxn id="51" idx="1"/>
-              </p:cNvCxnSpPr>
-              <p:nvPr/>
-            </p:nvCxnSpPr>
-            <p:spPr>
-              <a:xfrm>
-                <a:off x="2991027" y="2937547"/>
-                <a:ext cx="1786072" cy="0"/>
-              </a:xfrm>
-              <a:prstGeom prst="straightConnector1">
-                <a:avLst/>
-              </a:prstGeom>
-              <a:ln w="28575">
-                <a:solidFill>
-                  <a:schemeClr val="tx1"/>
-                </a:solidFill>
-                <a:tailEnd type="triangle"/>
-              </a:ln>
-            </p:spPr>
-            <p:style>
-              <a:lnRef idx="1">
-                <a:schemeClr val="accent1"/>
-              </a:lnRef>
-              <a:fillRef idx="0">
-                <a:schemeClr val="accent1"/>
-              </a:fillRef>
-              <a:effectRef idx="0">
-                <a:schemeClr val="accent1"/>
-              </a:effectRef>
-              <a:fontRef idx="minor">
-                <a:schemeClr val="tx1"/>
-              </a:fontRef>
-            </p:style>
-          </p:cxnSp>
-          <p:sp>
-            <p:nvSpPr>
-              <p:cNvPr id="40" name="CuadroTexto 39"/>
-              <p:cNvSpPr txBox="1"/>
-              <p:nvPr/>
-            </p:nvSpPr>
-            <p:spPr>
-              <a:xfrm>
-                <a:off x="3241045" y="2369718"/>
-                <a:ext cx="1229884" cy="523220"/>
-              </a:xfrm>
-              <a:prstGeom prst="rect">
-                <a:avLst/>
-              </a:prstGeom>
-              <a:noFill/>
-            </p:spPr>
-            <p:txBody>
-              <a:bodyPr wrap="square" rtlCol="0">
-                <a:spAutoFit/>
-              </a:bodyPr>
-              <a:lstStyle/>
-              <a:p>
-                <a:pPr algn="ctr"/>
-                <a:r>
-                  <a:rPr lang="es-ES" sz="1400" dirty="0" smtClean="0">
-                    <a:latin typeface="Bahnschrift Light SemiCondensed" panose="020B0502040204020203" pitchFamily="34" charset="0"/>
-                  </a:rPr>
-                  <a:t>Visual </a:t>
-                </a:r>
-                <a:r>
-                  <a:rPr lang="es-ES" sz="1400" dirty="0" err="1" smtClean="0">
-                    <a:latin typeface="Bahnschrift Light SemiCondensed" panose="020B0502040204020203" pitchFamily="34" charset="0"/>
-                  </a:rPr>
-                  <a:t>recognition</a:t>
-                </a:r>
-                <a:endParaRPr lang="en-GB" sz="1400" dirty="0">
-                  <a:latin typeface="Bahnschrift Light SemiCondensed" panose="020B0502040204020203" pitchFamily="34" charset="0"/>
-                </a:endParaRPr>
-              </a:p>
-            </p:txBody>
-          </p:sp>
-          <p:pic>
-            <p:nvPicPr>
-              <p:cNvPr id="41" name="Imagen 40"/>
-              <p:cNvPicPr>
-                <a:picLocks noChangeAspect="1"/>
-              </p:cNvPicPr>
-              <p:nvPr/>
-            </p:nvPicPr>
-            <p:blipFill rotWithShape="1">
-              <a:blip r:embed="rId2" cstate="print">
-                <a:duotone>
-                  <a:schemeClr val="accent5">
-                    <a:shade val="45000"/>
-                    <a:satMod val="135000"/>
-                  </a:schemeClr>
-                  <a:prstClr val="white"/>
-                </a:duotone>
-                <a:extLst>
-                  <a:ext uri="{28A0092B-C50C-407E-A947-70E740481C1C}">
-                    <a14:useLocalDpi xmlns:a14="http://schemas.microsoft.com/office/drawing/2010/main" val="0"/>
-                  </a:ext>
-                </a:extLst>
-              </a:blip>
-              <a:srcRect b="18120"/>
-              <a:stretch/>
-            </p:blipFill>
-            <p:spPr>
-              <a:xfrm>
-                <a:off x="9668527" y="1638843"/>
-                <a:ext cx="1082082" cy="886013"/>
-              </a:xfrm>
-              <a:prstGeom prst="rect">
-                <a:avLst/>
-              </a:prstGeom>
-            </p:spPr>
-          </p:pic>
-          <p:cxnSp>
-            <p:nvCxnSpPr>
-              <p:cNvPr id="43" name="Conector recto de flecha 42"/>
-              <p:cNvCxnSpPr>
-                <a:stCxn id="61" idx="6"/>
-                <a:endCxn id="41" idx="1"/>
-              </p:cNvCxnSpPr>
-              <p:nvPr/>
-            </p:nvCxnSpPr>
-            <p:spPr>
-              <a:xfrm flipV="1">
-                <a:off x="8633586" y="2081850"/>
-                <a:ext cx="1034941" cy="1"/>
-              </a:xfrm>
-              <a:prstGeom prst="straightConnector1">
-                <a:avLst/>
-              </a:prstGeom>
-              <a:ln w="28575">
-                <a:solidFill>
-                  <a:schemeClr val="accent5"/>
-                </a:solidFill>
-                <a:tailEnd type="triangle"/>
-              </a:ln>
-            </p:spPr>
-            <p:style>
-              <a:lnRef idx="1">
-                <a:schemeClr val="accent1"/>
-              </a:lnRef>
-              <a:fillRef idx="0">
-                <a:schemeClr val="accent1"/>
-              </a:fillRef>
-              <a:effectRef idx="0">
-                <a:schemeClr val="accent1"/>
-              </a:effectRef>
-              <a:fontRef idx="minor">
-                <a:schemeClr val="tx1"/>
-              </a:fontRef>
-            </p:style>
-          </p:cxnSp>
-          <p:sp>
-            <p:nvSpPr>
-              <p:cNvPr id="46" name="CuadroTexto 45"/>
-              <p:cNvSpPr txBox="1"/>
-              <p:nvPr/>
-            </p:nvSpPr>
-            <p:spPr>
-              <a:xfrm>
-                <a:off x="8536114" y="2110298"/>
-                <a:ext cx="1229884" cy="307777"/>
-              </a:xfrm>
-              <a:prstGeom prst="rect">
-                <a:avLst/>
-              </a:prstGeom>
-              <a:noFill/>
-            </p:spPr>
-            <p:txBody>
-              <a:bodyPr wrap="square" rtlCol="0">
-                <a:spAutoFit/>
-              </a:bodyPr>
-              <a:lstStyle/>
-              <a:p>
-                <a:pPr algn="ctr"/>
-                <a:r>
-                  <a:rPr lang="es-ES" sz="1400" dirty="0" err="1" smtClean="0">
-                    <a:latin typeface="Bahnschrift Light SemiCondensed" panose="020B0502040204020203" pitchFamily="34" charset="0"/>
-                  </a:rPr>
-                  <a:t>Articulation</a:t>
-                </a:r>
-                <a:endParaRPr lang="en-GB" sz="1400" dirty="0">
-                  <a:latin typeface="Bahnschrift Light SemiCondensed" panose="020B0502040204020203" pitchFamily="34" charset="0"/>
-                </a:endParaRPr>
-              </a:p>
-            </p:txBody>
-          </p:sp>
-          <p:sp>
-            <p:nvSpPr>
-              <p:cNvPr id="47" name="Rectángulo 46"/>
-              <p:cNvSpPr/>
-              <p:nvPr/>
-            </p:nvSpPr>
-            <p:spPr>
-              <a:xfrm>
-                <a:off x="6819541" y="2896284"/>
-                <a:ext cx="2469735" cy="1734908"/>
-              </a:xfrm>
-              <a:prstGeom prst="rect">
-                <a:avLst/>
-              </a:prstGeom>
-              <a:solidFill>
-                <a:schemeClr val="accent2">
-                  <a:lumMod val="20000"/>
-                  <a:lumOff val="80000"/>
-                </a:schemeClr>
-              </a:solidFill>
-              <a:ln>
-                <a:noFill/>
-              </a:ln>
-            </p:spPr>
-            <p:style>
-              <a:lnRef idx="2">
-                <a:schemeClr val="accent1">
-                  <a:shade val="50000"/>
-                </a:schemeClr>
-              </a:lnRef>
-              <a:fillRef idx="1">
-                <a:schemeClr val="accent1"/>
-              </a:fillRef>
-              <a:effectRef idx="0">
-                <a:schemeClr val="accent1"/>
-              </a:effectRef>
-              <a:fontRef idx="minor">
-                <a:schemeClr val="lt1"/>
-              </a:fontRef>
-            </p:style>
-            <p:txBody>
-              <a:bodyPr rtlCol="0" anchor="ctr"/>
-              <a:lstStyle/>
-              <a:p>
-                <a:pPr algn="ctr"/>
-                <a:endParaRPr lang="en-GB"/>
-              </a:p>
-            </p:txBody>
-          </p:sp>
-          <p:grpSp>
-            <p:nvGrpSpPr>
-              <p:cNvPr id="48" name="Grupo 47"/>
-              <p:cNvGrpSpPr/>
-              <p:nvPr/>
-            </p:nvGrpSpPr>
-            <p:grpSpPr>
-              <a:xfrm>
-                <a:off x="7482037" y="3317495"/>
-                <a:ext cx="1158350" cy="646043"/>
-                <a:chOff x="4185859" y="1763339"/>
-                <a:chExt cx="991894" cy="646043"/>
-              </a:xfrm>
-              <a:solidFill>
-                <a:schemeClr val="accent1">
-                  <a:lumMod val="60000"/>
-                  <a:lumOff val="40000"/>
-                </a:schemeClr>
-              </a:solidFill>
-            </p:grpSpPr>
             <p:sp>
               <p:nvSpPr>
-                <p:cNvPr id="58" name="Elipse 57"/>
-                <p:cNvSpPr/>
+                <p:cNvPr id="16" name="CuadroTexto 15"/>
+                <p:cNvSpPr txBox="1"/>
                 <p:nvPr/>
               </p:nvSpPr>
               <p:spPr>
                 <a:xfrm>
-                  <a:off x="4185859" y="1763339"/>
-                  <a:ext cx="991894" cy="646043"/>
+                  <a:off x="7084694" y="618719"/>
+                  <a:ext cx="1939431" cy="523220"/>
                 </a:xfrm>
-                <a:prstGeom prst="ellipse">
+                <a:prstGeom prst="rect">
                   <a:avLst/>
                 </a:prstGeom>
-                <a:solidFill>
-                  <a:schemeClr val="accent2">
-                    <a:lumMod val="60000"/>
-                    <a:lumOff val="40000"/>
-                  </a:schemeClr>
-                </a:solidFill>
-                <a:ln w="19050">
-                  <a:noFill/>
-                </a:ln>
+                <a:noFill/>
               </p:spPr>
-              <p:style>
-                <a:lnRef idx="2">
-                  <a:schemeClr val="accent1">
-                    <a:shade val="50000"/>
-                  </a:schemeClr>
-                </a:lnRef>
-                <a:fillRef idx="1">
-                  <a:schemeClr val="accent1"/>
-                </a:fillRef>
-                <a:effectRef idx="0">
-                  <a:schemeClr val="accent1"/>
-                </a:effectRef>
-                <a:fontRef idx="minor">
-                  <a:schemeClr val="lt1"/>
-                </a:fontRef>
-              </p:style>
               <p:txBody>
-                <a:bodyPr rtlCol="0" anchor="ctr"/>
+                <a:bodyPr wrap="square" rtlCol="0" anchor="ctr">
+                  <a:spAutoFit/>
+                </a:bodyPr>
                 <a:lstStyle/>
                 <a:p>
                   <a:pPr algn="ctr"/>
-                  <a:endParaRPr lang="en-GB">
-                    <a:solidFill>
-                      <a:schemeClr val="accent2">
-                        <a:lumMod val="40000"/>
-                        <a:lumOff val="60000"/>
-                      </a:schemeClr>
-                    </a:solidFill>
+                  <a:r>
+                    <a:rPr lang="es-ES" sz="1400" dirty="0" err="1" smtClean="0">
+                      <a:latin typeface="Bahnschrift Light SemiCondensed" panose="020B0502040204020203" pitchFamily="34" charset="0"/>
+                    </a:rPr>
+                    <a:t>Phonological</a:t>
+                  </a:r>
+                  <a:r>
+                    <a:rPr lang="es-ES" sz="1400" dirty="0" smtClean="0">
+                      <a:latin typeface="Bahnschrift Light SemiCondensed" panose="020B0502040204020203" pitchFamily="34" charset="0"/>
+                    </a:rPr>
+                    <a:t> </a:t>
+                  </a:r>
+                  <a:r>
+                    <a:rPr lang="es-ES" sz="1400" dirty="0" err="1" smtClean="0">
+                      <a:latin typeface="Bahnschrift Light SemiCondensed" panose="020B0502040204020203" pitchFamily="34" charset="0"/>
+                    </a:rPr>
+                    <a:t>representations</a:t>
+                  </a:r>
+                  <a:endParaRPr lang="en-GB" sz="1400" dirty="0">
+                    <a:latin typeface="Bahnschrift Light SemiCondensed" panose="020B0502040204020203" pitchFamily="34" charset="0"/>
                   </a:endParaRPr>
                 </a:p>
               </p:txBody>
             </p:sp>
             <p:sp>
               <p:nvSpPr>
-                <p:cNvPr id="60" name="Rectángulo 59"/>
+                <p:cNvPr id="23" name="Rectángulo 22"/>
                 <p:cNvSpPr/>
                 <p:nvPr/>
               </p:nvSpPr>
               <p:spPr>
                 <a:xfrm>
-                  <a:off x="4265385" y="1910479"/>
-                  <a:ext cx="823079" cy="299103"/>
+                  <a:off x="4215721" y="1404731"/>
+                  <a:ext cx="2139019" cy="1321722"/>
                 </a:xfrm>
                 <a:prstGeom prst="rect">
                   <a:avLst/>
@@ -5749,233 +4236,531 @@
                 <a:lstStyle/>
                 <a:p>
                   <a:pPr algn="ctr"/>
+                  <a:endParaRPr lang="en-GB"/>
+                </a:p>
+              </p:txBody>
+            </p:sp>
+            <p:cxnSp>
+              <p:nvCxnSpPr>
+                <p:cNvPr id="29" name="Conector recto de flecha 28"/>
+                <p:cNvCxnSpPr>
+                  <a:stCxn id="28" idx="3"/>
+                  <a:endCxn id="30" idx="1"/>
+                </p:cNvCxnSpPr>
+                <p:nvPr/>
+              </p:nvCxnSpPr>
+              <p:spPr>
+                <a:xfrm>
+                  <a:off x="2983906" y="3049475"/>
+                  <a:ext cx="1158350" cy="0"/>
+                </a:xfrm>
+                <a:prstGeom prst="straightConnector1">
+                  <a:avLst/>
+                </a:prstGeom>
+                <a:ln w="28575">
+                  <a:solidFill>
+                    <a:schemeClr val="tx1"/>
+                  </a:solidFill>
+                  <a:tailEnd type="triangle"/>
+                </a:ln>
+              </p:spPr>
+              <p:style>
+                <a:lnRef idx="1">
+                  <a:schemeClr val="accent1"/>
+                </a:lnRef>
+                <a:fillRef idx="0">
+                  <a:schemeClr val="accent1"/>
+                </a:fillRef>
+                <a:effectRef idx="0">
+                  <a:schemeClr val="accent1"/>
+                </a:effectRef>
+                <a:fontRef idx="minor">
+                  <a:schemeClr val="tx1"/>
+                </a:fontRef>
+              </p:style>
+            </p:cxnSp>
+            <p:sp>
+              <p:nvSpPr>
+                <p:cNvPr id="42" name="CuadroTexto 41"/>
+                <p:cNvSpPr txBox="1"/>
+                <p:nvPr/>
+              </p:nvSpPr>
+              <p:spPr>
+                <a:xfrm>
+                  <a:off x="2915227" y="2526254"/>
+                  <a:ext cx="1229884" cy="523220"/>
+                </a:xfrm>
+                <a:prstGeom prst="rect">
+                  <a:avLst/>
+                </a:prstGeom>
+                <a:noFill/>
+              </p:spPr>
+              <p:txBody>
+                <a:bodyPr wrap="square" rtlCol="0">
+                  <a:spAutoFit/>
+                </a:bodyPr>
+                <a:lstStyle/>
+                <a:p>
+                  <a:pPr algn="ctr"/>
                   <a:r>
-                    <a:rPr lang="pt-BR" dirty="0" smtClean="0">
+                    <a:rPr lang="es-ES" sz="1400" dirty="0" smtClean="0">
+                      <a:latin typeface="Bahnschrift Light SemiCondensed" panose="020B0502040204020203" pitchFamily="34" charset="0"/>
+                    </a:rPr>
+                    <a:t>Visual </a:t>
+                  </a:r>
+                  <a:r>
+                    <a:rPr lang="es-ES" sz="1400" dirty="0" err="1" smtClean="0">
+                      <a:latin typeface="Bahnschrift Light SemiCondensed" panose="020B0502040204020203" pitchFamily="34" charset="0"/>
+                    </a:rPr>
+                    <a:t>recognition</a:t>
+                  </a:r>
+                  <a:endParaRPr lang="en-GB" sz="1400" dirty="0">
+                    <a:latin typeface="Bahnschrift Light SemiCondensed" panose="020B0502040204020203" pitchFamily="34" charset="0"/>
+                  </a:endParaRPr>
+                </a:p>
+              </p:txBody>
+            </p:sp>
+            <p:pic>
+              <p:nvPicPr>
+                <p:cNvPr id="44" name="Imagen 43"/>
+                <p:cNvPicPr>
+                  <a:picLocks noChangeAspect="1"/>
+                </p:cNvPicPr>
+                <p:nvPr/>
+              </p:nvPicPr>
+              <p:blipFill rotWithShape="1">
+                <a:blip r:embed="rId3" cstate="print">
+                  <a:duotone>
+                    <a:schemeClr val="accent5">
+                      <a:shade val="45000"/>
+                      <a:satMod val="135000"/>
+                    </a:schemeClr>
+                    <a:prstClr val="white"/>
+                  </a:duotone>
+                  <a:extLst>
+                    <a:ext uri="{28A0092B-C50C-407E-A947-70E740481C1C}">
+                      <a14:useLocalDpi xmlns:a14="http://schemas.microsoft.com/office/drawing/2010/main" val="0"/>
+                    </a:ext>
+                  </a:extLst>
+                </a:blip>
+                <a:srcRect b="18120"/>
+                <a:stretch/>
+              </p:blipFill>
+              <p:spPr>
+                <a:xfrm>
+                  <a:off x="9668527" y="1638843"/>
+                  <a:ext cx="1082082" cy="886013"/>
+                </a:xfrm>
+                <a:prstGeom prst="rect">
+                  <a:avLst/>
+                </a:prstGeom>
+              </p:spPr>
+            </p:pic>
+            <p:cxnSp>
+              <p:nvCxnSpPr>
+                <p:cNvPr id="45" name="Conector recto de flecha 44"/>
+                <p:cNvCxnSpPr>
+                  <a:stCxn id="20" idx="6"/>
+                  <a:endCxn id="44" idx="1"/>
+                </p:cNvCxnSpPr>
+                <p:nvPr/>
+              </p:nvCxnSpPr>
+              <p:spPr>
+                <a:xfrm flipV="1">
+                  <a:off x="8633586" y="2081850"/>
+                  <a:ext cx="1034941" cy="1"/>
+                </a:xfrm>
+                <a:prstGeom prst="straightConnector1">
+                  <a:avLst/>
+                </a:prstGeom>
+                <a:ln w="28575">
+                  <a:solidFill>
+                    <a:schemeClr val="accent5"/>
+                  </a:solidFill>
+                  <a:tailEnd type="triangle"/>
+                </a:ln>
+              </p:spPr>
+              <p:style>
+                <a:lnRef idx="1">
+                  <a:schemeClr val="accent1"/>
+                </a:lnRef>
+                <a:fillRef idx="0">
+                  <a:schemeClr val="accent1"/>
+                </a:fillRef>
+                <a:effectRef idx="0">
+                  <a:schemeClr val="accent1"/>
+                </a:effectRef>
+                <a:fontRef idx="minor">
+                  <a:schemeClr val="tx1"/>
+                </a:fontRef>
+              </p:style>
+            </p:cxnSp>
+            <p:sp>
+              <p:nvSpPr>
+                <p:cNvPr id="49" name="CuadroTexto 48"/>
+                <p:cNvSpPr txBox="1"/>
+                <p:nvPr/>
+              </p:nvSpPr>
+              <p:spPr>
+                <a:xfrm>
+                  <a:off x="8536114" y="2110298"/>
+                  <a:ext cx="1229884" cy="307777"/>
+                </a:xfrm>
+                <a:prstGeom prst="rect">
+                  <a:avLst/>
+                </a:prstGeom>
+                <a:noFill/>
+              </p:spPr>
+              <p:txBody>
+                <a:bodyPr wrap="square" rtlCol="0">
+                  <a:spAutoFit/>
+                </a:bodyPr>
+                <a:lstStyle/>
+                <a:p>
+                  <a:pPr algn="ctr"/>
+                  <a:r>
+                    <a:rPr lang="es-ES" sz="1400" dirty="0" err="1" smtClean="0">
+                      <a:latin typeface="Bahnschrift Light SemiCondensed" panose="020B0502040204020203" pitchFamily="34" charset="0"/>
+                    </a:rPr>
+                    <a:t>Articulation</a:t>
+                  </a:r>
+                  <a:endParaRPr lang="en-GB" sz="1400" dirty="0">
+                    <a:latin typeface="Bahnschrift Light SemiCondensed" panose="020B0502040204020203" pitchFamily="34" charset="0"/>
+                  </a:endParaRPr>
+                </a:p>
+              </p:txBody>
+            </p:sp>
+            <p:sp>
+              <p:nvSpPr>
+                <p:cNvPr id="55" name="Rectángulo 54"/>
+                <p:cNvSpPr/>
+                <p:nvPr/>
+              </p:nvSpPr>
+              <p:spPr>
+                <a:xfrm>
+                  <a:off x="6819541" y="2896284"/>
+                  <a:ext cx="2469735" cy="1734908"/>
+                </a:xfrm>
+                <a:prstGeom prst="rect">
+                  <a:avLst/>
+                </a:prstGeom>
+                <a:solidFill>
+                  <a:schemeClr val="accent2">
+                    <a:lumMod val="20000"/>
+                    <a:lumOff val="80000"/>
+                  </a:schemeClr>
+                </a:solidFill>
+                <a:ln>
+                  <a:noFill/>
+                </a:ln>
+              </p:spPr>
+              <p:style>
+                <a:lnRef idx="2">
+                  <a:schemeClr val="accent1">
+                    <a:shade val="50000"/>
+                  </a:schemeClr>
+                </a:lnRef>
+                <a:fillRef idx="1">
+                  <a:schemeClr val="accent1"/>
+                </a:fillRef>
+                <a:effectRef idx="0">
+                  <a:schemeClr val="accent1"/>
+                </a:effectRef>
+                <a:fontRef idx="minor">
+                  <a:schemeClr val="lt1"/>
+                </a:fontRef>
+              </p:style>
+              <p:txBody>
+                <a:bodyPr rtlCol="0" anchor="ctr"/>
+                <a:lstStyle/>
+                <a:p>
+                  <a:pPr algn="ctr"/>
+                  <a:endParaRPr lang="en-GB"/>
+                </a:p>
+              </p:txBody>
+            </p:sp>
+            <p:grpSp>
+              <p:nvGrpSpPr>
+                <p:cNvPr id="56" name="Grupo 55"/>
+                <p:cNvGrpSpPr/>
+                <p:nvPr/>
+              </p:nvGrpSpPr>
+              <p:grpSpPr>
+                <a:xfrm>
+                  <a:off x="7482037" y="3317495"/>
+                  <a:ext cx="1158350" cy="646043"/>
+                  <a:chOff x="4185859" y="1763339"/>
+                  <a:chExt cx="991894" cy="646043"/>
+                </a:xfrm>
+                <a:solidFill>
+                  <a:schemeClr val="accent1">
+                    <a:lumMod val="60000"/>
+                    <a:lumOff val="40000"/>
+                  </a:schemeClr>
+                </a:solidFill>
+              </p:grpSpPr>
+              <p:sp>
+                <p:nvSpPr>
+                  <p:cNvPr id="71" name="Elipse 70"/>
+                  <p:cNvSpPr/>
+                  <p:nvPr/>
+                </p:nvSpPr>
+                <p:spPr>
+                  <a:xfrm>
+                    <a:off x="4185859" y="1763339"/>
+                    <a:ext cx="991894" cy="646043"/>
+                  </a:xfrm>
+                  <a:prstGeom prst="ellipse">
+                    <a:avLst/>
+                  </a:prstGeom>
+                  <a:solidFill>
+                    <a:schemeClr val="accent2">
+                      <a:lumMod val="60000"/>
+                      <a:lumOff val="40000"/>
+                    </a:schemeClr>
+                  </a:solidFill>
+                  <a:ln w="19050">
+                    <a:noFill/>
+                  </a:ln>
+                </p:spPr>
+                <p:style>
+                  <a:lnRef idx="2">
+                    <a:schemeClr val="accent1">
+                      <a:shade val="50000"/>
+                    </a:schemeClr>
+                  </a:lnRef>
+                  <a:fillRef idx="1">
+                    <a:schemeClr val="accent1"/>
+                  </a:fillRef>
+                  <a:effectRef idx="0">
+                    <a:schemeClr val="accent1"/>
+                  </a:effectRef>
+                  <a:fontRef idx="minor">
+                    <a:schemeClr val="lt1"/>
+                  </a:fontRef>
+                </p:style>
+                <p:txBody>
+                  <a:bodyPr rtlCol="0" anchor="ctr"/>
+                  <a:lstStyle/>
+                  <a:p>
+                    <a:pPr algn="ctr"/>
+                    <a:endParaRPr lang="en-GB">
+                      <a:solidFill>
+                        <a:schemeClr val="accent2">
+                          <a:lumMod val="40000"/>
+                          <a:lumOff val="60000"/>
+                        </a:schemeClr>
+                      </a:solidFill>
+                    </a:endParaRPr>
+                  </a:p>
+                </p:txBody>
+              </p:sp>
+              <p:sp>
+                <p:nvSpPr>
+                  <p:cNvPr id="72" name="Rectángulo 71"/>
+                  <p:cNvSpPr/>
+                  <p:nvPr/>
+                </p:nvSpPr>
+                <p:spPr>
+                  <a:xfrm>
+                    <a:off x="4265385" y="1910479"/>
+                    <a:ext cx="906544" cy="299103"/>
+                  </a:xfrm>
+                  <a:prstGeom prst="rect">
+                    <a:avLst/>
+                  </a:prstGeom>
+                  <a:noFill/>
+                  <a:ln>
+                    <a:noFill/>
+                  </a:ln>
+                </p:spPr>
+                <p:style>
+                  <a:lnRef idx="2">
+                    <a:schemeClr val="accent1">
+                      <a:shade val="50000"/>
+                    </a:schemeClr>
+                  </a:lnRef>
+                  <a:fillRef idx="1">
+                    <a:schemeClr val="accent1"/>
+                  </a:fillRef>
+                  <a:effectRef idx="0">
+                    <a:schemeClr val="accent1"/>
+                  </a:effectRef>
+                  <a:fontRef idx="minor">
+                    <a:schemeClr val="lt1"/>
+                  </a:fontRef>
+                </p:style>
+                <p:txBody>
+                  <a:bodyPr rtlCol="0" anchor="ctr"/>
+                  <a:lstStyle/>
+                  <a:p>
+                    <a:pPr algn="ctr"/>
+                    <a:r>
+                      <a:rPr lang="pt-BR" dirty="0" smtClean="0">
+                        <a:solidFill>
+                          <a:schemeClr val="tx1"/>
+                        </a:solidFill>
+                        <a:latin typeface="Bahnschrift Light SemiCondensed" panose="020B0502040204020203" pitchFamily="34" charset="0"/>
+                      </a:rPr>
+                      <a:t>/’</a:t>
+                    </a:r>
+                    <a:r>
+                      <a:rPr lang="pt-BR" dirty="0" err="1" smtClean="0">
+                        <a:solidFill>
+                          <a:schemeClr val="tx1"/>
+                        </a:solidFill>
+                        <a:latin typeface="Bahnschrift Light SemiCondensed" panose="020B0502040204020203" pitchFamily="34" charset="0"/>
+                      </a:rPr>
+                      <a:t>taw.lə</a:t>
+                    </a:r>
+                    <a:r>
+                      <a:rPr lang="pt-BR" dirty="0" smtClean="0">
+                        <a:solidFill>
+                          <a:schemeClr val="tx1"/>
+                        </a:solidFill>
+                        <a:latin typeface="Bahnschrift Light SemiCondensed" panose="020B0502040204020203" pitchFamily="34" charset="0"/>
+                      </a:rPr>
+                      <a:t>/</a:t>
+                    </a:r>
+                    <a:endParaRPr lang="pt-BR" dirty="0">
                       <a:solidFill>
                         <a:schemeClr val="tx1"/>
                       </a:solidFill>
                       <a:latin typeface="Bahnschrift Light SemiCondensed" panose="020B0502040204020203" pitchFamily="34" charset="0"/>
+                    </a:endParaRPr>
+                  </a:p>
+                </p:txBody>
+              </p:sp>
+            </p:grpSp>
+            <p:sp>
+              <p:nvSpPr>
+                <p:cNvPr id="59" name="CuadroTexto 58"/>
+                <p:cNvSpPr txBox="1"/>
+                <p:nvPr/>
+              </p:nvSpPr>
+              <p:spPr>
+                <a:xfrm>
+                  <a:off x="8497071" y="4292638"/>
+                  <a:ext cx="792205" cy="338554"/>
+                </a:xfrm>
+                <a:prstGeom prst="rect">
+                  <a:avLst/>
+                </a:prstGeom>
+                <a:noFill/>
+              </p:spPr>
+              <p:txBody>
+                <a:bodyPr wrap="none" rtlCol="0">
+                  <a:spAutoFit/>
+                </a:bodyPr>
+                <a:lstStyle/>
+                <a:p>
+                  <a:pPr algn="r"/>
+                  <a:r>
+                    <a:rPr lang="es-ES" sz="1600" dirty="0" err="1" smtClean="0">
+                      <a:solidFill>
+                        <a:schemeClr val="accent2">
+                          <a:lumMod val="50000"/>
+                        </a:schemeClr>
+                      </a:solidFill>
+                      <a:latin typeface="Bahnschrift Light SemiCondensed" panose="020B0502040204020203" pitchFamily="34" charset="0"/>
                     </a:rPr>
-                    <a:t>/’me.sa/</a:t>
+                    <a:t>Catalan</a:t>
                   </a:r>
-                  <a:endParaRPr lang="pt-BR" dirty="0">
+                  <a:endParaRPr lang="en-GB" sz="1600" dirty="0">
                     <a:solidFill>
-                      <a:schemeClr val="tx1"/>
+                      <a:schemeClr val="accent2">
+                        <a:lumMod val="50000"/>
+                      </a:schemeClr>
                     </a:solidFill>
                     <a:latin typeface="Bahnschrift Light SemiCondensed" panose="020B0502040204020203" pitchFamily="34" charset="0"/>
                   </a:endParaRPr>
                 </a:p>
               </p:txBody>
             </p:sp>
+            <p:cxnSp>
+              <p:nvCxnSpPr>
+                <p:cNvPr id="12" name="Conector angular 11"/>
+                <p:cNvCxnSpPr>
+                  <a:endCxn id="20" idx="2"/>
+                </p:cNvCxnSpPr>
+                <p:nvPr/>
+              </p:nvCxnSpPr>
+              <p:spPr>
+                <a:xfrm flipV="1">
+                  <a:off x="5999148" y="2081851"/>
+                  <a:ext cx="1476088" cy="855696"/>
+                </a:xfrm>
+                <a:prstGeom prst="bentConnector3">
+                  <a:avLst>
+                    <a:gd name="adj1" fmla="val 34368"/>
+                  </a:avLst>
+                </a:prstGeom>
+                <a:ln w="28575">
+                  <a:solidFill>
+                    <a:schemeClr val="accent5"/>
+                  </a:solidFill>
+                  <a:tailEnd type="triangle"/>
+                </a:ln>
+              </p:spPr>
+              <p:style>
+                <a:lnRef idx="1">
+                  <a:schemeClr val="accent1"/>
+                </a:lnRef>
+                <a:fillRef idx="0">
+                  <a:schemeClr val="accent1"/>
+                </a:fillRef>
+                <a:effectRef idx="0">
+                  <a:schemeClr val="accent1"/>
+                </a:effectRef>
+                <a:fontRef idx="minor">
+                  <a:schemeClr val="tx1"/>
+                </a:fontRef>
+              </p:style>
+            </p:cxnSp>
+            <p:cxnSp>
+              <p:nvCxnSpPr>
+                <p:cNvPr id="74" name="Conector angular 73"/>
+                <p:cNvCxnSpPr>
+                  <a:endCxn id="71" idx="2"/>
+                </p:cNvCxnSpPr>
+                <p:nvPr/>
+              </p:nvCxnSpPr>
+              <p:spPr>
+                <a:xfrm>
+                  <a:off x="5999148" y="3076486"/>
+                  <a:ext cx="1482889" cy="564031"/>
+                </a:xfrm>
+                <a:prstGeom prst="bentConnector3">
+                  <a:avLst>
+                    <a:gd name="adj1" fmla="val 34440"/>
+                  </a:avLst>
+                </a:prstGeom>
+                <a:ln w="28575">
+                  <a:solidFill>
+                    <a:schemeClr val="accent2"/>
+                  </a:solidFill>
+                  <a:tailEnd type="triangle"/>
+                </a:ln>
+              </p:spPr>
+              <p:style>
+                <a:lnRef idx="1">
+                  <a:schemeClr val="accent1"/>
+                </a:lnRef>
+                <a:fillRef idx="0">
+                  <a:schemeClr val="accent1"/>
+                </a:fillRef>
+                <a:effectRef idx="0">
+                  <a:schemeClr val="accent1"/>
+                </a:effectRef>
+                <a:fontRef idx="minor">
+                  <a:schemeClr val="tx1"/>
+                </a:fontRef>
+              </p:style>
+            </p:cxnSp>
           </p:grpSp>
           <p:sp>
             <p:nvSpPr>
-              <p:cNvPr id="50" name="CuadroTexto 49"/>
-              <p:cNvSpPr txBox="1"/>
-              <p:nvPr/>
-            </p:nvSpPr>
-            <p:spPr>
-              <a:xfrm>
-                <a:off x="8468217" y="4292638"/>
-                <a:ext cx="821059" cy="338554"/>
-              </a:xfrm>
-              <a:prstGeom prst="rect">
-                <a:avLst/>
-              </a:prstGeom>
-              <a:noFill/>
-            </p:spPr>
-            <p:txBody>
-              <a:bodyPr wrap="none" rtlCol="0">
-                <a:spAutoFit/>
-              </a:bodyPr>
-              <a:lstStyle/>
-              <a:p>
-                <a:pPr algn="r"/>
-                <a:r>
-                  <a:rPr lang="es-ES" sz="1600" dirty="0" err="1" smtClean="0">
-                    <a:solidFill>
-                      <a:schemeClr val="accent2">
-                        <a:lumMod val="50000"/>
-                      </a:schemeClr>
-                    </a:solidFill>
-                    <a:latin typeface="Bahnschrift Light SemiCondensed" panose="020B0502040204020203" pitchFamily="34" charset="0"/>
-                  </a:rPr>
-                  <a:t>Spanish</a:t>
-                </a:r>
-                <a:endParaRPr lang="en-GB" sz="1600" dirty="0">
-                  <a:solidFill>
-                    <a:schemeClr val="accent2">
-                      <a:lumMod val="50000"/>
-                    </a:schemeClr>
-                  </a:solidFill>
-                  <a:latin typeface="Bahnschrift Light SemiCondensed" panose="020B0502040204020203" pitchFamily="34" charset="0"/>
-                </a:endParaRPr>
-              </a:p>
-            </p:txBody>
-          </p:sp>
-          <p:pic>
-            <p:nvPicPr>
-              <p:cNvPr id="51" name="Imagen 50"/>
-              <p:cNvPicPr>
-                <a:picLocks noChangeAspect="1"/>
-              </p:cNvPicPr>
-              <p:nvPr/>
-            </p:nvPicPr>
-            <p:blipFill rotWithShape="1">
-              <a:blip r:embed="rId3" cstate="print">
-                <a:extLst>
-                  <a:ext uri="{BEBA8EAE-BF5A-486C-A8C5-ECC9F3942E4B}">
-                    <a14:imgProps xmlns:a14="http://schemas.microsoft.com/office/drawing/2010/main">
-                      <a14:imgLayer r:embed="rId4">
-                        <a14:imgEffect>
-                          <a14:backgroundRemoval t="8121" b="90000" l="9901" r="89989"/>
-                        </a14:imgEffect>
-                        <a14:imgEffect>
-                          <a14:saturation sat="0"/>
-                        </a14:imgEffect>
-                      </a14:imgLayer>
-                    </a14:imgProps>
-                  </a:ext>
-                  <a:ext uri="{28A0092B-C50C-407E-A947-70E740481C1C}">
-                    <a14:useLocalDpi xmlns:a14="http://schemas.microsoft.com/office/drawing/2010/main" val="0"/>
-                  </a:ext>
-                </a:extLst>
-              </a:blip>
-              <a:srcRect l="10106" r="10077"/>
-              <a:stretch/>
-            </p:blipFill>
-            <p:spPr>
-              <a:xfrm>
-                <a:off x="4777099" y="1548361"/>
-                <a:ext cx="1222049" cy="2778371"/>
-              </a:xfrm>
-              <a:prstGeom prst="rect">
-                <a:avLst/>
-              </a:prstGeom>
-            </p:spPr>
-          </p:pic>
-          <p:pic>
-            <p:nvPicPr>
-              <p:cNvPr id="52" name="Imagen 51"/>
-              <p:cNvPicPr>
-                <a:picLocks noChangeAspect="1"/>
-              </p:cNvPicPr>
-              <p:nvPr/>
-            </p:nvPicPr>
-            <p:blipFill rotWithShape="1">
-              <a:blip r:embed="rId5" cstate="print">
-                <a:extLst>
-                  <a:ext uri="{BEBA8EAE-BF5A-486C-A8C5-ECC9F3942E4B}">
-                    <a14:imgProps xmlns:a14="http://schemas.microsoft.com/office/drawing/2010/main">
-                      <a14:imgLayer r:embed="rId4">
-                        <a14:imgEffect>
-                          <a14:backgroundRemoval t="8121" b="90000" l="9901" r="89989"/>
-                        </a14:imgEffect>
-                      </a14:imgLayer>
-                    </a14:imgProps>
-                  </a:ext>
-                  <a:ext uri="{28A0092B-C50C-407E-A947-70E740481C1C}">
-                    <a14:useLocalDpi xmlns:a14="http://schemas.microsoft.com/office/drawing/2010/main" val="0"/>
-                  </a:ext>
-                </a:extLst>
-              </a:blip>
-              <a:srcRect l="9687" r="11612"/>
-              <a:stretch/>
-            </p:blipFill>
-            <p:spPr>
-              <a:xfrm>
-                <a:off x="1786070" y="1548361"/>
-                <a:ext cx="1204957" cy="2778371"/>
-              </a:xfrm>
-              <a:prstGeom prst="rect">
-                <a:avLst/>
-              </a:prstGeom>
-            </p:spPr>
-          </p:pic>
-          <p:cxnSp>
-            <p:nvCxnSpPr>
-              <p:cNvPr id="53" name="Conector angular 52"/>
-              <p:cNvCxnSpPr>
-                <a:stCxn id="51" idx="3"/>
-                <a:endCxn id="61" idx="2"/>
-              </p:cNvCxnSpPr>
-              <p:nvPr/>
-            </p:nvCxnSpPr>
-            <p:spPr>
-              <a:xfrm flipV="1">
-                <a:off x="5999148" y="2081851"/>
-                <a:ext cx="1476088" cy="855696"/>
-              </a:xfrm>
-              <a:prstGeom prst="bentConnector3">
-                <a:avLst>
-                  <a:gd name="adj1" fmla="val 34368"/>
-                </a:avLst>
-              </a:prstGeom>
-              <a:ln w="28575">
-                <a:solidFill>
-                  <a:schemeClr val="accent5"/>
-                </a:solidFill>
-                <a:tailEnd type="triangle"/>
-              </a:ln>
-            </p:spPr>
-            <p:style>
-              <a:lnRef idx="1">
-                <a:schemeClr val="accent1"/>
-              </a:lnRef>
-              <a:fillRef idx="0">
-                <a:schemeClr val="accent1"/>
-              </a:fillRef>
-              <a:effectRef idx="0">
-                <a:schemeClr val="accent1"/>
-              </a:effectRef>
-              <a:fontRef idx="minor">
-                <a:schemeClr val="tx1"/>
-              </a:fontRef>
-            </p:style>
-          </p:cxnSp>
-          <p:cxnSp>
-            <p:nvCxnSpPr>
-              <p:cNvPr id="54" name="Conector angular 53"/>
-              <p:cNvCxnSpPr>
-                <a:endCxn id="58" idx="2"/>
-              </p:cNvCxnSpPr>
-              <p:nvPr/>
-            </p:nvCxnSpPr>
-            <p:spPr>
-              <a:xfrm>
-                <a:off x="5999148" y="3076486"/>
-                <a:ext cx="1482889" cy="564031"/>
-              </a:xfrm>
-              <a:prstGeom prst="bentConnector3">
-                <a:avLst>
-                  <a:gd name="adj1" fmla="val 34440"/>
-                </a:avLst>
-              </a:prstGeom>
-              <a:ln w="28575">
-                <a:solidFill>
-                  <a:schemeClr val="accent2"/>
-                </a:solidFill>
-                <a:tailEnd type="triangle"/>
-              </a:ln>
-            </p:spPr>
-            <p:style>
-              <a:lnRef idx="1">
-                <a:schemeClr val="accent1"/>
-              </a:lnRef>
-              <a:fillRef idx="0">
-                <a:schemeClr val="accent1"/>
-              </a:fillRef>
-              <a:effectRef idx="0">
-                <a:schemeClr val="accent1"/>
-              </a:effectRef>
-              <a:fontRef idx="minor">
-                <a:schemeClr val="tx1"/>
-              </a:fontRef>
-            </p:style>
-          </p:cxnSp>
-          <p:sp>
-            <p:nvSpPr>
-              <p:cNvPr id="57" name="CuadroTexto 56"/>
+              <p:cNvPr id="82" name="CuadroTexto 81"/>
               <p:cNvSpPr txBox="1"/>
               <p:nvPr/>
             </p:nvSpPr>
@@ -6019,47 +4804,1296 @@
               </a:p>
             </p:txBody>
           </p:sp>
+          <p:pic>
+            <p:nvPicPr>
+              <p:cNvPr id="30" name="Imagen 29"/>
+              <p:cNvPicPr>
+                <a:picLocks noChangeAspect="1"/>
+              </p:cNvPicPr>
+              <p:nvPr/>
+            </p:nvPicPr>
+            <p:blipFill rotWithShape="1">
+              <a:blip r:embed="rId4" cstate="print">
+                <a:duotone>
+                  <a:prstClr val="black"/>
+                  <a:schemeClr val="tx2">
+                    <a:tint val="45000"/>
+                    <a:satMod val="400000"/>
+                  </a:schemeClr>
+                </a:duotone>
+                <a:extLst>
+                  <a:ext uri="{28A0092B-C50C-407E-A947-70E740481C1C}">
+                    <a14:useLocalDpi xmlns:a14="http://schemas.microsoft.com/office/drawing/2010/main" val="0"/>
+                  </a:ext>
+                </a:extLst>
+              </a:blip>
+              <a:srcRect t="11193" b="15353"/>
+              <a:stretch/>
+            </p:blipFill>
+            <p:spPr>
+              <a:xfrm>
+                <a:off x="4142256" y="2365475"/>
+                <a:ext cx="1862399" cy="1368000"/>
+              </a:xfrm>
+              <a:prstGeom prst="rect">
+                <a:avLst/>
+              </a:prstGeom>
+              <a:noFill/>
+            </p:spPr>
+          </p:pic>
         </p:grpSp>
-        <p:cxnSp>
-          <p:nvCxnSpPr>
-            <p:cNvPr id="14" name="Conector recto de flecha 13"/>
-            <p:cNvCxnSpPr>
-              <a:endCxn id="58" idx="0"/>
-            </p:cNvCxnSpPr>
+      </p:grpSp>
+    </p:spTree>
+    <p:extLst>
+      <p:ext uri="{BB962C8B-B14F-4D97-AF65-F5344CB8AC3E}">
+        <p14:creationId xmlns:p14="http://schemas.microsoft.com/office/powerpoint/2010/main" val="2532002125"/>
+      </p:ext>
+    </p:extLst>
+  </p:cSld>
+  <p:clrMapOvr>
+    <a:masterClrMapping/>
+  </p:clrMapOvr>
+</p:sld>
+</file>
+
+<file path=ppt/slides/slide3.xml><?xml version="1.0" encoding="utf-8"?>
+<p:sld xmlns:a="http://schemas.openxmlformats.org/drawingml/2006/main" xmlns:r="http://schemas.openxmlformats.org/officeDocument/2006/relationships" xmlns:p="http://schemas.openxmlformats.org/presentationml/2006/main">
+  <p:cSld>
+    <p:spTree>
+      <p:nvGrpSpPr>
+        <p:cNvPr id="1" name=""/>
+        <p:cNvGrpSpPr/>
+        <p:nvPr/>
+      </p:nvGrpSpPr>
+      <p:grpSpPr>
+        <a:xfrm>
+          <a:off x="0" y="0"/>
+          <a:ext cx="0" cy="0"/>
+          <a:chOff x="0" y="0"/>
+          <a:chExt cx="0" cy="0"/>
+        </a:xfrm>
+      </p:grpSpPr>
+      <p:grpSp>
+        <p:nvGrpSpPr>
+          <p:cNvPr id="4" name="Grupo 3"/>
+          <p:cNvGrpSpPr/>
+          <p:nvPr/>
+        </p:nvGrpSpPr>
+        <p:grpSpPr>
+          <a:xfrm>
+            <a:off x="1803161" y="1575849"/>
+            <a:ext cx="8964539" cy="4012473"/>
+            <a:chOff x="1786070" y="875093"/>
+            <a:chExt cx="8964539" cy="4012473"/>
+          </a:xfrm>
+        </p:grpSpPr>
+        <p:sp>
+          <p:nvSpPr>
+            <p:cNvPr id="63" name="CuadroTexto 62"/>
+            <p:cNvSpPr txBox="1"/>
             <p:nvPr/>
-          </p:nvCxnSpPr>
+          </p:nvSpPr>
           <p:spPr>
             <a:xfrm>
-              <a:off x="8050138" y="2674834"/>
-              <a:ext cx="11074" cy="899035"/>
+              <a:off x="8089143" y="2694463"/>
+              <a:ext cx="1359591" cy="523220"/>
             </a:xfrm>
-            <a:prstGeom prst="straightConnector1">
+            <a:prstGeom prst="rect">
               <a:avLst/>
             </a:prstGeom>
-            <a:ln w="28575">
-              <a:solidFill>
+            <a:noFill/>
+          </p:spPr>
+          <p:txBody>
+            <a:bodyPr wrap="square" rtlCol="0">
+              <a:spAutoFit/>
+            </a:bodyPr>
+            <a:lstStyle/>
+            <a:p>
+              <a:r>
+                <a:rPr lang="es-ES" sz="1400" dirty="0" smtClean="0">
+                  <a:latin typeface="Bahnschrift Light SemiCondensed" panose="020B0502040204020203" pitchFamily="34" charset="0"/>
+                </a:rPr>
+                <a:t>Cross-</a:t>
+              </a:r>
+              <a:r>
+                <a:rPr lang="es-ES" sz="1400" dirty="0" err="1" smtClean="0">
+                  <a:latin typeface="Bahnschrift Light SemiCondensed" panose="020B0502040204020203" pitchFamily="34" charset="0"/>
+                </a:rPr>
+                <a:t>language</a:t>
+              </a:r>
+              <a:r>
+                <a:rPr lang="es-ES" sz="1400" dirty="0" smtClean="0">
+                  <a:latin typeface="Bahnschrift Light SemiCondensed" panose="020B0502040204020203" pitchFamily="34" charset="0"/>
+                </a:rPr>
+                <a:t> </a:t>
+              </a:r>
+              <a:r>
+                <a:rPr lang="es-ES" sz="1400" dirty="0" err="1" smtClean="0">
+                  <a:latin typeface="Bahnschrift Light SemiCondensed" panose="020B0502040204020203" pitchFamily="34" charset="0"/>
+                </a:rPr>
+                <a:t>activation</a:t>
+              </a:r>
+              <a:endParaRPr lang="en-GB" sz="1400" dirty="0">
+                <a:latin typeface="Bahnschrift Light SemiCondensed" panose="020B0502040204020203" pitchFamily="34" charset="0"/>
+              </a:endParaRPr>
+            </a:p>
+          </p:txBody>
+        </p:sp>
+        <p:grpSp>
+          <p:nvGrpSpPr>
+            <p:cNvPr id="17" name="Grupo 16"/>
+            <p:cNvGrpSpPr/>
+            <p:nvPr/>
+          </p:nvGrpSpPr>
+          <p:grpSpPr>
+            <a:xfrm>
+              <a:off x="1786070" y="875093"/>
+              <a:ext cx="8964539" cy="4012473"/>
+              <a:chOff x="1786070" y="875093"/>
+              <a:chExt cx="8964539" cy="4012473"/>
+            </a:xfrm>
+          </p:grpSpPr>
+          <p:grpSp>
+            <p:nvGrpSpPr>
+              <p:cNvPr id="31" name="Grupo 30"/>
+              <p:cNvGrpSpPr/>
+              <p:nvPr/>
+            </p:nvGrpSpPr>
+            <p:grpSpPr>
+              <a:xfrm>
+                <a:off x="1786070" y="875093"/>
+                <a:ext cx="8964539" cy="4012473"/>
+                <a:chOff x="1786070" y="618719"/>
+                <a:chExt cx="8964539" cy="4012473"/>
+              </a:xfrm>
+            </p:grpSpPr>
+            <p:sp>
+              <p:nvSpPr>
+                <p:cNvPr id="32" name="Rectángulo 31"/>
+                <p:cNvSpPr/>
+                <p:nvPr/>
+              </p:nvSpPr>
+              <p:spPr>
+                <a:xfrm>
+                  <a:off x="3725546" y="1159753"/>
+                  <a:ext cx="3093998" cy="3471439"/>
+                </a:xfrm>
+                <a:prstGeom prst="rect">
+                  <a:avLst/>
+                </a:prstGeom>
+                <a:solidFill>
+                  <a:schemeClr val="bg1">
+                    <a:lumMod val="95000"/>
+                  </a:schemeClr>
+                </a:solidFill>
+                <a:ln>
+                  <a:noFill/>
+                </a:ln>
+              </p:spPr>
+              <p:style>
+                <a:lnRef idx="2">
+                  <a:schemeClr val="accent1">
+                    <a:shade val="50000"/>
+                  </a:schemeClr>
+                </a:lnRef>
+                <a:fillRef idx="1">
+                  <a:schemeClr val="accent1"/>
+                </a:fillRef>
+                <a:effectRef idx="0">
+                  <a:schemeClr val="accent1"/>
+                </a:effectRef>
+                <a:fontRef idx="minor">
+                  <a:schemeClr val="lt1"/>
+                </a:fontRef>
+              </p:style>
+              <p:txBody>
+                <a:bodyPr rtlCol="0" anchor="ctr"/>
+                <a:lstStyle/>
+                <a:p>
+                  <a:pPr algn="ctr"/>
+                  <a:endParaRPr lang="en-GB"/>
+                </a:p>
+              </p:txBody>
+            </p:sp>
+            <p:sp>
+              <p:nvSpPr>
+                <p:cNvPr id="33" name="Rectángulo 32"/>
+                <p:cNvSpPr/>
+                <p:nvPr/>
+              </p:nvSpPr>
+              <p:spPr>
+                <a:xfrm>
+                  <a:off x="6819543" y="1159753"/>
+                  <a:ext cx="2469735" cy="1734908"/>
+                </a:xfrm>
+                <a:prstGeom prst="rect">
+                  <a:avLst/>
+                </a:prstGeom>
+                <a:solidFill>
+                  <a:schemeClr val="accent1">
+                    <a:lumMod val="20000"/>
+                    <a:lumOff val="80000"/>
+                  </a:schemeClr>
+                </a:solidFill>
+                <a:ln>
+                  <a:noFill/>
+                </a:ln>
+              </p:spPr>
+              <p:style>
+                <a:lnRef idx="2">
+                  <a:schemeClr val="accent1">
+                    <a:shade val="50000"/>
+                  </a:schemeClr>
+                </a:lnRef>
+                <a:fillRef idx="1">
+                  <a:schemeClr val="accent1"/>
+                </a:fillRef>
+                <a:effectRef idx="0">
+                  <a:schemeClr val="accent1"/>
+                </a:effectRef>
+                <a:fontRef idx="minor">
+                  <a:schemeClr val="lt1"/>
+                </a:fontRef>
+              </p:style>
+              <p:txBody>
+                <a:bodyPr rtlCol="0" anchor="ctr"/>
+                <a:lstStyle/>
+                <a:p>
+                  <a:pPr algn="ctr"/>
+                  <a:endParaRPr lang="en-GB"/>
+                </a:p>
+              </p:txBody>
+            </p:sp>
+            <p:grpSp>
+              <p:nvGrpSpPr>
+                <p:cNvPr id="34" name="Grupo 33"/>
+                <p:cNvGrpSpPr/>
+                <p:nvPr/>
+              </p:nvGrpSpPr>
+              <p:grpSpPr>
+                <a:xfrm>
+                  <a:off x="7475236" y="1758829"/>
+                  <a:ext cx="1158350" cy="646043"/>
+                  <a:chOff x="4267355" y="1783512"/>
+                  <a:chExt cx="991894" cy="646043"/>
+                </a:xfrm>
+                <a:solidFill>
+                  <a:schemeClr val="accent1">
+                    <a:lumMod val="60000"/>
+                    <a:lumOff val="40000"/>
+                  </a:schemeClr>
+                </a:solidFill>
+              </p:grpSpPr>
+              <p:sp>
+                <p:nvSpPr>
+                  <p:cNvPr id="61" name="Elipse 60"/>
+                  <p:cNvSpPr/>
+                  <p:nvPr/>
+                </p:nvSpPr>
+                <p:spPr>
+                  <a:xfrm>
+                    <a:off x="4267355" y="1783512"/>
+                    <a:ext cx="991894" cy="646043"/>
+                  </a:xfrm>
+                  <a:prstGeom prst="ellipse">
+                    <a:avLst/>
+                  </a:prstGeom>
+                  <a:grpFill/>
+                  <a:ln w="19050">
+                    <a:noFill/>
+                  </a:ln>
+                </p:spPr>
+                <p:style>
+                  <a:lnRef idx="2">
+                    <a:schemeClr val="accent1">
+                      <a:shade val="50000"/>
+                    </a:schemeClr>
+                  </a:lnRef>
+                  <a:fillRef idx="1">
+                    <a:schemeClr val="accent1"/>
+                  </a:fillRef>
+                  <a:effectRef idx="0">
+                    <a:schemeClr val="accent1"/>
+                  </a:effectRef>
+                  <a:fontRef idx="minor">
+                    <a:schemeClr val="lt1"/>
+                  </a:fontRef>
+                </p:style>
+                <p:txBody>
+                  <a:bodyPr rtlCol="0" anchor="ctr"/>
+                  <a:lstStyle/>
+                  <a:p>
+                    <a:pPr algn="ctr"/>
+                    <a:endParaRPr lang="en-GB"/>
+                  </a:p>
+                </p:txBody>
+              </p:sp>
+              <p:sp>
+                <p:nvSpPr>
+                  <p:cNvPr id="62" name="Rectángulo 61"/>
+                  <p:cNvSpPr/>
+                  <p:nvPr/>
+                </p:nvSpPr>
+                <p:spPr>
+                  <a:xfrm>
+                    <a:off x="4354674" y="1944744"/>
+                    <a:ext cx="823079" cy="299103"/>
+                  </a:xfrm>
+                  <a:prstGeom prst="rect">
+                    <a:avLst/>
+                  </a:prstGeom>
+                  <a:grpFill/>
+                  <a:ln>
+                    <a:noFill/>
+                  </a:ln>
+                </p:spPr>
+                <p:style>
+                  <a:lnRef idx="2">
+                    <a:schemeClr val="accent1">
+                      <a:shade val="50000"/>
+                    </a:schemeClr>
+                  </a:lnRef>
+                  <a:fillRef idx="1">
+                    <a:schemeClr val="accent1"/>
+                  </a:fillRef>
+                  <a:effectRef idx="0">
+                    <a:schemeClr val="accent1"/>
+                  </a:effectRef>
+                  <a:fontRef idx="minor">
+                    <a:schemeClr val="lt1"/>
+                  </a:fontRef>
+                </p:style>
+                <p:txBody>
+                  <a:bodyPr rtlCol="0" anchor="ctr"/>
+                  <a:lstStyle/>
+                  <a:p>
+                    <a:pPr algn="ctr"/>
+                    <a:endParaRPr lang="pt-BR" dirty="0">
+                      <a:solidFill>
+                        <a:schemeClr val="tx1"/>
+                      </a:solidFill>
+                      <a:latin typeface="Bahnschrift Light SemiCondensed" panose="020B0502040204020203" pitchFamily="34" charset="0"/>
+                    </a:endParaRPr>
+                  </a:p>
+                </p:txBody>
+              </p:sp>
+            </p:grpSp>
+            <p:sp>
+              <p:nvSpPr>
+                <p:cNvPr id="35" name="CuadroTexto 34"/>
+                <p:cNvSpPr txBox="1"/>
+                <p:nvPr/>
+              </p:nvSpPr>
+              <p:spPr>
+                <a:xfrm>
+                  <a:off x="4507212" y="618719"/>
+                  <a:ext cx="1562272" cy="523220"/>
+                </a:xfrm>
+                <a:prstGeom prst="rect">
+                  <a:avLst/>
+                </a:prstGeom>
+                <a:noFill/>
+              </p:spPr>
+              <p:txBody>
+                <a:bodyPr wrap="square" rtlCol="0" anchor="ctr">
+                  <a:spAutoFit/>
+                </a:bodyPr>
+                <a:lstStyle/>
+                <a:p>
+                  <a:pPr algn="ctr"/>
+                  <a:r>
+                    <a:rPr lang="es-ES" sz="1400" dirty="0" err="1" smtClean="0">
+                      <a:latin typeface="Bahnschrift Light SemiCondensed" panose="020B0502040204020203" pitchFamily="34" charset="0"/>
+                    </a:rPr>
+                    <a:t>Semantic</a:t>
+                  </a:r>
+                  <a:r>
+                    <a:rPr lang="es-ES" sz="1400" dirty="0" smtClean="0">
+                      <a:latin typeface="Bahnschrift Light SemiCondensed" panose="020B0502040204020203" pitchFamily="34" charset="0"/>
+                    </a:rPr>
+                    <a:t> </a:t>
+                  </a:r>
+                  <a:r>
+                    <a:rPr lang="es-ES" sz="1400" dirty="0" err="1" smtClean="0">
+                      <a:latin typeface="Bahnschrift Light SemiCondensed" panose="020B0502040204020203" pitchFamily="34" charset="0"/>
+                    </a:rPr>
+                    <a:t>representations</a:t>
+                  </a:r>
+                  <a:endParaRPr lang="en-GB" sz="1400" dirty="0">
+                    <a:latin typeface="Bahnschrift Light SemiCondensed" panose="020B0502040204020203" pitchFamily="34" charset="0"/>
+                  </a:endParaRPr>
+                </a:p>
+              </p:txBody>
+            </p:sp>
+            <p:sp>
+              <p:nvSpPr>
+                <p:cNvPr id="36" name="CuadroTexto 35"/>
+                <p:cNvSpPr txBox="1"/>
+                <p:nvPr/>
+              </p:nvSpPr>
+              <p:spPr>
+                <a:xfrm>
+                  <a:off x="8468219" y="1155237"/>
+                  <a:ext cx="821059" cy="338554"/>
+                </a:xfrm>
+                <a:prstGeom prst="rect">
+                  <a:avLst/>
+                </a:prstGeom>
+                <a:noFill/>
+              </p:spPr>
+              <p:txBody>
+                <a:bodyPr wrap="none" rtlCol="0">
+                  <a:spAutoFit/>
+                </a:bodyPr>
+                <a:lstStyle/>
+                <a:p>
+                  <a:pPr algn="r"/>
+                  <a:r>
+                    <a:rPr lang="es-ES" sz="1600" dirty="0" err="1" smtClean="0">
+                      <a:solidFill>
+                        <a:srgbClr val="002060"/>
+                      </a:solidFill>
+                      <a:latin typeface="Bahnschrift Light SemiCondensed" panose="020B0502040204020203" pitchFamily="34" charset="0"/>
+                    </a:rPr>
+                    <a:t>Spanish</a:t>
+                  </a:r>
+                  <a:endParaRPr lang="en-GB" sz="1600" dirty="0">
+                    <a:solidFill>
+                      <a:srgbClr val="002060"/>
+                    </a:solidFill>
+                    <a:latin typeface="Bahnschrift Light SemiCondensed" panose="020B0502040204020203" pitchFamily="34" charset="0"/>
+                  </a:endParaRPr>
+                </a:p>
+              </p:txBody>
+            </p:sp>
+            <p:sp>
+              <p:nvSpPr>
+                <p:cNvPr id="37" name="CuadroTexto 36"/>
+                <p:cNvSpPr txBox="1"/>
+                <p:nvPr/>
+              </p:nvSpPr>
+              <p:spPr>
+                <a:xfrm>
+                  <a:off x="7084694" y="618719"/>
+                  <a:ext cx="1939431" cy="523220"/>
+                </a:xfrm>
+                <a:prstGeom prst="rect">
+                  <a:avLst/>
+                </a:prstGeom>
+                <a:noFill/>
+              </p:spPr>
+              <p:txBody>
+                <a:bodyPr wrap="square" rtlCol="0" anchor="ctr">
+                  <a:spAutoFit/>
+                </a:bodyPr>
+                <a:lstStyle/>
+                <a:p>
+                  <a:pPr algn="ctr"/>
+                  <a:r>
+                    <a:rPr lang="es-ES" sz="1400" dirty="0" err="1" smtClean="0">
+                      <a:latin typeface="Bahnschrift Light SemiCondensed" panose="020B0502040204020203" pitchFamily="34" charset="0"/>
+                    </a:rPr>
+                    <a:t>Phonological</a:t>
+                  </a:r>
+                  <a:r>
+                    <a:rPr lang="es-ES" sz="1400" dirty="0" smtClean="0">
+                      <a:latin typeface="Bahnschrift Light SemiCondensed" panose="020B0502040204020203" pitchFamily="34" charset="0"/>
+                    </a:rPr>
+                    <a:t> </a:t>
+                  </a:r>
+                  <a:r>
+                    <a:rPr lang="es-ES" sz="1400" dirty="0" err="1" smtClean="0">
+                      <a:latin typeface="Bahnschrift Light SemiCondensed" panose="020B0502040204020203" pitchFamily="34" charset="0"/>
+                    </a:rPr>
+                    <a:t>representations</a:t>
+                  </a:r>
+                  <a:endParaRPr lang="en-GB" sz="1400" dirty="0">
+                    <a:latin typeface="Bahnschrift Light SemiCondensed" panose="020B0502040204020203" pitchFamily="34" charset="0"/>
+                  </a:endParaRPr>
+                </a:p>
+              </p:txBody>
+            </p:sp>
+            <p:sp>
+              <p:nvSpPr>
+                <p:cNvPr id="38" name="Rectángulo 37"/>
+                <p:cNvSpPr/>
+                <p:nvPr/>
+              </p:nvSpPr>
+              <p:spPr>
+                <a:xfrm>
+                  <a:off x="4215721" y="1404731"/>
+                  <a:ext cx="2139019" cy="1321722"/>
+                </a:xfrm>
+                <a:prstGeom prst="rect">
+                  <a:avLst/>
+                </a:prstGeom>
+                <a:noFill/>
+                <a:ln>
+                  <a:noFill/>
+                </a:ln>
+              </p:spPr>
+              <p:style>
+                <a:lnRef idx="2">
+                  <a:schemeClr val="accent1">
+                    <a:shade val="50000"/>
+                  </a:schemeClr>
+                </a:lnRef>
+                <a:fillRef idx="1">
+                  <a:schemeClr val="accent1"/>
+                </a:fillRef>
+                <a:effectRef idx="0">
+                  <a:schemeClr val="accent1"/>
+                </a:effectRef>
+                <a:fontRef idx="minor">
+                  <a:schemeClr val="lt1"/>
+                </a:fontRef>
+              </p:style>
+              <p:txBody>
+                <a:bodyPr rtlCol="0" anchor="ctr"/>
+                <a:lstStyle/>
+                <a:p>
+                  <a:pPr algn="ctr"/>
+                  <a:endParaRPr lang="en-GB"/>
+                </a:p>
+              </p:txBody>
+            </p:sp>
+            <p:cxnSp>
+              <p:nvCxnSpPr>
+                <p:cNvPr id="39" name="Conector recto de flecha 38"/>
+                <p:cNvCxnSpPr>
+                  <a:stCxn id="52" idx="3"/>
+                  <a:endCxn id="51" idx="1"/>
+                </p:cNvCxnSpPr>
+                <p:nvPr/>
+              </p:nvCxnSpPr>
+              <p:spPr>
+                <a:xfrm>
+                  <a:off x="2991027" y="2937547"/>
+                  <a:ext cx="1786072" cy="0"/>
+                </a:xfrm>
+                <a:prstGeom prst="straightConnector1">
+                  <a:avLst/>
+                </a:prstGeom>
+                <a:ln w="28575">
+                  <a:solidFill>
+                    <a:schemeClr val="tx1"/>
+                  </a:solidFill>
+                  <a:tailEnd type="triangle"/>
+                </a:ln>
+              </p:spPr>
+              <p:style>
+                <a:lnRef idx="1">
+                  <a:schemeClr val="accent1"/>
+                </a:lnRef>
+                <a:fillRef idx="0">
+                  <a:schemeClr val="accent1"/>
+                </a:fillRef>
+                <a:effectRef idx="0">
+                  <a:schemeClr val="accent1"/>
+                </a:effectRef>
+                <a:fontRef idx="minor">
+                  <a:schemeClr val="tx1"/>
+                </a:fontRef>
+              </p:style>
+            </p:cxnSp>
+            <p:sp>
+              <p:nvSpPr>
+                <p:cNvPr id="40" name="CuadroTexto 39"/>
+                <p:cNvSpPr txBox="1"/>
+                <p:nvPr/>
+              </p:nvSpPr>
+              <p:spPr>
+                <a:xfrm>
+                  <a:off x="3241045" y="2369718"/>
+                  <a:ext cx="1229884" cy="523220"/>
+                </a:xfrm>
+                <a:prstGeom prst="rect">
+                  <a:avLst/>
+                </a:prstGeom>
+                <a:noFill/>
+              </p:spPr>
+              <p:txBody>
+                <a:bodyPr wrap="square" rtlCol="0">
+                  <a:spAutoFit/>
+                </a:bodyPr>
+                <a:lstStyle/>
+                <a:p>
+                  <a:pPr algn="ctr"/>
+                  <a:r>
+                    <a:rPr lang="es-ES" sz="1400" dirty="0" smtClean="0">
+                      <a:latin typeface="Bahnschrift Light SemiCondensed" panose="020B0502040204020203" pitchFamily="34" charset="0"/>
+                    </a:rPr>
+                    <a:t>Visual </a:t>
+                  </a:r>
+                  <a:r>
+                    <a:rPr lang="es-ES" sz="1400" dirty="0" err="1" smtClean="0">
+                      <a:latin typeface="Bahnschrift Light SemiCondensed" panose="020B0502040204020203" pitchFamily="34" charset="0"/>
+                    </a:rPr>
+                    <a:t>recognition</a:t>
+                  </a:r>
+                  <a:endParaRPr lang="en-GB" sz="1400" dirty="0">
+                    <a:latin typeface="Bahnschrift Light SemiCondensed" panose="020B0502040204020203" pitchFamily="34" charset="0"/>
+                  </a:endParaRPr>
+                </a:p>
+              </p:txBody>
+            </p:sp>
+            <p:pic>
+              <p:nvPicPr>
+                <p:cNvPr id="41" name="Imagen 40"/>
+                <p:cNvPicPr>
+                  <a:picLocks noChangeAspect="1"/>
+                </p:cNvPicPr>
+                <p:nvPr/>
+              </p:nvPicPr>
+              <p:blipFill rotWithShape="1">
+                <a:blip r:embed="rId2" cstate="print">
+                  <a:duotone>
+                    <a:schemeClr val="accent5">
+                      <a:shade val="45000"/>
+                      <a:satMod val="135000"/>
+                    </a:schemeClr>
+                    <a:prstClr val="white"/>
+                  </a:duotone>
+                  <a:extLst>
+                    <a:ext uri="{28A0092B-C50C-407E-A947-70E740481C1C}">
+                      <a14:useLocalDpi xmlns:a14="http://schemas.microsoft.com/office/drawing/2010/main" val="0"/>
+                    </a:ext>
+                  </a:extLst>
+                </a:blip>
+                <a:srcRect b="18120"/>
+                <a:stretch/>
+              </p:blipFill>
+              <p:spPr>
+                <a:xfrm>
+                  <a:off x="9668527" y="1638843"/>
+                  <a:ext cx="1082082" cy="886013"/>
+                </a:xfrm>
+                <a:prstGeom prst="rect">
+                  <a:avLst/>
+                </a:prstGeom>
+              </p:spPr>
+            </p:pic>
+            <p:cxnSp>
+              <p:nvCxnSpPr>
+                <p:cNvPr id="43" name="Conector recto de flecha 42"/>
+                <p:cNvCxnSpPr>
+                  <a:stCxn id="61" idx="6"/>
+                  <a:endCxn id="41" idx="1"/>
+                </p:cNvCxnSpPr>
+                <p:nvPr/>
+              </p:nvCxnSpPr>
+              <p:spPr>
+                <a:xfrm flipV="1">
+                  <a:off x="8633586" y="2081850"/>
+                  <a:ext cx="1034941" cy="1"/>
+                </a:xfrm>
+                <a:prstGeom prst="straightConnector1">
+                  <a:avLst/>
+                </a:prstGeom>
+                <a:ln w="28575">
+                  <a:solidFill>
+                    <a:schemeClr val="accent5"/>
+                  </a:solidFill>
+                  <a:tailEnd type="triangle"/>
+                </a:ln>
+              </p:spPr>
+              <p:style>
+                <a:lnRef idx="1">
+                  <a:schemeClr val="accent1"/>
+                </a:lnRef>
+                <a:fillRef idx="0">
+                  <a:schemeClr val="accent1"/>
+                </a:fillRef>
+                <a:effectRef idx="0">
+                  <a:schemeClr val="accent1"/>
+                </a:effectRef>
+                <a:fontRef idx="minor">
+                  <a:schemeClr val="tx1"/>
+                </a:fontRef>
+              </p:style>
+            </p:cxnSp>
+            <p:sp>
+              <p:nvSpPr>
+                <p:cNvPr id="46" name="CuadroTexto 45"/>
+                <p:cNvSpPr txBox="1"/>
+                <p:nvPr/>
+              </p:nvSpPr>
+              <p:spPr>
+                <a:xfrm>
+                  <a:off x="8536114" y="2110298"/>
+                  <a:ext cx="1229884" cy="307777"/>
+                </a:xfrm>
+                <a:prstGeom prst="rect">
+                  <a:avLst/>
+                </a:prstGeom>
+                <a:noFill/>
+              </p:spPr>
+              <p:txBody>
+                <a:bodyPr wrap="square" rtlCol="0">
+                  <a:spAutoFit/>
+                </a:bodyPr>
+                <a:lstStyle/>
+                <a:p>
+                  <a:pPr algn="ctr"/>
+                  <a:r>
+                    <a:rPr lang="es-ES" sz="1400" dirty="0" err="1" smtClean="0">
+                      <a:latin typeface="Bahnschrift Light SemiCondensed" panose="020B0502040204020203" pitchFamily="34" charset="0"/>
+                    </a:rPr>
+                    <a:t>Articulation</a:t>
+                  </a:r>
+                  <a:endParaRPr lang="en-GB" sz="1400" dirty="0">
+                    <a:latin typeface="Bahnschrift Light SemiCondensed" panose="020B0502040204020203" pitchFamily="34" charset="0"/>
+                  </a:endParaRPr>
+                </a:p>
+              </p:txBody>
+            </p:sp>
+            <p:sp>
+              <p:nvSpPr>
+                <p:cNvPr id="47" name="Rectángulo 46"/>
+                <p:cNvSpPr/>
+                <p:nvPr/>
+              </p:nvSpPr>
+              <p:spPr>
+                <a:xfrm>
+                  <a:off x="6819541" y="2896284"/>
+                  <a:ext cx="2469735" cy="1734908"/>
+                </a:xfrm>
+                <a:prstGeom prst="rect">
+                  <a:avLst/>
+                </a:prstGeom>
+                <a:solidFill>
+                  <a:schemeClr val="accent2">
+                    <a:lumMod val="20000"/>
+                    <a:lumOff val="80000"/>
+                  </a:schemeClr>
+                </a:solidFill>
+                <a:ln>
+                  <a:noFill/>
+                </a:ln>
+              </p:spPr>
+              <p:style>
+                <a:lnRef idx="2">
+                  <a:schemeClr val="accent1">
+                    <a:shade val="50000"/>
+                  </a:schemeClr>
+                </a:lnRef>
+                <a:fillRef idx="1">
+                  <a:schemeClr val="accent1"/>
+                </a:fillRef>
+                <a:effectRef idx="0">
+                  <a:schemeClr val="accent1"/>
+                </a:effectRef>
+                <a:fontRef idx="minor">
+                  <a:schemeClr val="lt1"/>
+                </a:fontRef>
+              </p:style>
+              <p:txBody>
+                <a:bodyPr rtlCol="0" anchor="ctr"/>
+                <a:lstStyle/>
+                <a:p>
+                  <a:pPr algn="ctr"/>
+                  <a:endParaRPr lang="en-GB"/>
+                </a:p>
+              </p:txBody>
+            </p:sp>
+            <p:grpSp>
+              <p:nvGrpSpPr>
+                <p:cNvPr id="48" name="Grupo 47"/>
+                <p:cNvGrpSpPr/>
+                <p:nvPr/>
+              </p:nvGrpSpPr>
+              <p:grpSpPr>
+                <a:xfrm>
+                  <a:off x="7482037" y="3317495"/>
+                  <a:ext cx="1158350" cy="646043"/>
+                  <a:chOff x="4185859" y="1763339"/>
+                  <a:chExt cx="991894" cy="646043"/>
+                </a:xfrm>
+                <a:solidFill>
+                  <a:schemeClr val="accent1">
+                    <a:lumMod val="60000"/>
+                    <a:lumOff val="40000"/>
+                  </a:schemeClr>
+                </a:solidFill>
+              </p:grpSpPr>
+              <p:sp>
+                <p:nvSpPr>
+                  <p:cNvPr id="58" name="Elipse 57"/>
+                  <p:cNvSpPr/>
+                  <p:nvPr/>
+                </p:nvSpPr>
+                <p:spPr>
+                  <a:xfrm>
+                    <a:off x="4185859" y="1763339"/>
+                    <a:ext cx="991894" cy="646043"/>
+                  </a:xfrm>
+                  <a:prstGeom prst="ellipse">
+                    <a:avLst/>
+                  </a:prstGeom>
+                  <a:solidFill>
+                    <a:schemeClr val="accent2">
+                      <a:lumMod val="60000"/>
+                      <a:lumOff val="40000"/>
+                    </a:schemeClr>
+                  </a:solidFill>
+                  <a:ln w="19050">
+                    <a:noFill/>
+                  </a:ln>
+                </p:spPr>
+                <p:style>
+                  <a:lnRef idx="2">
+                    <a:schemeClr val="accent1">
+                      <a:shade val="50000"/>
+                    </a:schemeClr>
+                  </a:lnRef>
+                  <a:fillRef idx="1">
+                    <a:schemeClr val="accent1"/>
+                  </a:fillRef>
+                  <a:effectRef idx="0">
+                    <a:schemeClr val="accent1"/>
+                  </a:effectRef>
+                  <a:fontRef idx="minor">
+                    <a:schemeClr val="lt1"/>
+                  </a:fontRef>
+                </p:style>
+                <p:txBody>
+                  <a:bodyPr rtlCol="0" anchor="ctr"/>
+                  <a:lstStyle/>
+                  <a:p>
+                    <a:pPr algn="ctr"/>
+                    <a:endParaRPr lang="en-GB">
+                      <a:solidFill>
+                        <a:schemeClr val="accent2">
+                          <a:lumMod val="40000"/>
+                          <a:lumOff val="60000"/>
+                        </a:schemeClr>
+                      </a:solidFill>
+                    </a:endParaRPr>
+                  </a:p>
+                </p:txBody>
+              </p:sp>
+              <p:sp>
+                <p:nvSpPr>
+                  <p:cNvPr id="60" name="Rectángulo 59"/>
+                  <p:cNvSpPr/>
+                  <p:nvPr/>
+                </p:nvSpPr>
+                <p:spPr>
+                  <a:xfrm>
+                    <a:off x="4265385" y="1910479"/>
+                    <a:ext cx="906544" cy="299103"/>
+                  </a:xfrm>
+                  <a:prstGeom prst="rect">
+                    <a:avLst/>
+                  </a:prstGeom>
+                  <a:noFill/>
+                  <a:ln>
+                    <a:noFill/>
+                  </a:ln>
+                </p:spPr>
+                <p:style>
+                  <a:lnRef idx="2">
+                    <a:schemeClr val="accent1">
+                      <a:shade val="50000"/>
+                    </a:schemeClr>
+                  </a:lnRef>
+                  <a:fillRef idx="1">
+                    <a:schemeClr val="accent1"/>
+                  </a:fillRef>
+                  <a:effectRef idx="0">
+                    <a:schemeClr val="accent1"/>
+                  </a:effectRef>
+                  <a:fontRef idx="minor">
+                    <a:schemeClr val="lt1"/>
+                  </a:fontRef>
+                </p:style>
+                <p:txBody>
+                  <a:bodyPr rtlCol="0" anchor="ctr"/>
+                  <a:lstStyle/>
+                  <a:p>
+                    <a:pPr algn="ctr"/>
+                    <a:r>
+                      <a:rPr lang="pt-BR" dirty="0" smtClean="0">
+                        <a:solidFill>
+                          <a:schemeClr val="tx1"/>
+                        </a:solidFill>
+                        <a:latin typeface="Bahnschrift Light SemiCondensed" panose="020B0502040204020203" pitchFamily="34" charset="0"/>
+                      </a:rPr>
+                      <a:t>/’</a:t>
+                    </a:r>
+                    <a:r>
+                      <a:rPr lang="en-GB" dirty="0" err="1" smtClean="0">
+                        <a:solidFill>
+                          <a:schemeClr val="tx1"/>
+                        </a:solidFill>
+                        <a:latin typeface="Bahnschrift Light SemiCondensed" panose="020B0502040204020203" pitchFamily="34" charset="0"/>
+                      </a:rPr>
+                      <a:t>pɔɾ.tə</a:t>
+                    </a:r>
+                    <a:r>
+                      <a:rPr lang="pt-BR" dirty="0" smtClean="0">
+                        <a:solidFill>
+                          <a:schemeClr val="tx1"/>
+                        </a:solidFill>
+                        <a:latin typeface="Bahnschrift Light SemiCondensed" panose="020B0502040204020203" pitchFamily="34" charset="0"/>
+                      </a:rPr>
+                      <a:t>/</a:t>
+                    </a:r>
+                    <a:endParaRPr lang="pt-BR" dirty="0">
+                      <a:solidFill>
+                        <a:schemeClr val="tx1"/>
+                      </a:solidFill>
+                      <a:latin typeface="Bahnschrift Light SemiCondensed" panose="020B0502040204020203" pitchFamily="34" charset="0"/>
+                    </a:endParaRPr>
+                  </a:p>
+                </p:txBody>
+              </p:sp>
+            </p:grpSp>
+            <p:sp>
+              <p:nvSpPr>
+                <p:cNvPr id="50" name="CuadroTexto 49"/>
+                <p:cNvSpPr txBox="1"/>
+                <p:nvPr/>
+              </p:nvSpPr>
+              <p:spPr>
+                <a:xfrm>
+                  <a:off x="8497071" y="4292638"/>
+                  <a:ext cx="792205" cy="338554"/>
+                </a:xfrm>
+                <a:prstGeom prst="rect">
+                  <a:avLst/>
+                </a:prstGeom>
+                <a:noFill/>
+              </p:spPr>
+              <p:txBody>
+                <a:bodyPr wrap="none" rtlCol="0">
+                  <a:spAutoFit/>
+                </a:bodyPr>
+                <a:lstStyle/>
+                <a:p>
+                  <a:pPr algn="r"/>
+                  <a:r>
+                    <a:rPr lang="es-ES" sz="1600" dirty="0" err="1" smtClean="0">
+                      <a:solidFill>
+                        <a:schemeClr val="accent2">
+                          <a:lumMod val="50000"/>
+                        </a:schemeClr>
+                      </a:solidFill>
+                      <a:latin typeface="Bahnschrift Light SemiCondensed" panose="020B0502040204020203" pitchFamily="34" charset="0"/>
+                    </a:rPr>
+                    <a:t>Catalan</a:t>
+                  </a:r>
+                  <a:endParaRPr lang="en-GB" sz="1600" dirty="0">
+                    <a:solidFill>
+                      <a:schemeClr val="accent2">
+                        <a:lumMod val="50000"/>
+                      </a:schemeClr>
+                    </a:solidFill>
+                    <a:latin typeface="Bahnschrift Light SemiCondensed" panose="020B0502040204020203" pitchFamily="34" charset="0"/>
+                  </a:endParaRPr>
+                </a:p>
+              </p:txBody>
+            </p:sp>
+            <p:pic>
+              <p:nvPicPr>
+                <p:cNvPr id="51" name="Imagen 50"/>
+                <p:cNvPicPr>
+                  <a:picLocks noChangeAspect="1"/>
+                </p:cNvPicPr>
+                <p:nvPr/>
+              </p:nvPicPr>
+              <p:blipFill rotWithShape="1">
+                <a:blip r:embed="rId3" cstate="print">
+                  <a:extLst>
+                    <a:ext uri="{BEBA8EAE-BF5A-486C-A8C5-ECC9F3942E4B}">
+                      <a14:imgProps xmlns:a14="http://schemas.microsoft.com/office/drawing/2010/main">
+                        <a14:imgLayer r:embed="rId4">
+                          <a14:imgEffect>
+                            <a14:backgroundRemoval t="8121" b="90000" l="9901" r="89989"/>
+                          </a14:imgEffect>
+                          <a14:imgEffect>
+                            <a14:saturation sat="0"/>
+                          </a14:imgEffect>
+                        </a14:imgLayer>
+                      </a14:imgProps>
+                    </a:ext>
+                    <a:ext uri="{28A0092B-C50C-407E-A947-70E740481C1C}">
+                      <a14:useLocalDpi xmlns:a14="http://schemas.microsoft.com/office/drawing/2010/main" val="0"/>
+                    </a:ext>
+                  </a:extLst>
+                </a:blip>
+                <a:srcRect l="10106" r="10077"/>
+                <a:stretch/>
+              </p:blipFill>
+              <p:spPr>
+                <a:xfrm>
+                  <a:off x="4777099" y="1548361"/>
+                  <a:ext cx="1222049" cy="2778371"/>
+                </a:xfrm>
+                <a:prstGeom prst="rect">
+                  <a:avLst/>
+                </a:prstGeom>
+              </p:spPr>
+            </p:pic>
+            <p:pic>
+              <p:nvPicPr>
+                <p:cNvPr id="52" name="Imagen 51"/>
+                <p:cNvPicPr>
+                  <a:picLocks noChangeAspect="1"/>
+                </p:cNvPicPr>
+                <p:nvPr/>
+              </p:nvPicPr>
+              <p:blipFill rotWithShape="1">
+                <a:blip r:embed="rId5" cstate="print">
+                  <a:extLst>
+                    <a:ext uri="{BEBA8EAE-BF5A-486C-A8C5-ECC9F3942E4B}">
+                      <a14:imgProps xmlns:a14="http://schemas.microsoft.com/office/drawing/2010/main">
+                        <a14:imgLayer r:embed="rId4">
+                          <a14:imgEffect>
+                            <a14:backgroundRemoval t="8121" b="90000" l="9901" r="89989"/>
+                          </a14:imgEffect>
+                        </a14:imgLayer>
+                      </a14:imgProps>
+                    </a:ext>
+                    <a:ext uri="{28A0092B-C50C-407E-A947-70E740481C1C}">
+                      <a14:useLocalDpi xmlns:a14="http://schemas.microsoft.com/office/drawing/2010/main" val="0"/>
+                    </a:ext>
+                  </a:extLst>
+                </a:blip>
+                <a:srcRect l="9687" r="11612"/>
+                <a:stretch/>
+              </p:blipFill>
+              <p:spPr>
+                <a:xfrm>
+                  <a:off x="1786070" y="1548361"/>
+                  <a:ext cx="1204957" cy="2778371"/>
+                </a:xfrm>
+                <a:prstGeom prst="rect">
+                  <a:avLst/>
+                </a:prstGeom>
+              </p:spPr>
+            </p:pic>
+            <p:cxnSp>
+              <p:nvCxnSpPr>
+                <p:cNvPr id="53" name="Conector angular 52"/>
+                <p:cNvCxnSpPr>
+                  <a:stCxn id="51" idx="3"/>
+                  <a:endCxn id="61" idx="2"/>
+                </p:cNvCxnSpPr>
+                <p:nvPr/>
+              </p:nvCxnSpPr>
+              <p:spPr>
+                <a:xfrm flipV="1">
+                  <a:off x="5999148" y="2081851"/>
+                  <a:ext cx="1476088" cy="855696"/>
+                </a:xfrm>
+                <a:prstGeom prst="bentConnector3">
+                  <a:avLst>
+                    <a:gd name="adj1" fmla="val 34368"/>
+                  </a:avLst>
+                </a:prstGeom>
+                <a:ln w="28575">
+                  <a:solidFill>
+                    <a:schemeClr val="accent5"/>
+                  </a:solidFill>
+                  <a:tailEnd type="triangle"/>
+                </a:ln>
+              </p:spPr>
+              <p:style>
+                <a:lnRef idx="1">
+                  <a:schemeClr val="accent1"/>
+                </a:lnRef>
+                <a:fillRef idx="0">
+                  <a:schemeClr val="accent1"/>
+                </a:fillRef>
+                <a:effectRef idx="0">
+                  <a:schemeClr val="accent1"/>
+                </a:effectRef>
+                <a:fontRef idx="minor">
+                  <a:schemeClr val="tx1"/>
+                </a:fontRef>
+              </p:style>
+            </p:cxnSp>
+            <p:cxnSp>
+              <p:nvCxnSpPr>
+                <p:cNvPr id="54" name="Conector angular 53"/>
+                <p:cNvCxnSpPr>
+                  <a:endCxn id="58" idx="2"/>
+                </p:cNvCxnSpPr>
+                <p:nvPr/>
+              </p:nvCxnSpPr>
+              <p:spPr>
+                <a:xfrm>
+                  <a:off x="5999148" y="3076486"/>
+                  <a:ext cx="1482889" cy="564031"/>
+                </a:xfrm>
+                <a:prstGeom prst="bentConnector3">
+                  <a:avLst>
+                    <a:gd name="adj1" fmla="val 34440"/>
+                  </a:avLst>
+                </a:prstGeom>
+                <a:ln w="28575">
+                  <a:solidFill>
+                    <a:schemeClr val="accent2"/>
+                  </a:solidFill>
+                  <a:tailEnd type="triangle"/>
+                </a:ln>
+              </p:spPr>
+              <p:style>
+                <a:lnRef idx="1">
+                  <a:schemeClr val="accent1"/>
+                </a:lnRef>
+                <a:fillRef idx="0">
+                  <a:schemeClr val="accent1"/>
+                </a:fillRef>
+                <a:effectRef idx="0">
+                  <a:schemeClr val="accent1"/>
+                </a:effectRef>
+                <a:fontRef idx="minor">
+                  <a:schemeClr val="tx1"/>
+                </a:fontRef>
+              </p:style>
+            </p:cxnSp>
+            <p:sp>
+              <p:nvSpPr>
+                <p:cNvPr id="57" name="CuadroTexto 56"/>
+                <p:cNvSpPr txBox="1"/>
+                <p:nvPr/>
+              </p:nvSpPr>
+              <p:spPr>
+                <a:xfrm>
+                  <a:off x="6532448" y="2689864"/>
+                  <a:ext cx="1229884" cy="523220"/>
+                </a:xfrm>
+                <a:prstGeom prst="rect">
+                  <a:avLst/>
+                </a:prstGeom>
+                <a:noFill/>
+              </p:spPr>
+              <p:txBody>
+                <a:bodyPr wrap="square" rtlCol="0">
+                  <a:spAutoFit/>
+                </a:bodyPr>
+                <a:lstStyle/>
+                <a:p>
+                  <a:r>
+                    <a:rPr lang="es-ES" sz="1400" dirty="0" err="1" smtClean="0">
+                      <a:latin typeface="Bahnschrift Light SemiCondensed" panose="020B0502040204020203" pitchFamily="34" charset="0"/>
+                    </a:rPr>
+                    <a:t>Phonological</a:t>
+                  </a:r>
+                  <a:r>
+                    <a:rPr lang="es-ES" sz="1400" dirty="0" smtClean="0">
+                      <a:latin typeface="Bahnschrift Light SemiCondensed" panose="020B0502040204020203" pitchFamily="34" charset="0"/>
+                    </a:rPr>
+                    <a:t> </a:t>
+                  </a:r>
+                  <a:r>
+                    <a:rPr lang="es-ES" sz="1400" dirty="0" err="1" smtClean="0">
+                      <a:latin typeface="Bahnschrift Light SemiCondensed" panose="020B0502040204020203" pitchFamily="34" charset="0"/>
+                    </a:rPr>
+                    <a:t>retrieval</a:t>
+                  </a:r>
+                  <a:endParaRPr lang="en-GB" sz="1400" dirty="0">
+                    <a:latin typeface="Bahnschrift Light SemiCondensed" panose="020B0502040204020203" pitchFamily="34" charset="0"/>
+                  </a:endParaRPr>
+                </a:p>
+              </p:txBody>
+            </p:sp>
+          </p:grpSp>
+          <p:cxnSp>
+            <p:nvCxnSpPr>
+              <p:cNvPr id="14" name="Conector recto de flecha 13"/>
+              <p:cNvCxnSpPr>
+                <a:endCxn id="58" idx="0"/>
+              </p:cNvCxnSpPr>
+              <p:nvPr/>
+            </p:nvCxnSpPr>
+            <p:spPr>
+              <a:xfrm>
+                <a:off x="8050138" y="2674834"/>
+                <a:ext cx="11074" cy="899035"/>
+              </a:xfrm>
+              <a:prstGeom prst="straightConnector1">
+                <a:avLst/>
+              </a:prstGeom>
+              <a:ln w="28575">
+                <a:solidFill>
+                  <a:schemeClr val="tx1"/>
+                </a:solidFill>
+                <a:prstDash val="sysDash"/>
+                <a:headEnd type="triangle"/>
+                <a:tailEnd type="triangle"/>
+              </a:ln>
+            </p:spPr>
+            <p:style>
+              <a:lnRef idx="1">
+                <a:schemeClr val="accent1"/>
+              </a:lnRef>
+              <a:fillRef idx="0">
+                <a:schemeClr val="accent1"/>
+              </a:fillRef>
+              <a:effectRef idx="0">
+                <a:schemeClr val="accent1"/>
+              </a:effectRef>
+              <a:fontRef idx="minor">
                 <a:schemeClr val="tx1"/>
-              </a:solidFill>
-              <a:prstDash val="sysDash"/>
-              <a:headEnd type="triangle"/>
-              <a:tailEnd type="triangle"/>
-            </a:ln>
+              </a:fontRef>
+            </p:style>
+          </p:cxnSp>
+        </p:grpSp>
+        <p:sp>
+          <p:nvSpPr>
+            <p:cNvPr id="3" name="Rectángulo 2"/>
+            <p:cNvSpPr/>
+            <p:nvPr/>
+          </p:nvSpPr>
+          <p:spPr>
+            <a:xfrm>
+              <a:off x="7543727" y="2149473"/>
+              <a:ext cx="1042273" cy="369332"/>
+            </a:xfrm>
+            <a:prstGeom prst="rect">
+              <a:avLst/>
+            </a:prstGeom>
           </p:spPr>
-          <p:style>
-            <a:lnRef idx="1">
-              <a:schemeClr val="accent1"/>
-            </a:lnRef>
-            <a:fillRef idx="0">
-              <a:schemeClr val="accent1"/>
-            </a:fillRef>
-            <a:effectRef idx="0">
-              <a:schemeClr val="accent1"/>
-            </a:effectRef>
-            <a:fontRef idx="minor">
-              <a:schemeClr val="tx1"/>
-            </a:fontRef>
-          </p:style>
-        </p:cxnSp>
+          <p:txBody>
+            <a:bodyPr wrap="none">
+              <a:spAutoFit/>
+            </a:bodyPr>
+            <a:lstStyle/>
+            <a:p>
+              <a:pPr algn="ctr"/>
+              <a:r>
+                <a:rPr lang="pt-BR" dirty="0">
+                  <a:latin typeface="Bahnschrift Light SemiCondensed" panose="020B0502040204020203" pitchFamily="34" charset="0"/>
+                </a:rPr>
+                <a:t>/’</a:t>
+              </a:r>
+              <a:r>
+                <a:rPr lang="pt-BR" dirty="0" err="1">
+                  <a:latin typeface="Bahnschrift Light SemiCondensed" panose="020B0502040204020203" pitchFamily="34" charset="0"/>
+                </a:rPr>
+                <a:t>pwe</a:t>
+              </a:r>
+              <a:r>
+                <a:rPr lang="en-GB" dirty="0" err="1">
+                  <a:latin typeface="Bahnschrift Light SemiCondensed" panose="020B0502040204020203" pitchFamily="34" charset="0"/>
+                </a:rPr>
+                <a:t>ɾ.ta</a:t>
+              </a:r>
+              <a:r>
+                <a:rPr lang="pt-BR" dirty="0">
+                  <a:latin typeface="Bahnschrift Light SemiCondensed" panose="020B0502040204020203" pitchFamily="34" charset="0"/>
+                </a:rPr>
+                <a:t>/</a:t>
+              </a:r>
+              <a:endParaRPr lang="pt-BR" dirty="0">
+                <a:latin typeface="Bahnschrift Light SemiCondensed" panose="020B0502040204020203" pitchFamily="34" charset="0"/>
+              </a:endParaRPr>
+            </a:p>
+          </p:txBody>
+        </p:sp>
       </p:grpSp>
     </p:spTree>
     <p:extLst>
@@ -6245,31 +6279,13 @@
             <a:p>
               <a:pPr algn="ctr"/>
               <a:r>
-                <a:rPr lang="pt-BR" dirty="0" smtClean="0">
+                <a:rPr lang="pt-BR" dirty="0">
                   <a:solidFill>
                     <a:schemeClr val="tx1"/>
                   </a:solidFill>
                   <a:latin typeface="Bahnschrift Light SemiCondensed" panose="020B0502040204020203" pitchFamily="34" charset="0"/>
                 </a:rPr>
-                <a:t>/’</a:t>
-              </a:r>
-              <a:r>
-                <a:rPr lang="pt-BR" dirty="0" err="1" smtClean="0">
-                  <a:solidFill>
-                    <a:schemeClr val="tx1"/>
-                  </a:solidFill>
-                  <a:latin typeface="Bahnschrift Light SemiCondensed" panose="020B0502040204020203" pitchFamily="34" charset="0"/>
-                </a:rPr>
-                <a:t>taw.lə</a:t>
-              </a:r>
-              <a:r>
-                <a:rPr lang="pt-BR" dirty="0" smtClean="0">
-                  <a:solidFill>
-                    <a:schemeClr val="tx1"/>
-                  </a:solidFill>
-                  <a:latin typeface="Bahnschrift Light SemiCondensed" panose="020B0502040204020203" pitchFamily="34" charset="0"/>
-                </a:rPr>
-                <a:t>/</a:t>
+                <a:t>/’me.sa/</a:t>
               </a:r>
               <a:endParaRPr lang="pt-BR" dirty="0">
                 <a:solidFill>
@@ -6385,40 +6401,13 @@
               <a:p>
                 <a:pPr algn="ctr"/>
                 <a:r>
-                  <a:rPr lang="pt-BR" dirty="0" smtClean="0">
+                  <a:rPr lang="pt-BR" dirty="0">
                     <a:solidFill>
                       <a:schemeClr val="tx1"/>
                     </a:solidFill>
                     <a:latin typeface="Bahnschrift Light SemiCondensed" panose="020B0502040204020203" pitchFamily="34" charset="0"/>
                   </a:rPr>
-                  <a:t>/</a:t>
-                </a:r>
-                <a:r>
-                  <a:rPr lang="pt-BR" dirty="0" smtClean="0">
-                    <a:solidFill>
-                      <a:schemeClr val="tx1"/>
-                    </a:solidFill>
-                    <a:latin typeface="Bahnschrift Light SemiCondensed" panose="020B0502040204020203" pitchFamily="34" charset="0"/>
-                  </a:rPr>
-                  <a:t>’</a:t>
-                </a:r>
-                <a:r>
-                  <a:rPr lang="pt-BR" dirty="0" err="1" smtClean="0">
-                    <a:solidFill>
-                      <a:schemeClr val="tx1"/>
-                    </a:solidFill>
-                    <a:latin typeface="Bahnschrift Light SemiCondensed" panose="020B0502040204020203" pitchFamily="34" charset="0"/>
-                  </a:rPr>
-                  <a:t>taw.lə</a:t>
-                </a:r>
-                <a:r>
-                  <a:rPr lang="pt-BR" dirty="0" smtClean="0">
-                    <a:solidFill>
-                      <a:schemeClr val="tx1"/>
-                    </a:solidFill>
-                    <a:latin typeface="Bahnschrift Light SemiCondensed" panose="020B0502040204020203" pitchFamily="34" charset="0"/>
-                  </a:rPr>
-                  <a:t>/</a:t>
+                  <a:t>/’me.sa/</a:t>
                 </a:r>
                 <a:endParaRPr lang="pt-BR" dirty="0">
                   <a:solidFill>
@@ -6684,8 +6673,8 @@
           </p:nvSpPr>
           <p:spPr>
             <a:xfrm>
-              <a:off x="6774601" y="1656058"/>
-              <a:ext cx="792205" cy="338554"/>
+              <a:off x="6745747" y="1656058"/>
+              <a:ext cx="821059" cy="338554"/>
             </a:xfrm>
             <a:prstGeom prst="rect">
               <a:avLst/>
@@ -6706,7 +6695,7 @@
                   </a:solidFill>
                   <a:latin typeface="Bahnschrift Light SemiCondensed" panose="020B0502040204020203" pitchFamily="34" charset="0"/>
                 </a:rPr>
-                <a:t>Catalan</a:t>
+                <a:t>Spanish</a:t>
               </a:r>
               <a:endParaRPr lang="en-GB" sz="1600" dirty="0">
                 <a:solidFill>
@@ -7115,7 +7104,7 @@
               <a:p>
                 <a:pPr algn="ctr"/>
                 <a:r>
-                  <a:rPr lang="pt-BR" dirty="0" smtClean="0">
+                  <a:rPr lang="pt-BR" dirty="0">
                     <a:solidFill>
                       <a:schemeClr val="tx1"/>
                     </a:solidFill>
@@ -7124,16 +7113,16 @@
                   <a:t>/’</a:t>
                 </a:r>
                 <a:r>
-                  <a:rPr lang="pt-BR" dirty="0" smtClean="0">
+                  <a:rPr lang="pt-BR" dirty="0" err="1">
                     <a:solidFill>
                       <a:schemeClr val="tx1"/>
                     </a:solidFill>
                     <a:latin typeface="Bahnschrift Light SemiCondensed" panose="020B0502040204020203" pitchFamily="34" charset="0"/>
                   </a:rPr>
-                  <a:t>me.sa</a:t>
+                  <a:t>taw.lə</a:t>
                 </a:r>
                 <a:r>
-                  <a:rPr lang="pt-BR" dirty="0" smtClean="0">
+                  <a:rPr lang="pt-BR" dirty="0">
                     <a:solidFill>
                       <a:schemeClr val="tx1"/>
                     </a:solidFill>
@@ -7194,7 +7183,7 @@
             <a:p>
               <a:pPr algn="ctr"/>
               <a:r>
-                <a:rPr lang="pt-BR" dirty="0" smtClean="0">
+                <a:rPr lang="pt-BR" dirty="0">
                   <a:solidFill>
                     <a:schemeClr val="tx1"/>
                   </a:solidFill>
@@ -7299,8 +7288,8 @@
           </p:nvSpPr>
           <p:spPr>
             <a:xfrm>
-              <a:off x="7512043" y="3978218"/>
-              <a:ext cx="821059" cy="338554"/>
+              <a:off x="7540897" y="3978218"/>
+              <a:ext cx="792205" cy="338554"/>
             </a:xfrm>
             <a:prstGeom prst="rect">
               <a:avLst/>
@@ -7323,7 +7312,7 @@
                   </a:solidFill>
                   <a:latin typeface="Bahnschrift Light SemiCondensed" panose="020B0502040204020203" pitchFamily="34" charset="0"/>
                 </a:rPr>
-                <a:t>Spanish</a:t>
+                <a:t>Catalan</a:t>
               </a:r>
               <a:endParaRPr lang="en-GB" dirty="0">
                 <a:solidFill>
@@ -7458,7 +7447,7 @@
             <a:p>
               <a:pPr algn="ctr"/>
               <a:r>
-                <a:rPr lang="pt-BR" dirty="0" smtClean="0">
+                <a:rPr lang="pt-BR" dirty="0">
                   <a:solidFill>
                     <a:schemeClr val="tx1"/>
                   </a:solidFill>
@@ -7467,7 +7456,7 @@
                 <a:t>/’</a:t>
               </a:r>
               <a:r>
-                <a:rPr lang="pt-BR" dirty="0" err="1" smtClean="0">
+                <a:rPr lang="pt-BR" dirty="0" err="1">
                   <a:solidFill>
                     <a:schemeClr val="tx1"/>
                   </a:solidFill>
@@ -7476,7 +7465,7 @@
                 <a:t>taw.lə</a:t>
               </a:r>
               <a:r>
-                <a:rPr lang="pt-BR" dirty="0" smtClean="0">
+                <a:rPr lang="pt-BR" dirty="0">
                   <a:solidFill>
                     <a:schemeClr val="tx1"/>
                   </a:solidFill>
@@ -7598,40 +7587,13 @@
               <a:p>
                 <a:pPr algn="ctr"/>
                 <a:r>
-                  <a:rPr lang="pt-BR" dirty="0" smtClean="0">
+                  <a:rPr lang="pt-BR" dirty="0">
                     <a:solidFill>
                       <a:schemeClr val="tx1"/>
                     </a:solidFill>
                     <a:latin typeface="Bahnschrift Light SemiCondensed" panose="020B0502040204020203" pitchFamily="34" charset="0"/>
                   </a:rPr>
-                  <a:t>/</a:t>
-                </a:r>
-                <a:r>
-                  <a:rPr lang="pt-BR" dirty="0" smtClean="0">
-                    <a:solidFill>
-                      <a:schemeClr val="tx1"/>
-                    </a:solidFill>
-                    <a:latin typeface="Bahnschrift Light SemiCondensed" panose="020B0502040204020203" pitchFamily="34" charset="0"/>
-                  </a:rPr>
-                  <a:t>’</a:t>
-                </a:r>
-                <a:r>
-                  <a:rPr lang="pt-BR" dirty="0" err="1" smtClean="0">
-                    <a:solidFill>
-                      <a:schemeClr val="tx1"/>
-                    </a:solidFill>
-                    <a:latin typeface="Bahnschrift Light SemiCondensed" panose="020B0502040204020203" pitchFamily="34" charset="0"/>
-                  </a:rPr>
-                  <a:t>taw.lə</a:t>
-                </a:r>
-                <a:r>
-                  <a:rPr lang="pt-BR" dirty="0" smtClean="0">
-                    <a:solidFill>
-                      <a:schemeClr val="tx1"/>
-                    </a:solidFill>
-                    <a:latin typeface="Bahnschrift Light SemiCondensed" panose="020B0502040204020203" pitchFamily="34" charset="0"/>
-                  </a:rPr>
-                  <a:t>/</a:t>
+                  <a:t>/’me.sa/</a:t>
                 </a:r>
                 <a:endParaRPr lang="pt-BR" dirty="0">
                   <a:solidFill>
@@ -7740,8 +7702,8 @@
           </p:nvSpPr>
           <p:spPr>
             <a:xfrm>
-              <a:off x="7540897" y="1656880"/>
-              <a:ext cx="792205" cy="338554"/>
+              <a:off x="7512043" y="1656880"/>
+              <a:ext cx="821059" cy="338554"/>
             </a:xfrm>
             <a:prstGeom prst="rect">
               <a:avLst/>
@@ -7762,7 +7724,7 @@
                   </a:solidFill>
                   <a:latin typeface="Bahnschrift Light SemiCondensed" panose="020B0502040204020203" pitchFamily="34" charset="0"/>
                 </a:rPr>
-                <a:t>Catalan</a:t>
+                <a:t>Spanish</a:t>
               </a:r>
               <a:endParaRPr lang="en-GB" dirty="0">
                 <a:solidFill>
@@ -8250,13 +8212,13 @@
                   <a:t>/’</a:t>
                 </a:r>
                 <a:r>
-                  <a:rPr lang="pt-BR" dirty="0" smtClean="0">
+                  <a:rPr lang="pt-BR" dirty="0" err="1" smtClean="0">
                     <a:solidFill>
                       <a:schemeClr val="tx1"/>
                     </a:solidFill>
                     <a:latin typeface="Bahnschrift Light SemiCondensed" panose="020B0502040204020203" pitchFamily="34" charset="0"/>
                   </a:rPr>
-                  <a:t>me.sa</a:t>
+                  <a:t>taw.lə</a:t>
                 </a:r>
                 <a:r>
                   <a:rPr lang="pt-BR" dirty="0" smtClean="0">
@@ -8320,13 +8282,31 @@
             <a:p>
               <a:pPr algn="ctr"/>
               <a:r>
-                <a:rPr lang="pt-BR" dirty="0" smtClean="0">
+                <a:rPr lang="pt-BR" dirty="0">
                   <a:solidFill>
                     <a:schemeClr val="tx1"/>
                   </a:solidFill>
                   <a:latin typeface="Bahnschrift Light SemiCondensed" panose="020B0502040204020203" pitchFamily="34" charset="0"/>
                 </a:rPr>
-                <a:t>/’me.sa/</a:t>
+                <a:t>/’</a:t>
+              </a:r>
+              <a:r>
+                <a:rPr lang="pt-BR" dirty="0" err="1">
+                  <a:solidFill>
+                    <a:schemeClr val="tx1"/>
+                  </a:solidFill>
+                  <a:latin typeface="Bahnschrift Light SemiCondensed" panose="020B0502040204020203" pitchFamily="34" charset="0"/>
+                </a:rPr>
+                <a:t>taw.lə</a:t>
+              </a:r>
+              <a:r>
+                <a:rPr lang="pt-BR" dirty="0">
+                  <a:solidFill>
+                    <a:schemeClr val="tx1"/>
+                  </a:solidFill>
+                  <a:latin typeface="Bahnschrift Light SemiCondensed" panose="020B0502040204020203" pitchFamily="34" charset="0"/>
+                </a:rPr>
+                <a:t>/</a:t>
               </a:r>
               <a:endParaRPr lang="pt-BR" dirty="0">
                 <a:solidFill>
@@ -8425,8 +8405,8 @@
           </p:nvSpPr>
           <p:spPr>
             <a:xfrm>
-              <a:off x="7511269" y="3968884"/>
-              <a:ext cx="821059" cy="338554"/>
+              <a:off x="7540123" y="3968884"/>
+              <a:ext cx="792205" cy="338554"/>
             </a:xfrm>
             <a:prstGeom prst="rect">
               <a:avLst/>
@@ -8449,7 +8429,7 @@
                   </a:solidFill>
                   <a:latin typeface="Bahnschrift Light SemiCondensed" panose="020B0502040204020203" pitchFamily="34" charset="0"/>
                 </a:rPr>
-                <a:t>Spanish</a:t>
+                <a:t>Catalan</a:t>
               </a:r>
               <a:endParaRPr lang="en-GB" dirty="0">
                 <a:solidFill>
@@ -8584,31 +8564,13 @@
             <a:p>
               <a:pPr algn="ctr"/>
               <a:r>
-                <a:rPr lang="pt-BR" dirty="0" smtClean="0">
+                <a:rPr lang="pt-BR" dirty="0">
                   <a:solidFill>
                     <a:schemeClr val="tx1"/>
                   </a:solidFill>
                   <a:latin typeface="Bahnschrift Light SemiCondensed" panose="020B0502040204020203" pitchFamily="34" charset="0"/>
                 </a:rPr>
-                <a:t>/’</a:t>
-              </a:r>
-              <a:r>
-                <a:rPr lang="pt-BR" dirty="0" err="1" smtClean="0">
-                  <a:solidFill>
-                    <a:schemeClr val="tx1"/>
-                  </a:solidFill>
-                  <a:latin typeface="Bahnschrift Light SemiCondensed" panose="020B0502040204020203" pitchFamily="34" charset="0"/>
-                </a:rPr>
-                <a:t>taw.lə</a:t>
-              </a:r>
-              <a:r>
-                <a:rPr lang="pt-BR" dirty="0" smtClean="0">
-                  <a:solidFill>
-                    <a:schemeClr val="tx1"/>
-                  </a:solidFill>
-                  <a:latin typeface="Bahnschrift Light SemiCondensed" panose="020B0502040204020203" pitchFamily="34" charset="0"/>
-                </a:rPr>
-                <a:t>/</a:t>
+                <a:t>/’me.sa/</a:t>
               </a:r>
               <a:endParaRPr lang="pt-BR" dirty="0">
                 <a:solidFill>
@@ -8724,40 +8686,13 @@
               <a:p>
                 <a:pPr algn="ctr"/>
                 <a:r>
-                  <a:rPr lang="pt-BR" dirty="0" smtClean="0">
+                  <a:rPr lang="pt-BR" dirty="0">
                     <a:solidFill>
                       <a:schemeClr val="tx1"/>
                     </a:solidFill>
                     <a:latin typeface="Bahnschrift Light SemiCondensed" panose="020B0502040204020203" pitchFamily="34" charset="0"/>
                   </a:rPr>
-                  <a:t>/</a:t>
-                </a:r>
-                <a:r>
-                  <a:rPr lang="pt-BR" dirty="0" smtClean="0">
-                    <a:solidFill>
-                      <a:schemeClr val="tx1"/>
-                    </a:solidFill>
-                    <a:latin typeface="Bahnschrift Light SemiCondensed" panose="020B0502040204020203" pitchFamily="34" charset="0"/>
-                  </a:rPr>
-                  <a:t>’</a:t>
-                </a:r>
-                <a:r>
-                  <a:rPr lang="pt-BR" dirty="0" err="1" smtClean="0">
-                    <a:solidFill>
-                      <a:schemeClr val="tx1"/>
-                    </a:solidFill>
-                    <a:latin typeface="Bahnschrift Light SemiCondensed" panose="020B0502040204020203" pitchFamily="34" charset="0"/>
-                  </a:rPr>
-                  <a:t>taw.lə</a:t>
-                </a:r>
-                <a:r>
-                  <a:rPr lang="pt-BR" dirty="0" smtClean="0">
-                    <a:solidFill>
-                      <a:schemeClr val="tx1"/>
-                    </a:solidFill>
-                    <a:latin typeface="Bahnschrift Light SemiCondensed" panose="020B0502040204020203" pitchFamily="34" charset="0"/>
-                  </a:rPr>
-                  <a:t>/</a:t>
+                  <a:t>/’me.sa/</a:t>
                 </a:r>
                 <a:endParaRPr lang="pt-BR" dirty="0">
                   <a:solidFill>
@@ -8866,8 +8801,8 @@
           </p:nvSpPr>
           <p:spPr>
             <a:xfrm>
-              <a:off x="7540897" y="1656880"/>
-              <a:ext cx="792205" cy="338554"/>
+              <a:off x="7512043" y="1656880"/>
+              <a:ext cx="821059" cy="338554"/>
             </a:xfrm>
             <a:prstGeom prst="rect">
               <a:avLst/>
@@ -8888,7 +8823,7 @@
                   </a:solidFill>
                   <a:latin typeface="Bahnschrift Light SemiCondensed" panose="020B0502040204020203" pitchFamily="34" charset="0"/>
                 </a:rPr>
-                <a:t>Catalan</a:t>
+                <a:t>Spanish</a:t>
               </a:r>
               <a:endParaRPr lang="en-GB" dirty="0">
                 <a:solidFill>
@@ -9235,7 +9170,7 @@
       </p:grpSpPr>
       <p:grpSp>
         <p:nvGrpSpPr>
-          <p:cNvPr id="21" name="Grupo 20"/>
+          <p:cNvPr id="18" name="Grupo 17"/>
           <p:cNvGrpSpPr/>
           <p:nvPr/>
         </p:nvGrpSpPr>
@@ -9243,145 +9178,1175 @@
           <a:xfrm>
             <a:off x="3756062" y="979836"/>
             <a:ext cx="5650660" cy="3175195"/>
-            <a:chOff x="4055165" y="1133660"/>
+            <a:chOff x="3756062" y="979836"/>
             <a:chExt cx="5650660" cy="3175195"/>
           </a:xfrm>
         </p:grpSpPr>
-        <p:sp>
-          <p:nvSpPr>
-            <p:cNvPr id="85" name="Rectángulo 84"/>
-            <p:cNvSpPr/>
-            <p:nvPr/>
-          </p:nvSpPr>
-          <p:spPr>
-            <a:xfrm>
-              <a:off x="8333876" y="1660016"/>
-              <a:ext cx="1371949" cy="2648838"/>
-            </a:xfrm>
-            <a:prstGeom prst="rect">
-              <a:avLst/>
-            </a:prstGeom>
-            <a:solidFill>
-              <a:schemeClr val="bg1">
-                <a:lumMod val="95000"/>
-              </a:schemeClr>
-            </a:solidFill>
-            <a:ln>
-              <a:noFill/>
-            </a:ln>
-          </p:spPr>
-          <p:style>
-            <a:lnRef idx="2">
-              <a:schemeClr val="accent1">
-                <a:shade val="50000"/>
-              </a:schemeClr>
-            </a:lnRef>
-            <a:fillRef idx="1">
-              <a:schemeClr val="accent1"/>
-            </a:fillRef>
-            <a:effectRef idx="0">
-              <a:schemeClr val="accent1"/>
-            </a:effectRef>
-            <a:fontRef idx="minor">
-              <a:schemeClr val="lt1"/>
-            </a:fontRef>
-          </p:style>
-          <p:txBody>
-            <a:bodyPr rtlCol="0" anchor="ctr"/>
-            <a:lstStyle/>
-            <a:p>
-              <a:pPr algn="ctr"/>
-              <a:endParaRPr lang="en-GB"/>
-            </a:p>
-          </p:txBody>
-        </p:sp>
-        <p:sp>
-          <p:nvSpPr>
-            <p:cNvPr id="66" name="Rectángulo 65"/>
-            <p:cNvSpPr/>
-            <p:nvPr/>
-          </p:nvSpPr>
-          <p:spPr>
-            <a:xfrm>
-              <a:off x="5427787" y="2978525"/>
-              <a:ext cx="2904541" cy="1330329"/>
-            </a:xfrm>
-            <a:prstGeom prst="rect">
-              <a:avLst/>
-            </a:prstGeom>
-            <a:solidFill>
-              <a:schemeClr val="accent2">
-                <a:lumMod val="20000"/>
-                <a:lumOff val="80000"/>
-              </a:schemeClr>
-            </a:solidFill>
-            <a:ln>
-              <a:noFill/>
-            </a:ln>
-          </p:spPr>
-          <p:style>
-            <a:lnRef idx="2">
-              <a:schemeClr val="accent1">
-                <a:shade val="50000"/>
-              </a:schemeClr>
-            </a:lnRef>
-            <a:fillRef idx="1">
-              <a:schemeClr val="accent1"/>
-            </a:fillRef>
-            <a:effectRef idx="0">
-              <a:schemeClr val="accent1"/>
-            </a:effectRef>
-            <a:fontRef idx="minor">
-              <a:schemeClr val="lt1"/>
-            </a:fontRef>
-          </p:style>
-          <p:txBody>
-            <a:bodyPr rtlCol="0" anchor="ctr"/>
-            <a:lstStyle/>
-            <a:p>
-              <a:pPr algn="ctr"/>
-              <a:endParaRPr lang="en-GB"/>
-            </a:p>
-          </p:txBody>
-        </p:sp>
         <p:grpSp>
           <p:nvGrpSpPr>
-            <p:cNvPr id="71" name="Grupo 70"/>
+            <p:cNvPr id="21" name="Grupo 20"/>
             <p:cNvGrpSpPr/>
             <p:nvPr/>
           </p:nvGrpSpPr>
           <p:grpSpPr>
             <a:xfrm>
-              <a:off x="6479784" y="3419756"/>
-              <a:ext cx="1158350" cy="646043"/>
-              <a:chOff x="4267355" y="1783512"/>
-              <a:chExt cx="991894" cy="646043"/>
+              <a:off x="3756062" y="979836"/>
+              <a:ext cx="5650660" cy="3175195"/>
+              <a:chOff x="4055165" y="1133660"/>
+              <a:chExt cx="5650660" cy="3175195"/>
             </a:xfrm>
-            <a:solidFill>
-              <a:schemeClr val="accent1">
-                <a:lumMod val="60000"/>
-                <a:lumOff val="40000"/>
-              </a:schemeClr>
-            </a:solidFill>
           </p:grpSpPr>
           <p:sp>
             <p:nvSpPr>
-              <p:cNvPr id="72" name="Elipse 71"/>
+              <p:cNvPr id="85" name="Rectángulo 84"/>
               <p:cNvSpPr/>
               <p:nvPr/>
             </p:nvSpPr>
             <p:spPr>
               <a:xfrm>
-                <a:off x="4267355" y="1783512"/>
-                <a:ext cx="991894" cy="646043"/>
+                <a:off x="8333876" y="1660016"/>
+                <a:ext cx="1371949" cy="2648838"/>
               </a:xfrm>
-              <a:prstGeom prst="ellipse">
+              <a:prstGeom prst="rect">
+                <a:avLst/>
+              </a:prstGeom>
+              <a:solidFill>
+                <a:schemeClr val="bg1">
+                  <a:lumMod val="95000"/>
+                </a:schemeClr>
+              </a:solidFill>
+              <a:ln>
+                <a:noFill/>
+              </a:ln>
+            </p:spPr>
+            <p:style>
+              <a:lnRef idx="2">
+                <a:schemeClr val="accent1">
+                  <a:shade val="50000"/>
+                </a:schemeClr>
+              </a:lnRef>
+              <a:fillRef idx="1">
+                <a:schemeClr val="accent1"/>
+              </a:fillRef>
+              <a:effectRef idx="0">
+                <a:schemeClr val="accent1"/>
+              </a:effectRef>
+              <a:fontRef idx="minor">
+                <a:schemeClr val="lt1"/>
+              </a:fontRef>
+            </p:style>
+            <p:txBody>
+              <a:bodyPr rtlCol="0" anchor="ctr"/>
+              <a:lstStyle/>
+              <a:p>
+                <a:pPr algn="ctr"/>
+                <a:endParaRPr lang="en-GB"/>
+              </a:p>
+            </p:txBody>
+          </p:sp>
+          <p:sp>
+            <p:nvSpPr>
+              <p:cNvPr id="66" name="Rectángulo 65"/>
+              <p:cNvSpPr/>
+              <p:nvPr/>
+            </p:nvSpPr>
+            <p:spPr>
+              <a:xfrm>
+                <a:off x="5427787" y="2978525"/>
+                <a:ext cx="2904541" cy="1330329"/>
+              </a:xfrm>
+              <a:prstGeom prst="rect">
                 <a:avLst/>
               </a:prstGeom>
               <a:solidFill>
                 <a:schemeClr val="accent2">
+                  <a:lumMod val="20000"/>
+                  <a:lumOff val="80000"/>
+                </a:schemeClr>
+              </a:solidFill>
+              <a:ln>
+                <a:noFill/>
+              </a:ln>
+            </p:spPr>
+            <p:style>
+              <a:lnRef idx="2">
+                <a:schemeClr val="accent1">
+                  <a:shade val="50000"/>
+                </a:schemeClr>
+              </a:lnRef>
+              <a:fillRef idx="1">
+                <a:schemeClr val="accent1"/>
+              </a:fillRef>
+              <a:effectRef idx="0">
+                <a:schemeClr val="accent1"/>
+              </a:effectRef>
+              <a:fontRef idx="minor">
+                <a:schemeClr val="lt1"/>
+              </a:fontRef>
+            </p:style>
+            <p:txBody>
+              <a:bodyPr rtlCol="0" anchor="ctr"/>
+              <a:lstStyle/>
+              <a:p>
+                <a:pPr algn="ctr"/>
+                <a:endParaRPr lang="en-GB"/>
+              </a:p>
+            </p:txBody>
+          </p:sp>
+          <p:grpSp>
+            <p:nvGrpSpPr>
+              <p:cNvPr id="71" name="Grupo 70"/>
+              <p:cNvGrpSpPr/>
+              <p:nvPr/>
+            </p:nvGrpSpPr>
+            <p:grpSpPr>
+              <a:xfrm>
+                <a:off x="6479784" y="3419756"/>
+                <a:ext cx="1158350" cy="646043"/>
+                <a:chOff x="4267355" y="1783512"/>
+                <a:chExt cx="991894" cy="646043"/>
+              </a:xfrm>
+              <a:solidFill>
+                <a:schemeClr val="accent1">
                   <a:lumMod val="60000"/>
                   <a:lumOff val="40000"/>
+                </a:schemeClr>
+              </a:solidFill>
+            </p:grpSpPr>
+            <p:sp>
+              <p:nvSpPr>
+                <p:cNvPr id="72" name="Elipse 71"/>
+                <p:cNvSpPr/>
+                <p:nvPr/>
+              </p:nvSpPr>
+              <p:spPr>
+                <a:xfrm>
+                  <a:off x="4267355" y="1783512"/>
+                  <a:ext cx="991894" cy="646043"/>
+                </a:xfrm>
+                <a:prstGeom prst="ellipse">
+                  <a:avLst/>
+                </a:prstGeom>
+                <a:solidFill>
+                  <a:schemeClr val="accent2">
+                    <a:lumMod val="60000"/>
+                    <a:lumOff val="40000"/>
+                  </a:schemeClr>
+                </a:solidFill>
+                <a:ln w="19050">
+                  <a:noFill/>
+                </a:ln>
+              </p:spPr>
+              <p:style>
+                <a:lnRef idx="2">
+                  <a:schemeClr val="accent1">
+                    <a:shade val="50000"/>
+                  </a:schemeClr>
+                </a:lnRef>
+                <a:fillRef idx="1">
+                  <a:schemeClr val="accent1"/>
+                </a:fillRef>
+                <a:effectRef idx="0">
+                  <a:schemeClr val="accent1"/>
+                </a:effectRef>
+                <a:fontRef idx="minor">
+                  <a:schemeClr val="lt1"/>
+                </a:fontRef>
+              </p:style>
+              <p:txBody>
+                <a:bodyPr rtlCol="0" anchor="ctr"/>
+                <a:lstStyle/>
+                <a:p>
+                  <a:pPr algn="ctr"/>
+                  <a:endParaRPr lang="en-GB"/>
+                </a:p>
+              </p:txBody>
+            </p:sp>
+            <p:sp>
+              <p:nvSpPr>
+                <p:cNvPr id="73" name="Rectángulo 72"/>
+                <p:cNvSpPr/>
+                <p:nvPr/>
+              </p:nvSpPr>
+              <p:spPr>
+                <a:xfrm>
+                  <a:off x="4322692" y="1944744"/>
+                  <a:ext cx="900672" cy="299103"/>
+                </a:xfrm>
+                <a:prstGeom prst="rect">
+                  <a:avLst/>
+                </a:prstGeom>
+                <a:noFill/>
+                <a:ln>
+                  <a:noFill/>
+                </a:ln>
+              </p:spPr>
+              <p:style>
+                <a:lnRef idx="2">
+                  <a:schemeClr val="accent1">
+                    <a:shade val="50000"/>
+                  </a:schemeClr>
+                </a:lnRef>
+                <a:fillRef idx="1">
+                  <a:schemeClr val="accent1"/>
+                </a:fillRef>
+                <a:effectRef idx="0">
+                  <a:schemeClr val="accent1"/>
+                </a:effectRef>
+                <a:fontRef idx="minor">
+                  <a:schemeClr val="lt1"/>
+                </a:fontRef>
+              </p:style>
+              <p:txBody>
+                <a:bodyPr rtlCol="0" anchor="ctr"/>
+                <a:lstStyle/>
+                <a:p>
+                  <a:pPr algn="ctr"/>
+                  <a:r>
+                    <a:rPr lang="pt-BR" dirty="0">
+                      <a:solidFill>
+                        <a:schemeClr val="tx1"/>
+                      </a:solidFill>
+                      <a:latin typeface="Bahnschrift Light SemiCondensed" panose="020B0502040204020203" pitchFamily="34" charset="0"/>
+                    </a:rPr>
+                    <a:t>/</a:t>
+                  </a:r>
+                  <a:r>
+                    <a:rPr lang="en-GB" dirty="0">
+                      <a:solidFill>
+                        <a:schemeClr val="tx1"/>
+                      </a:solidFill>
+                      <a:latin typeface="Bahnschrift Light SemiCondensed" panose="020B0502040204020203" pitchFamily="34" charset="0"/>
+                    </a:rPr>
+                    <a:t>’</a:t>
+                  </a:r>
+                  <a:r>
+                    <a:rPr lang="en-GB" dirty="0" err="1">
+                      <a:solidFill>
+                        <a:schemeClr val="tx1"/>
+                      </a:solidFill>
+                      <a:latin typeface="Bahnschrift Light SemiCondensed" panose="020B0502040204020203" pitchFamily="34" charset="0"/>
+                    </a:rPr>
+                    <a:t>pɔɾ.tə</a:t>
+                  </a:r>
+                  <a:r>
+                    <a:rPr lang="pt-BR" dirty="0">
+                      <a:solidFill>
+                        <a:schemeClr val="tx1"/>
+                      </a:solidFill>
+                      <a:latin typeface="Bahnschrift Light SemiCondensed" panose="020B0502040204020203" pitchFamily="34" charset="0"/>
+                    </a:rPr>
+                    <a:t>/</a:t>
+                  </a:r>
+                  <a:endParaRPr lang="pt-BR" dirty="0">
+                    <a:solidFill>
+                      <a:schemeClr val="tx1"/>
+                    </a:solidFill>
+                    <a:latin typeface="Bahnschrift Light SemiCondensed" panose="020B0502040204020203" pitchFamily="34" charset="0"/>
+                  </a:endParaRPr>
+                </a:p>
+              </p:txBody>
+            </p:sp>
+          </p:grpSp>
+          <p:sp>
+            <p:nvSpPr>
+              <p:cNvPr id="74" name="Rectángulo 73"/>
+              <p:cNvSpPr/>
+              <p:nvPr/>
+            </p:nvSpPr>
+            <p:spPr>
+              <a:xfrm>
+                <a:off x="4055165" y="3580988"/>
+                <a:ext cx="1039087" cy="299103"/>
+              </a:xfrm>
+              <a:prstGeom prst="rect">
+                <a:avLst/>
+              </a:prstGeom>
+              <a:solidFill>
+                <a:schemeClr val="bg1"/>
+              </a:solidFill>
+              <a:ln>
+                <a:noFill/>
+              </a:ln>
+            </p:spPr>
+            <p:style>
+              <a:lnRef idx="2">
+                <a:schemeClr val="accent1">
+                  <a:shade val="50000"/>
+                </a:schemeClr>
+              </a:lnRef>
+              <a:fillRef idx="1">
+                <a:schemeClr val="accent1"/>
+              </a:fillRef>
+              <a:effectRef idx="0">
+                <a:schemeClr val="accent1"/>
+              </a:effectRef>
+              <a:fontRef idx="minor">
+                <a:schemeClr val="lt1"/>
+              </a:fontRef>
+            </p:style>
+            <p:txBody>
+              <a:bodyPr rtlCol="0" anchor="ctr"/>
+              <a:lstStyle/>
+              <a:p>
+                <a:pPr algn="ctr"/>
+                <a:r>
+                  <a:rPr lang="pt-BR" dirty="0">
+                    <a:solidFill>
+                      <a:schemeClr val="tx1"/>
+                    </a:solidFill>
+                    <a:latin typeface="Bahnschrift Light SemiCondensed" panose="020B0502040204020203" pitchFamily="34" charset="0"/>
+                  </a:rPr>
+                  <a:t>/</a:t>
+                </a:r>
+                <a:r>
+                  <a:rPr lang="en-GB" dirty="0">
+                    <a:solidFill>
+                      <a:schemeClr val="tx1"/>
+                    </a:solidFill>
+                    <a:latin typeface="Bahnschrift Light SemiCondensed" panose="020B0502040204020203" pitchFamily="34" charset="0"/>
+                  </a:rPr>
+                  <a:t>’</a:t>
+                </a:r>
+                <a:r>
+                  <a:rPr lang="en-GB" dirty="0" err="1">
+                    <a:solidFill>
+                      <a:schemeClr val="tx1"/>
+                    </a:solidFill>
+                    <a:latin typeface="Bahnschrift Light SemiCondensed" panose="020B0502040204020203" pitchFamily="34" charset="0"/>
+                  </a:rPr>
+                  <a:t>pɔɾ.tə</a:t>
+                </a:r>
+                <a:r>
+                  <a:rPr lang="pt-BR" dirty="0">
+                    <a:solidFill>
+                      <a:schemeClr val="tx1"/>
+                    </a:solidFill>
+                    <a:latin typeface="Bahnschrift Light SemiCondensed" panose="020B0502040204020203" pitchFamily="34" charset="0"/>
+                  </a:rPr>
+                  <a:t>/</a:t>
+                </a:r>
+                <a:endParaRPr lang="pt-BR" dirty="0">
+                  <a:solidFill>
+                    <a:schemeClr val="tx1"/>
+                  </a:solidFill>
+                  <a:latin typeface="Bahnschrift Light SemiCondensed" panose="020B0502040204020203" pitchFamily="34" charset="0"/>
+                </a:endParaRPr>
+              </a:p>
+            </p:txBody>
+          </p:sp>
+          <p:cxnSp>
+            <p:nvCxnSpPr>
+              <p:cNvPr id="75" name="Conector recto de flecha 74"/>
+              <p:cNvCxnSpPr>
+                <a:stCxn id="74" idx="3"/>
+                <a:endCxn id="72" idx="2"/>
+              </p:cNvCxnSpPr>
+              <p:nvPr/>
+            </p:nvCxnSpPr>
+            <p:spPr>
+              <a:xfrm>
+                <a:off x="5094252" y="3730540"/>
+                <a:ext cx="1385532" cy="12238"/>
+              </a:xfrm>
+              <a:prstGeom prst="straightConnector1">
+                <a:avLst/>
+              </a:prstGeom>
+              <a:ln w="28575">
+                <a:solidFill>
+                  <a:schemeClr val="accent2"/>
+                </a:solidFill>
+                <a:prstDash val="sysDot"/>
+                <a:tailEnd type="triangle"/>
+              </a:ln>
+            </p:spPr>
+            <p:style>
+              <a:lnRef idx="1">
+                <a:schemeClr val="accent1"/>
+              </a:lnRef>
+              <a:fillRef idx="0">
+                <a:schemeClr val="accent1"/>
+              </a:fillRef>
+              <a:effectRef idx="0">
+                <a:schemeClr val="accent1"/>
+              </a:effectRef>
+              <a:fontRef idx="minor">
+                <a:schemeClr val="tx1"/>
+              </a:fontRef>
+            </p:style>
+          </p:cxnSp>
+          <p:cxnSp>
+            <p:nvCxnSpPr>
+              <p:cNvPr id="78" name="Conector angular 77"/>
+              <p:cNvCxnSpPr>
+                <a:stCxn id="72" idx="6"/>
+                <a:endCxn id="49" idx="1"/>
+              </p:cNvCxnSpPr>
+              <p:nvPr/>
+            </p:nvCxnSpPr>
+            <p:spPr>
+              <a:xfrm flipV="1">
+                <a:off x="7638134" y="2981739"/>
+                <a:ext cx="938144" cy="761039"/>
+              </a:xfrm>
+              <a:prstGeom prst="bentConnector3">
+                <a:avLst>
+                  <a:gd name="adj1" fmla="val 50000"/>
+                </a:avLst>
+              </a:prstGeom>
+              <a:ln w="28575">
+                <a:solidFill>
+                  <a:schemeClr val="tx1"/>
+                </a:solidFill>
+                <a:headEnd type="triangle"/>
+                <a:tailEnd type="triangle"/>
+              </a:ln>
+            </p:spPr>
+            <p:style>
+              <a:lnRef idx="1">
+                <a:schemeClr val="accent1"/>
+              </a:lnRef>
+              <a:fillRef idx="0">
+                <a:schemeClr val="accent1"/>
+              </a:fillRef>
+              <a:effectRef idx="0">
+                <a:schemeClr val="accent1"/>
+              </a:effectRef>
+              <a:fontRef idx="minor">
+                <a:schemeClr val="tx1"/>
+              </a:fontRef>
+            </p:style>
+          </p:cxnSp>
+          <p:sp>
+            <p:nvSpPr>
+              <p:cNvPr id="81" name="CuadroTexto 80"/>
+              <p:cNvSpPr txBox="1"/>
+              <p:nvPr/>
+            </p:nvSpPr>
+            <p:spPr>
+              <a:xfrm>
+                <a:off x="7540123" y="3970301"/>
+                <a:ext cx="792205" cy="338554"/>
+              </a:xfrm>
+              <a:prstGeom prst="rect">
+                <a:avLst/>
+              </a:prstGeom>
+              <a:noFill/>
+            </p:spPr>
+            <p:txBody>
+              <a:bodyPr wrap="none" rtlCol="0">
+                <a:spAutoFit/>
+              </a:bodyPr>
+              <a:lstStyle/>
+              <a:p>
+                <a:pPr algn="r"/>
+                <a:r>
+                  <a:rPr lang="es-ES" sz="1600" dirty="0" err="1" smtClean="0">
+                    <a:solidFill>
+                      <a:schemeClr val="accent2">
+                        <a:lumMod val="50000"/>
+                      </a:schemeClr>
+                    </a:solidFill>
+                    <a:latin typeface="Bahnschrift Light SemiCondensed" panose="020B0502040204020203" pitchFamily="34" charset="0"/>
+                  </a:rPr>
+                  <a:t>Catalan</a:t>
+                </a:r>
+                <a:endParaRPr lang="en-GB" dirty="0">
+                  <a:solidFill>
+                    <a:schemeClr val="accent2">
+                      <a:lumMod val="50000"/>
+                    </a:schemeClr>
+                  </a:solidFill>
+                  <a:latin typeface="Bahnschrift Light SemiCondensed" panose="020B0502040204020203" pitchFamily="34" charset="0"/>
+                </a:endParaRPr>
+              </a:p>
+            </p:txBody>
+          </p:sp>
+          <p:pic>
+            <p:nvPicPr>
+              <p:cNvPr id="83" name="Imagen 82"/>
+              <p:cNvPicPr>
+                <a:picLocks noChangeAspect="1"/>
+              </p:cNvPicPr>
+              <p:nvPr/>
+            </p:nvPicPr>
+            <p:blipFill>
+              <a:blip r:embed="rId2" cstate="print">
+                <a:extLst>
+                  <a:ext uri="{28A0092B-C50C-407E-A947-70E740481C1C}">
+                    <a14:useLocalDpi xmlns:a14="http://schemas.microsoft.com/office/drawing/2010/main" val="0"/>
+                  </a:ext>
+                </a:extLst>
+              </a:blip>
+              <a:stretch>
+                <a:fillRect/>
+              </a:stretch>
+            </p:blipFill>
+            <p:spPr>
+              <a:xfrm>
+                <a:off x="4440020" y="3880091"/>
+                <a:ext cx="354306" cy="354306"/>
+              </a:xfrm>
+              <a:prstGeom prst="rect">
+                <a:avLst/>
+              </a:prstGeom>
+            </p:spPr>
+          </p:pic>
+          <p:sp>
+            <p:nvSpPr>
+              <p:cNvPr id="86" name="Rectángulo 85"/>
+              <p:cNvSpPr/>
+              <p:nvPr/>
+            </p:nvSpPr>
+            <p:spPr>
+              <a:xfrm>
+                <a:off x="5427787" y="1660016"/>
+                <a:ext cx="2904541" cy="1321723"/>
+              </a:xfrm>
+              <a:prstGeom prst="rect">
+                <a:avLst/>
+              </a:prstGeom>
+              <a:solidFill>
+                <a:schemeClr val="accent1">
+                  <a:lumMod val="20000"/>
+                  <a:lumOff val="80000"/>
+                </a:schemeClr>
+              </a:solidFill>
+              <a:ln>
+                <a:noFill/>
+              </a:ln>
+            </p:spPr>
+            <p:style>
+              <a:lnRef idx="2">
+                <a:schemeClr val="accent1">
+                  <a:shade val="50000"/>
+                </a:schemeClr>
+              </a:lnRef>
+              <a:fillRef idx="1">
+                <a:schemeClr val="accent1"/>
+              </a:fillRef>
+              <a:effectRef idx="0">
+                <a:schemeClr val="accent1"/>
+              </a:effectRef>
+              <a:fontRef idx="minor">
+                <a:schemeClr val="lt1"/>
+              </a:fontRef>
+            </p:style>
+            <p:txBody>
+              <a:bodyPr rtlCol="0" anchor="ctr"/>
+              <a:lstStyle/>
+              <a:p>
+                <a:pPr algn="ctr"/>
+                <a:endParaRPr lang="en-GB"/>
+              </a:p>
+            </p:txBody>
+          </p:sp>
+          <p:sp>
+            <p:nvSpPr>
+              <p:cNvPr id="87" name="Rectángulo 86"/>
+              <p:cNvSpPr/>
+              <p:nvPr/>
+            </p:nvSpPr>
+            <p:spPr>
+              <a:xfrm>
+                <a:off x="4055165" y="2224755"/>
+                <a:ext cx="1039087" cy="299103"/>
+              </a:xfrm>
+              <a:prstGeom prst="rect">
+                <a:avLst/>
+              </a:prstGeom>
+              <a:solidFill>
+                <a:schemeClr val="bg1"/>
+              </a:solidFill>
+              <a:ln>
+                <a:noFill/>
+              </a:ln>
+            </p:spPr>
+            <p:style>
+              <a:lnRef idx="2">
+                <a:schemeClr val="accent1">
+                  <a:shade val="50000"/>
+                </a:schemeClr>
+              </a:lnRef>
+              <a:fillRef idx="1">
+                <a:schemeClr val="accent1"/>
+              </a:fillRef>
+              <a:effectRef idx="0">
+                <a:schemeClr val="accent1"/>
+              </a:effectRef>
+              <a:fontRef idx="minor">
+                <a:schemeClr val="lt1"/>
+              </a:fontRef>
+            </p:style>
+            <p:txBody>
+              <a:bodyPr rtlCol="0" anchor="ctr"/>
+              <a:lstStyle/>
+              <a:p>
+                <a:pPr algn="ctr"/>
+                <a:r>
+                  <a:rPr lang="pt-BR" dirty="0">
+                    <a:solidFill>
+                      <a:schemeClr val="tx1"/>
+                    </a:solidFill>
+                    <a:latin typeface="Bahnschrift Light SemiCondensed" panose="020B0502040204020203" pitchFamily="34" charset="0"/>
+                  </a:rPr>
+                  <a:t>/’</a:t>
+                </a:r>
+                <a:r>
+                  <a:rPr lang="pt-BR" dirty="0" err="1">
+                    <a:solidFill>
+                      <a:schemeClr val="tx1"/>
+                    </a:solidFill>
+                    <a:latin typeface="Bahnschrift Light SemiCondensed" panose="020B0502040204020203" pitchFamily="34" charset="0"/>
+                  </a:rPr>
+                  <a:t>pweɾ.ta</a:t>
+                </a:r>
+                <a:r>
+                  <a:rPr lang="pt-BR" dirty="0">
+                    <a:solidFill>
+                      <a:schemeClr val="tx1"/>
+                    </a:solidFill>
+                    <a:latin typeface="Bahnschrift Light SemiCondensed" panose="020B0502040204020203" pitchFamily="34" charset="0"/>
+                  </a:rPr>
+                  <a:t>/</a:t>
+                </a:r>
+                <a:endParaRPr lang="pt-BR" dirty="0">
+                  <a:solidFill>
+                    <a:schemeClr val="tx1"/>
+                  </a:solidFill>
+                  <a:latin typeface="Bahnschrift Light SemiCondensed" panose="020B0502040204020203" pitchFamily="34" charset="0"/>
+                </a:endParaRPr>
+              </a:p>
+            </p:txBody>
+          </p:sp>
+          <p:grpSp>
+            <p:nvGrpSpPr>
+              <p:cNvPr id="88" name="Grupo 87"/>
+              <p:cNvGrpSpPr/>
+              <p:nvPr/>
+            </p:nvGrpSpPr>
+            <p:grpSpPr>
+              <a:xfrm>
+                <a:off x="6443401" y="2064096"/>
+                <a:ext cx="1208721" cy="646043"/>
+                <a:chOff x="4226475" y="1783512"/>
+                <a:chExt cx="1035027" cy="646043"/>
+              </a:xfrm>
+              <a:solidFill>
+                <a:schemeClr val="accent1">
+                  <a:lumMod val="60000"/>
+                  <a:lumOff val="40000"/>
+                </a:schemeClr>
+              </a:solidFill>
+            </p:grpSpPr>
+            <p:sp>
+              <p:nvSpPr>
+                <p:cNvPr id="89" name="Elipse 88"/>
+                <p:cNvSpPr/>
+                <p:nvPr/>
+              </p:nvSpPr>
+              <p:spPr>
+                <a:xfrm>
+                  <a:off x="4226475" y="1783512"/>
+                  <a:ext cx="1035027" cy="646043"/>
+                </a:xfrm>
+                <a:prstGeom prst="ellipse">
+                  <a:avLst/>
+                </a:prstGeom>
+                <a:grpFill/>
+                <a:ln w="19050">
+                  <a:noFill/>
+                </a:ln>
+              </p:spPr>
+              <p:style>
+                <a:lnRef idx="2">
+                  <a:schemeClr val="accent1">
+                    <a:shade val="50000"/>
+                  </a:schemeClr>
+                </a:lnRef>
+                <a:fillRef idx="1">
+                  <a:schemeClr val="accent1"/>
+                </a:fillRef>
+                <a:effectRef idx="0">
+                  <a:schemeClr val="accent1"/>
+                </a:effectRef>
+                <a:fontRef idx="minor">
+                  <a:schemeClr val="lt1"/>
+                </a:fontRef>
+              </p:style>
+              <p:txBody>
+                <a:bodyPr rtlCol="0" anchor="ctr"/>
+                <a:lstStyle/>
+                <a:p>
+                  <a:pPr algn="ctr"/>
+                  <a:endParaRPr lang="en-GB"/>
+                </a:p>
+              </p:txBody>
+            </p:sp>
+            <p:sp>
+              <p:nvSpPr>
+                <p:cNvPr id="90" name="Rectángulo 89"/>
+                <p:cNvSpPr/>
+                <p:nvPr/>
+              </p:nvSpPr>
+              <p:spPr>
+                <a:xfrm>
+                  <a:off x="4318942" y="1944171"/>
+                  <a:ext cx="894695" cy="299103"/>
+                </a:xfrm>
+                <a:prstGeom prst="rect">
+                  <a:avLst/>
+                </a:prstGeom>
+                <a:grpFill/>
+                <a:ln>
+                  <a:noFill/>
+                </a:ln>
+              </p:spPr>
+              <p:style>
+                <a:lnRef idx="2">
+                  <a:schemeClr val="accent1">
+                    <a:shade val="50000"/>
+                  </a:schemeClr>
+                </a:lnRef>
+                <a:fillRef idx="1">
+                  <a:schemeClr val="accent1"/>
+                </a:fillRef>
+                <a:effectRef idx="0">
+                  <a:schemeClr val="accent1"/>
+                </a:effectRef>
+                <a:fontRef idx="minor">
+                  <a:schemeClr val="lt1"/>
+                </a:fontRef>
+              </p:style>
+              <p:txBody>
+                <a:bodyPr rtlCol="0" anchor="ctr"/>
+                <a:lstStyle/>
+                <a:p>
+                  <a:pPr algn="ctr"/>
+                  <a:r>
+                    <a:rPr lang="pt-BR" dirty="0">
+                      <a:solidFill>
+                        <a:schemeClr val="tx1"/>
+                      </a:solidFill>
+                      <a:latin typeface="Bahnschrift Light SemiCondensed" panose="020B0502040204020203" pitchFamily="34" charset="0"/>
+                    </a:rPr>
+                    <a:t>/’</a:t>
+                  </a:r>
+                  <a:r>
+                    <a:rPr lang="pt-BR" dirty="0" err="1">
+                      <a:solidFill>
+                        <a:schemeClr val="tx1"/>
+                      </a:solidFill>
+                      <a:latin typeface="Bahnschrift Light SemiCondensed" panose="020B0502040204020203" pitchFamily="34" charset="0"/>
+                    </a:rPr>
+                    <a:t>pweɾ.ta</a:t>
+                  </a:r>
+                  <a:r>
+                    <a:rPr lang="pt-BR" dirty="0">
+                      <a:solidFill>
+                        <a:schemeClr val="tx1"/>
+                      </a:solidFill>
+                      <a:latin typeface="Bahnschrift Light SemiCondensed" panose="020B0502040204020203" pitchFamily="34" charset="0"/>
+                    </a:rPr>
+                    <a:t>/</a:t>
+                  </a:r>
+                  <a:endParaRPr lang="pt-BR" dirty="0">
+                    <a:solidFill>
+                      <a:schemeClr val="tx1"/>
+                    </a:solidFill>
+                    <a:latin typeface="Bahnschrift Light SemiCondensed" panose="020B0502040204020203" pitchFamily="34" charset="0"/>
+                  </a:endParaRPr>
+                </a:p>
+              </p:txBody>
+            </p:sp>
+          </p:grpSp>
+          <p:cxnSp>
+            <p:nvCxnSpPr>
+              <p:cNvPr id="94" name="Conector recto de flecha 93"/>
+              <p:cNvCxnSpPr>
+                <a:stCxn id="87" idx="3"/>
+                <a:endCxn id="89" idx="2"/>
+              </p:cNvCxnSpPr>
+              <p:nvPr/>
+            </p:nvCxnSpPr>
+            <p:spPr>
+              <a:xfrm>
+                <a:off x="5094252" y="2374307"/>
+                <a:ext cx="1349149" cy="12811"/>
+              </a:xfrm>
+              <a:prstGeom prst="straightConnector1">
+                <a:avLst/>
+              </a:prstGeom>
+              <a:ln w="28575">
+                <a:solidFill>
+                  <a:schemeClr val="accent1">
+                    <a:lumMod val="75000"/>
+                  </a:schemeClr>
+                </a:solidFill>
+                <a:prstDash val="sysDot"/>
+                <a:tailEnd type="triangle"/>
+              </a:ln>
+            </p:spPr>
+            <p:style>
+              <a:lnRef idx="1">
+                <a:schemeClr val="accent1"/>
+              </a:lnRef>
+              <a:fillRef idx="0">
+                <a:schemeClr val="accent1"/>
+              </a:fillRef>
+              <a:effectRef idx="0">
+                <a:schemeClr val="accent1"/>
+              </a:effectRef>
+              <a:fontRef idx="minor">
+                <a:schemeClr val="tx1"/>
+              </a:fontRef>
+            </p:style>
+          </p:cxnSp>
+          <p:sp>
+            <p:nvSpPr>
+              <p:cNvPr id="96" name="CuadroTexto 95"/>
+              <p:cNvSpPr txBox="1"/>
+              <p:nvPr/>
+            </p:nvSpPr>
+            <p:spPr>
+              <a:xfrm>
+                <a:off x="8332328" y="1133660"/>
+                <a:ext cx="1373497" cy="523220"/>
+              </a:xfrm>
+              <a:prstGeom prst="rect">
+                <a:avLst/>
+              </a:prstGeom>
+              <a:noFill/>
+            </p:spPr>
+            <p:txBody>
+              <a:bodyPr wrap="square" rtlCol="0" anchor="ctr">
+                <a:spAutoFit/>
+              </a:bodyPr>
+              <a:lstStyle/>
+              <a:p>
+                <a:pPr algn="ctr"/>
+                <a:r>
+                  <a:rPr lang="es-ES" sz="1400" dirty="0" err="1" smtClean="0">
+                    <a:latin typeface="Bahnschrift Light SemiCondensed" panose="020B0502040204020203" pitchFamily="34" charset="0"/>
+                  </a:rPr>
+                  <a:t>Semantic</a:t>
+                </a:r>
+                <a:r>
+                  <a:rPr lang="es-ES" sz="1400" dirty="0" smtClean="0">
+                    <a:latin typeface="Bahnschrift Light SemiCondensed" panose="020B0502040204020203" pitchFamily="34" charset="0"/>
+                  </a:rPr>
+                  <a:t> </a:t>
+                </a:r>
+                <a:r>
+                  <a:rPr lang="es-ES" sz="1400" dirty="0" err="1" smtClean="0">
+                    <a:latin typeface="Bahnschrift Light SemiCondensed" panose="020B0502040204020203" pitchFamily="34" charset="0"/>
+                  </a:rPr>
+                  <a:t>representations</a:t>
+                </a:r>
+                <a:endParaRPr lang="en-GB" sz="1400" dirty="0">
+                  <a:latin typeface="Bahnschrift Light SemiCondensed" panose="020B0502040204020203" pitchFamily="34" charset="0"/>
+                </a:endParaRPr>
+              </a:p>
+            </p:txBody>
+          </p:sp>
+          <p:sp>
+            <p:nvSpPr>
+              <p:cNvPr id="99" name="CuadroTexto 98"/>
+              <p:cNvSpPr txBox="1"/>
+              <p:nvPr/>
+            </p:nvSpPr>
+            <p:spPr>
+              <a:xfrm>
+                <a:off x="7512043" y="1656880"/>
+                <a:ext cx="821059" cy="338554"/>
+              </a:xfrm>
+              <a:prstGeom prst="rect">
+                <a:avLst/>
+              </a:prstGeom>
+              <a:noFill/>
+            </p:spPr>
+            <p:txBody>
+              <a:bodyPr wrap="none" rtlCol="0">
+                <a:spAutoFit/>
+              </a:bodyPr>
+              <a:lstStyle/>
+              <a:p>
+                <a:pPr algn="r"/>
+                <a:r>
+                  <a:rPr lang="es-ES" sz="1600" dirty="0" err="1" smtClean="0">
+                    <a:solidFill>
+                      <a:srgbClr val="002060"/>
+                    </a:solidFill>
+                    <a:latin typeface="Bahnschrift Light SemiCondensed" panose="020B0502040204020203" pitchFamily="34" charset="0"/>
+                  </a:rPr>
+                  <a:t>Spanish</a:t>
+                </a:r>
+                <a:endParaRPr lang="en-GB" dirty="0">
+                  <a:solidFill>
+                    <a:srgbClr val="002060"/>
+                  </a:solidFill>
+                  <a:latin typeface="Bahnschrift Light SemiCondensed" panose="020B0502040204020203" pitchFamily="34" charset="0"/>
+                </a:endParaRPr>
+              </a:p>
+            </p:txBody>
+          </p:sp>
+          <p:sp>
+            <p:nvSpPr>
+              <p:cNvPr id="100" name="CuadroTexto 99"/>
+              <p:cNvSpPr txBox="1"/>
+              <p:nvPr/>
+            </p:nvSpPr>
+            <p:spPr>
+              <a:xfrm>
+                <a:off x="5916674" y="1133660"/>
+                <a:ext cx="1939431" cy="523220"/>
+              </a:xfrm>
+              <a:prstGeom prst="rect">
+                <a:avLst/>
+              </a:prstGeom>
+              <a:noFill/>
+            </p:spPr>
+            <p:txBody>
+              <a:bodyPr wrap="square" rtlCol="0" anchor="ctr">
+                <a:spAutoFit/>
+              </a:bodyPr>
+              <a:lstStyle/>
+              <a:p>
+                <a:pPr algn="ctr"/>
+                <a:r>
+                  <a:rPr lang="es-ES" sz="1400" dirty="0" err="1" smtClean="0">
+                    <a:latin typeface="Bahnschrift Light SemiCondensed" panose="020B0502040204020203" pitchFamily="34" charset="0"/>
+                  </a:rPr>
+                  <a:t>Phonological</a:t>
+                </a:r>
+                <a:r>
+                  <a:rPr lang="es-ES" sz="1400" dirty="0" smtClean="0">
+                    <a:latin typeface="Bahnschrift Light SemiCondensed" panose="020B0502040204020203" pitchFamily="34" charset="0"/>
+                  </a:rPr>
+                  <a:t> </a:t>
+                </a:r>
+                <a:r>
+                  <a:rPr lang="es-ES" sz="1400" dirty="0" err="1" smtClean="0">
+                    <a:latin typeface="Bahnschrift Light SemiCondensed" panose="020B0502040204020203" pitchFamily="34" charset="0"/>
+                  </a:rPr>
+                  <a:t>representations</a:t>
+                </a:r>
+                <a:endParaRPr lang="en-GB" sz="1400" dirty="0">
+                  <a:latin typeface="Bahnschrift Light SemiCondensed" panose="020B0502040204020203" pitchFamily="34" charset="0"/>
+                </a:endParaRPr>
+              </a:p>
+            </p:txBody>
+          </p:sp>
+          <p:cxnSp>
+            <p:nvCxnSpPr>
+              <p:cNvPr id="101" name="Conector angular 100"/>
+              <p:cNvCxnSpPr>
+                <a:stCxn id="89" idx="6"/>
+                <a:endCxn id="49" idx="1"/>
+              </p:cNvCxnSpPr>
+              <p:nvPr/>
+            </p:nvCxnSpPr>
+            <p:spPr>
+              <a:xfrm>
+                <a:off x="7652122" y="2387118"/>
+                <a:ext cx="924156" cy="594621"/>
+              </a:xfrm>
+              <a:prstGeom prst="bentConnector3">
+                <a:avLst>
+                  <a:gd name="adj1" fmla="val 50000"/>
+                </a:avLst>
+              </a:prstGeom>
+              <a:ln w="28575">
+                <a:solidFill>
+                  <a:schemeClr val="tx1"/>
+                </a:solidFill>
+                <a:headEnd type="triangle"/>
+                <a:tailEnd type="triangle"/>
+              </a:ln>
+            </p:spPr>
+            <p:style>
+              <a:lnRef idx="1">
+                <a:schemeClr val="accent1"/>
+              </a:lnRef>
+              <a:fillRef idx="0">
+                <a:schemeClr val="accent1"/>
+              </a:fillRef>
+              <a:effectRef idx="0">
+                <a:schemeClr val="accent1"/>
+              </a:effectRef>
+              <a:fontRef idx="minor">
+                <a:schemeClr val="tx1"/>
+              </a:fontRef>
+            </p:style>
+          </p:cxnSp>
+          <p:pic>
+            <p:nvPicPr>
+              <p:cNvPr id="108" name="Imagen 107"/>
+              <p:cNvPicPr>
+                <a:picLocks noChangeAspect="1"/>
+              </p:cNvPicPr>
+              <p:nvPr/>
+            </p:nvPicPr>
+            <p:blipFill>
+              <a:blip r:embed="rId2" cstate="print">
+                <a:extLst>
+                  <a:ext uri="{28A0092B-C50C-407E-A947-70E740481C1C}">
+                    <a14:useLocalDpi xmlns:a14="http://schemas.microsoft.com/office/drawing/2010/main" val="0"/>
+                  </a:ext>
+                </a:extLst>
+              </a:blip>
+              <a:stretch>
+                <a:fillRect/>
+              </a:stretch>
+            </p:blipFill>
+            <p:spPr>
+              <a:xfrm>
+                <a:off x="4441170" y="2563056"/>
+                <a:ext cx="354306" cy="354306"/>
+              </a:xfrm>
+              <a:prstGeom prst="rect">
+                <a:avLst/>
+              </a:prstGeom>
+            </p:spPr>
+          </p:pic>
+          <p:cxnSp>
+            <p:nvCxnSpPr>
+              <p:cNvPr id="26" name="Conector recto de flecha 25"/>
+              <p:cNvCxnSpPr>
+                <a:stCxn id="89" idx="4"/>
+                <a:endCxn id="72" idx="0"/>
+              </p:cNvCxnSpPr>
+              <p:nvPr/>
+            </p:nvCxnSpPr>
+            <p:spPr>
+              <a:xfrm>
+                <a:off x="7047762" y="2710139"/>
+                <a:ext cx="11197" cy="709617"/>
+              </a:xfrm>
+              <a:prstGeom prst="straightConnector1">
+                <a:avLst/>
+              </a:prstGeom>
+              <a:ln w="28575">
+                <a:solidFill>
+                  <a:schemeClr val="tx1"/>
+                </a:solidFill>
+                <a:prstDash val="dash"/>
+                <a:headEnd type="triangle"/>
+                <a:tailEnd type="triangle"/>
+              </a:ln>
+            </p:spPr>
+            <p:style>
+              <a:lnRef idx="1">
+                <a:schemeClr val="accent1"/>
+              </a:lnRef>
+              <a:fillRef idx="0">
+                <a:schemeClr val="accent1"/>
+              </a:fillRef>
+              <a:effectRef idx="0">
+                <a:schemeClr val="accent1"/>
+              </a:effectRef>
+              <a:fontRef idx="minor">
+                <a:schemeClr val="tx1"/>
+              </a:fontRef>
+            </p:style>
+          </p:cxnSp>
+          <p:cxnSp>
+            <p:nvCxnSpPr>
+              <p:cNvPr id="12" name="Conector curvado 11"/>
+              <p:cNvCxnSpPr>
+                <a:stCxn id="87" idx="3"/>
+                <a:endCxn id="72" idx="1"/>
+              </p:cNvCxnSpPr>
+              <p:nvPr/>
+            </p:nvCxnSpPr>
+            <p:spPr>
+              <a:xfrm>
+                <a:off x="5094252" y="2374307"/>
+                <a:ext cx="1555168" cy="1140060"/>
+              </a:xfrm>
+              <a:prstGeom prst="curvedConnector2">
+                <a:avLst/>
+              </a:prstGeom>
+              <a:ln w="28575">
+                <a:solidFill>
+                  <a:schemeClr val="accent5"/>
+                </a:solidFill>
+                <a:prstDash val="sysDot"/>
+                <a:tailEnd type="triangle"/>
+              </a:ln>
+            </p:spPr>
+            <p:style>
+              <a:lnRef idx="1">
+                <a:schemeClr val="accent1"/>
+              </a:lnRef>
+              <a:fillRef idx="0">
+                <a:schemeClr val="accent1"/>
+              </a:fillRef>
+              <a:effectRef idx="0">
+                <a:schemeClr val="accent1"/>
+              </a:effectRef>
+              <a:fontRef idx="minor">
+                <a:schemeClr val="tx1"/>
+              </a:fontRef>
+            </p:style>
+          </p:cxnSp>
+          <p:cxnSp>
+            <p:nvCxnSpPr>
+              <p:cNvPr id="43" name="Conector curvado 42"/>
+              <p:cNvCxnSpPr>
+                <a:stCxn id="74" idx="3"/>
+                <a:endCxn id="89" idx="3"/>
+              </p:cNvCxnSpPr>
+              <p:nvPr/>
+            </p:nvCxnSpPr>
+            <p:spPr>
+              <a:xfrm flipV="1">
+                <a:off x="5094252" y="2615528"/>
+                <a:ext cx="1526162" cy="1115012"/>
+              </a:xfrm>
+              <a:prstGeom prst="curvedConnector2">
+                <a:avLst/>
+              </a:prstGeom>
+              <a:ln w="28575">
+                <a:solidFill>
+                  <a:schemeClr val="accent2"/>
+                </a:solidFill>
+                <a:prstDash val="sysDot"/>
+                <a:tailEnd type="triangle"/>
+              </a:ln>
+            </p:spPr>
+            <p:style>
+              <a:lnRef idx="1">
+                <a:schemeClr val="accent1"/>
+              </a:lnRef>
+              <a:fillRef idx="0">
+                <a:schemeClr val="accent1"/>
+              </a:fillRef>
+              <a:effectRef idx="0">
+                <a:schemeClr val="accent1"/>
+              </a:effectRef>
+              <a:fontRef idx="minor">
+                <a:schemeClr val="tx1"/>
+              </a:fontRef>
+            </p:style>
+          </p:cxnSp>
+          <p:sp>
+            <p:nvSpPr>
+              <p:cNvPr id="49" name="Rectángulo 48"/>
+              <p:cNvSpPr/>
+              <p:nvPr/>
+            </p:nvSpPr>
+            <p:spPr>
+              <a:xfrm>
+                <a:off x="8576278" y="2266411"/>
+                <a:ext cx="914400" cy="1430656"/>
+              </a:xfrm>
+              <a:prstGeom prst="rect">
+                <a:avLst/>
+              </a:prstGeom>
+              <a:solidFill>
+                <a:schemeClr val="bg1">
+                  <a:lumMod val="85000"/>
                 </a:schemeClr>
               </a:solidFill>
               <a:ln w="19050">
@@ -9413,299 +10378,28 @@
               </a:p>
             </p:txBody>
           </p:sp>
-          <p:sp>
-            <p:nvSpPr>
-              <p:cNvPr id="73" name="Rectángulo 72"/>
-              <p:cNvSpPr/>
-              <p:nvPr/>
-            </p:nvSpPr>
-            <p:spPr>
-              <a:xfrm>
-                <a:off x="4322692" y="1944744"/>
-                <a:ext cx="900672" cy="299103"/>
-              </a:xfrm>
-              <a:prstGeom prst="rect">
-                <a:avLst/>
-              </a:prstGeom>
-              <a:noFill/>
-              <a:ln>
-                <a:noFill/>
-              </a:ln>
-            </p:spPr>
-            <p:style>
-              <a:lnRef idx="2">
-                <a:schemeClr val="accent1">
-                  <a:shade val="50000"/>
-                </a:schemeClr>
-              </a:lnRef>
-              <a:fillRef idx="1">
-                <a:schemeClr val="accent1"/>
-              </a:fillRef>
-              <a:effectRef idx="0">
-                <a:schemeClr val="accent1"/>
-              </a:effectRef>
-              <a:fontRef idx="minor">
-                <a:schemeClr val="lt1"/>
-              </a:fontRef>
-            </p:style>
-            <p:txBody>
-              <a:bodyPr rtlCol="0" anchor="ctr"/>
-              <a:lstStyle/>
-              <a:p>
-                <a:pPr algn="ctr"/>
-                <a:r>
-                  <a:rPr lang="pt-BR" dirty="0" smtClean="0">
-                    <a:solidFill>
-                      <a:schemeClr val="tx1"/>
-                    </a:solidFill>
-                    <a:latin typeface="Bahnschrift Light SemiCondensed" panose="020B0502040204020203" pitchFamily="34" charset="0"/>
-                  </a:rPr>
-                  <a:t>/’</a:t>
-                </a:r>
-                <a:r>
-                  <a:rPr lang="pt-BR" dirty="0" err="1" smtClean="0">
-                    <a:solidFill>
-                      <a:schemeClr val="tx1"/>
-                    </a:solidFill>
-                    <a:latin typeface="Bahnschrift Light SemiCondensed" panose="020B0502040204020203" pitchFamily="34" charset="0"/>
-                  </a:rPr>
-                  <a:t>pweɾ.ta</a:t>
-                </a:r>
-                <a:r>
-                  <a:rPr lang="pt-BR" dirty="0" smtClean="0">
-                    <a:solidFill>
-                      <a:schemeClr val="tx1"/>
-                    </a:solidFill>
-                    <a:latin typeface="Bahnschrift Light SemiCondensed" panose="020B0502040204020203" pitchFamily="34" charset="0"/>
-                  </a:rPr>
-                  <a:t>/</a:t>
-                </a:r>
-                <a:endParaRPr lang="pt-BR" dirty="0">
-                  <a:solidFill>
-                    <a:schemeClr val="tx1"/>
-                  </a:solidFill>
-                  <a:latin typeface="Bahnschrift Light SemiCondensed" panose="020B0502040204020203" pitchFamily="34" charset="0"/>
-                </a:endParaRPr>
-              </a:p>
-            </p:txBody>
-          </p:sp>
         </p:grpSp>
-        <p:sp>
-          <p:nvSpPr>
-            <p:cNvPr id="74" name="Rectángulo 73"/>
-            <p:cNvSpPr/>
-            <p:nvPr/>
-          </p:nvSpPr>
-          <p:spPr>
-            <a:xfrm>
-              <a:off x="4055165" y="3580988"/>
-              <a:ext cx="1039087" cy="299103"/>
-            </a:xfrm>
-            <a:prstGeom prst="rect">
-              <a:avLst/>
-            </a:prstGeom>
-            <a:solidFill>
-              <a:schemeClr val="bg1"/>
-            </a:solidFill>
-            <a:ln>
-              <a:noFill/>
-            </a:ln>
-          </p:spPr>
-          <p:style>
-            <a:lnRef idx="2">
-              <a:schemeClr val="accent1">
-                <a:shade val="50000"/>
-              </a:schemeClr>
-            </a:lnRef>
-            <a:fillRef idx="1">
-              <a:schemeClr val="accent1"/>
-            </a:fillRef>
-            <a:effectRef idx="0">
-              <a:schemeClr val="accent1"/>
-            </a:effectRef>
-            <a:fontRef idx="minor">
-              <a:schemeClr val="lt1"/>
-            </a:fontRef>
-          </p:style>
-          <p:txBody>
-            <a:bodyPr rtlCol="0" anchor="ctr"/>
-            <a:lstStyle/>
-            <a:p>
-              <a:pPr algn="ctr"/>
-              <a:r>
-                <a:rPr lang="pt-BR" dirty="0" smtClean="0">
-                  <a:solidFill>
-                    <a:schemeClr val="tx1"/>
-                  </a:solidFill>
-                  <a:latin typeface="Bahnschrift Light SemiCondensed" panose="020B0502040204020203" pitchFamily="34" charset="0"/>
-                </a:rPr>
-                <a:t>/’</a:t>
-              </a:r>
-              <a:r>
-                <a:rPr lang="pt-BR" dirty="0" err="1" smtClean="0">
-                  <a:solidFill>
-                    <a:schemeClr val="tx1"/>
-                  </a:solidFill>
-                  <a:latin typeface="Bahnschrift Light SemiCondensed" panose="020B0502040204020203" pitchFamily="34" charset="0"/>
-                </a:rPr>
-                <a:t>pweɾ.ta</a:t>
-              </a:r>
-              <a:r>
-                <a:rPr lang="pt-BR" dirty="0" smtClean="0">
-                  <a:solidFill>
-                    <a:schemeClr val="tx1"/>
-                  </a:solidFill>
-                  <a:latin typeface="Bahnschrift Light SemiCondensed" panose="020B0502040204020203" pitchFamily="34" charset="0"/>
-                </a:rPr>
-                <a:t>/</a:t>
-              </a:r>
-              <a:endParaRPr lang="pt-BR" dirty="0">
-                <a:solidFill>
-                  <a:schemeClr val="tx1"/>
-                </a:solidFill>
-                <a:latin typeface="Bahnschrift Light SemiCondensed" panose="020B0502040204020203" pitchFamily="34" charset="0"/>
-              </a:endParaRPr>
-            </a:p>
-          </p:txBody>
-        </p:sp>
-        <p:cxnSp>
-          <p:nvCxnSpPr>
-            <p:cNvPr id="75" name="Conector recto de flecha 74"/>
-            <p:cNvCxnSpPr>
-              <a:stCxn id="74" idx="3"/>
-              <a:endCxn id="72" idx="2"/>
-            </p:cNvCxnSpPr>
-            <p:nvPr/>
-          </p:nvCxnSpPr>
-          <p:spPr>
-            <a:xfrm>
-              <a:off x="5094252" y="3730540"/>
-              <a:ext cx="1385532" cy="12238"/>
-            </a:xfrm>
-            <a:prstGeom prst="straightConnector1">
-              <a:avLst/>
-            </a:prstGeom>
-            <a:ln w="28575">
-              <a:solidFill>
-                <a:schemeClr val="accent2"/>
-              </a:solidFill>
-              <a:prstDash val="sysDot"/>
-              <a:tailEnd type="triangle"/>
-            </a:ln>
-          </p:spPr>
-          <p:style>
-            <a:lnRef idx="1">
-              <a:schemeClr val="accent1"/>
-            </a:lnRef>
-            <a:fillRef idx="0">
-              <a:schemeClr val="accent1"/>
-            </a:fillRef>
-            <a:effectRef idx="0">
-              <a:schemeClr val="accent1"/>
-            </a:effectRef>
-            <a:fontRef idx="minor">
-              <a:schemeClr val="tx1"/>
-            </a:fontRef>
-          </p:style>
-        </p:cxnSp>
-        <p:cxnSp>
-          <p:nvCxnSpPr>
-            <p:cNvPr id="78" name="Conector angular 77"/>
-            <p:cNvCxnSpPr>
-              <a:stCxn id="72" idx="6"/>
-              <a:endCxn id="49" idx="1"/>
-            </p:cNvCxnSpPr>
-            <p:nvPr/>
-          </p:nvCxnSpPr>
-          <p:spPr>
-            <a:xfrm flipV="1">
-              <a:off x="7638134" y="2981739"/>
-              <a:ext cx="938144" cy="761039"/>
-            </a:xfrm>
-            <a:prstGeom prst="bentConnector3">
-              <a:avLst>
-                <a:gd name="adj1" fmla="val 50000"/>
-              </a:avLst>
-            </a:prstGeom>
-            <a:ln w="28575">
-              <a:solidFill>
-                <a:schemeClr val="tx1"/>
-              </a:solidFill>
-              <a:headEnd type="triangle"/>
-              <a:tailEnd type="triangle"/>
-            </a:ln>
-          </p:spPr>
-          <p:style>
-            <a:lnRef idx="1">
-              <a:schemeClr val="accent1"/>
-            </a:lnRef>
-            <a:fillRef idx="0">
-              <a:schemeClr val="accent1"/>
-            </a:fillRef>
-            <a:effectRef idx="0">
-              <a:schemeClr val="accent1"/>
-            </a:effectRef>
-            <a:fontRef idx="minor">
-              <a:schemeClr val="tx1"/>
-            </a:fontRef>
-          </p:style>
-        </p:cxnSp>
-        <p:sp>
-          <p:nvSpPr>
-            <p:cNvPr id="81" name="CuadroTexto 80"/>
-            <p:cNvSpPr txBox="1"/>
-            <p:nvPr/>
-          </p:nvSpPr>
-          <p:spPr>
-            <a:xfrm>
-              <a:off x="7511269" y="3970301"/>
-              <a:ext cx="821059" cy="338554"/>
-            </a:xfrm>
-            <a:prstGeom prst="rect">
-              <a:avLst/>
-            </a:prstGeom>
-            <a:noFill/>
-          </p:spPr>
-          <p:txBody>
-            <a:bodyPr wrap="none" rtlCol="0">
-              <a:spAutoFit/>
-            </a:bodyPr>
-            <a:lstStyle/>
-            <a:p>
-              <a:pPr algn="r"/>
-              <a:r>
-                <a:rPr lang="es-ES" sz="1600" dirty="0" err="1" smtClean="0">
-                  <a:solidFill>
-                    <a:schemeClr val="accent2">
-                      <a:lumMod val="50000"/>
-                    </a:schemeClr>
-                  </a:solidFill>
-                  <a:latin typeface="Bahnschrift Light SemiCondensed" panose="020B0502040204020203" pitchFamily="34" charset="0"/>
-                </a:rPr>
-                <a:t>Spanish</a:t>
-              </a:r>
-              <a:endParaRPr lang="en-GB" dirty="0">
-                <a:solidFill>
-                  <a:schemeClr val="accent2">
-                    <a:lumMod val="50000"/>
-                  </a:schemeClr>
-                </a:solidFill>
-                <a:latin typeface="Bahnschrift Light SemiCondensed" panose="020B0502040204020203" pitchFamily="34" charset="0"/>
-              </a:endParaRPr>
-            </a:p>
-          </p:txBody>
-        </p:sp>
         <p:pic>
           <p:nvPicPr>
-            <p:cNvPr id="83" name="Imagen 82"/>
+            <p:cNvPr id="22" name="Imagen 21"/>
             <p:cNvPicPr>
               <a:picLocks noChangeAspect="1"/>
             </p:cNvPicPr>
             <p:nvPr/>
           </p:nvPicPr>
           <p:blipFill>
-            <a:blip r:embed="rId2" cstate="print">
+            <a:blip r:embed="rId3" cstate="print">
+              <a:grayscl/>
               <a:extLst>
+                <a:ext uri="{BEBA8EAE-BF5A-486C-A8C5-ECC9F3942E4B}">
+                  <a14:imgProps xmlns:a14="http://schemas.microsoft.com/office/drawing/2010/main">
+                    <a14:imgLayer r:embed="rId4">
+                      <a14:imgEffect>
+                        <a14:backgroundRemoval t="8303" b="90000" l="9901" r="89989"/>
+                      </a14:imgEffect>
+                    </a14:imgLayer>
+                  </a14:imgProps>
+                </a:ext>
                 <a:ext uri="{28A0092B-C50C-407E-A947-70E740481C1C}">
                   <a14:useLocalDpi xmlns:a14="http://schemas.microsoft.com/office/drawing/2010/main" val="0"/>
                 </a:ext>
@@ -9717,758 +10411,15 @@
           </p:blipFill>
           <p:spPr>
             <a:xfrm>
-              <a:off x="4440020" y="3880091"/>
-              <a:ext cx="354306" cy="354306"/>
+              <a:off x="8366760" y="2147253"/>
+              <a:ext cx="746636" cy="1354895"/>
             </a:xfrm>
             <a:prstGeom prst="rect">
               <a:avLst/>
             </a:prstGeom>
           </p:spPr>
         </p:pic>
-        <p:sp>
-          <p:nvSpPr>
-            <p:cNvPr id="86" name="Rectángulo 85"/>
-            <p:cNvSpPr/>
-            <p:nvPr/>
-          </p:nvSpPr>
-          <p:spPr>
-            <a:xfrm>
-              <a:off x="5427787" y="1660016"/>
-              <a:ext cx="2904541" cy="1321723"/>
-            </a:xfrm>
-            <a:prstGeom prst="rect">
-              <a:avLst/>
-            </a:prstGeom>
-            <a:solidFill>
-              <a:schemeClr val="accent1">
-                <a:lumMod val="20000"/>
-                <a:lumOff val="80000"/>
-              </a:schemeClr>
-            </a:solidFill>
-            <a:ln>
-              <a:noFill/>
-            </a:ln>
-          </p:spPr>
-          <p:style>
-            <a:lnRef idx="2">
-              <a:schemeClr val="accent1">
-                <a:shade val="50000"/>
-              </a:schemeClr>
-            </a:lnRef>
-            <a:fillRef idx="1">
-              <a:schemeClr val="accent1"/>
-            </a:fillRef>
-            <a:effectRef idx="0">
-              <a:schemeClr val="accent1"/>
-            </a:effectRef>
-            <a:fontRef idx="minor">
-              <a:schemeClr val="lt1"/>
-            </a:fontRef>
-          </p:style>
-          <p:txBody>
-            <a:bodyPr rtlCol="0" anchor="ctr"/>
-            <a:lstStyle/>
-            <a:p>
-              <a:pPr algn="ctr"/>
-              <a:endParaRPr lang="en-GB"/>
-            </a:p>
-          </p:txBody>
-        </p:sp>
-        <p:sp>
-          <p:nvSpPr>
-            <p:cNvPr id="87" name="Rectángulo 86"/>
-            <p:cNvSpPr/>
-            <p:nvPr/>
-          </p:nvSpPr>
-          <p:spPr>
-            <a:xfrm>
-              <a:off x="4140095" y="2224755"/>
-              <a:ext cx="954157" cy="299103"/>
-            </a:xfrm>
-            <a:prstGeom prst="rect">
-              <a:avLst/>
-            </a:prstGeom>
-            <a:solidFill>
-              <a:schemeClr val="bg1"/>
-            </a:solidFill>
-            <a:ln>
-              <a:noFill/>
-            </a:ln>
-          </p:spPr>
-          <p:style>
-            <a:lnRef idx="2">
-              <a:schemeClr val="accent1">
-                <a:shade val="50000"/>
-              </a:schemeClr>
-            </a:lnRef>
-            <a:fillRef idx="1">
-              <a:schemeClr val="accent1"/>
-            </a:fillRef>
-            <a:effectRef idx="0">
-              <a:schemeClr val="accent1"/>
-            </a:effectRef>
-            <a:fontRef idx="minor">
-              <a:schemeClr val="lt1"/>
-            </a:fontRef>
-          </p:style>
-          <p:txBody>
-            <a:bodyPr rtlCol="0" anchor="ctr"/>
-            <a:lstStyle/>
-            <a:p>
-              <a:pPr algn="ctr"/>
-              <a:r>
-                <a:rPr lang="pt-BR" dirty="0" smtClean="0">
-                  <a:solidFill>
-                    <a:schemeClr val="tx1"/>
-                  </a:solidFill>
-                  <a:latin typeface="Bahnschrift Light SemiCondensed" panose="020B0502040204020203" pitchFamily="34" charset="0"/>
-                </a:rPr>
-                <a:t>/</a:t>
-              </a:r>
-              <a:r>
-                <a:rPr lang="en-GB" dirty="0" smtClean="0">
-                  <a:solidFill>
-                    <a:schemeClr val="tx1"/>
-                  </a:solidFill>
-                  <a:latin typeface="Bahnschrift Light SemiCondensed" panose="020B0502040204020203" pitchFamily="34" charset="0"/>
-                </a:rPr>
-                <a:t>’</a:t>
-              </a:r>
-              <a:r>
-                <a:rPr lang="en-GB" dirty="0" err="1" smtClean="0">
-                  <a:solidFill>
-                    <a:schemeClr val="tx1"/>
-                  </a:solidFill>
-                  <a:latin typeface="Bahnschrift Light SemiCondensed" panose="020B0502040204020203" pitchFamily="34" charset="0"/>
-                </a:rPr>
-                <a:t>pɔɾ.tə</a:t>
-              </a:r>
-              <a:r>
-                <a:rPr lang="pt-BR" dirty="0" smtClean="0">
-                  <a:solidFill>
-                    <a:schemeClr val="tx1"/>
-                  </a:solidFill>
-                  <a:latin typeface="Bahnschrift Light SemiCondensed" panose="020B0502040204020203" pitchFamily="34" charset="0"/>
-                </a:rPr>
-                <a:t>/</a:t>
-              </a:r>
-              <a:endParaRPr lang="pt-BR" dirty="0">
-                <a:solidFill>
-                  <a:schemeClr val="tx1"/>
-                </a:solidFill>
-                <a:latin typeface="Bahnschrift Light SemiCondensed" panose="020B0502040204020203" pitchFamily="34" charset="0"/>
-              </a:endParaRPr>
-            </a:p>
-          </p:txBody>
-        </p:sp>
-        <p:grpSp>
-          <p:nvGrpSpPr>
-            <p:cNvPr id="88" name="Grupo 87"/>
-            <p:cNvGrpSpPr/>
-            <p:nvPr/>
-          </p:nvGrpSpPr>
-          <p:grpSpPr>
-            <a:xfrm>
-              <a:off x="6491143" y="2064096"/>
-              <a:ext cx="1158350" cy="646043"/>
-              <a:chOff x="4267355" y="1783512"/>
-              <a:chExt cx="991894" cy="646043"/>
-            </a:xfrm>
-            <a:solidFill>
-              <a:schemeClr val="accent1">
-                <a:lumMod val="60000"/>
-                <a:lumOff val="40000"/>
-              </a:schemeClr>
-            </a:solidFill>
-          </p:grpSpPr>
-          <p:sp>
-            <p:nvSpPr>
-              <p:cNvPr id="89" name="Elipse 88"/>
-              <p:cNvSpPr/>
-              <p:nvPr/>
-            </p:nvSpPr>
-            <p:spPr>
-              <a:xfrm>
-                <a:off x="4267355" y="1783512"/>
-                <a:ext cx="991894" cy="646043"/>
-              </a:xfrm>
-              <a:prstGeom prst="ellipse">
-                <a:avLst/>
-              </a:prstGeom>
-              <a:grpFill/>
-              <a:ln w="19050">
-                <a:noFill/>
-              </a:ln>
-            </p:spPr>
-            <p:style>
-              <a:lnRef idx="2">
-                <a:schemeClr val="accent1">
-                  <a:shade val="50000"/>
-                </a:schemeClr>
-              </a:lnRef>
-              <a:fillRef idx="1">
-                <a:schemeClr val="accent1"/>
-              </a:fillRef>
-              <a:effectRef idx="0">
-                <a:schemeClr val="accent1"/>
-              </a:effectRef>
-              <a:fontRef idx="minor">
-                <a:schemeClr val="lt1"/>
-              </a:fontRef>
-            </p:style>
-            <p:txBody>
-              <a:bodyPr rtlCol="0" anchor="ctr"/>
-              <a:lstStyle/>
-              <a:p>
-                <a:pPr algn="ctr"/>
-                <a:endParaRPr lang="en-GB"/>
-              </a:p>
-            </p:txBody>
-          </p:sp>
-          <p:sp>
-            <p:nvSpPr>
-              <p:cNvPr id="90" name="Rectángulo 89"/>
-              <p:cNvSpPr/>
-              <p:nvPr/>
-            </p:nvSpPr>
-            <p:spPr>
-              <a:xfrm>
-                <a:off x="4354827" y="1944171"/>
-                <a:ext cx="823079" cy="299103"/>
-              </a:xfrm>
-              <a:prstGeom prst="rect">
-                <a:avLst/>
-              </a:prstGeom>
-              <a:grpFill/>
-              <a:ln>
-                <a:noFill/>
-              </a:ln>
-            </p:spPr>
-            <p:style>
-              <a:lnRef idx="2">
-                <a:schemeClr val="accent1">
-                  <a:shade val="50000"/>
-                </a:schemeClr>
-              </a:lnRef>
-              <a:fillRef idx="1">
-                <a:schemeClr val="accent1"/>
-              </a:fillRef>
-              <a:effectRef idx="0">
-                <a:schemeClr val="accent1"/>
-              </a:effectRef>
-              <a:fontRef idx="minor">
-                <a:schemeClr val="lt1"/>
-              </a:fontRef>
-            </p:style>
-            <p:txBody>
-              <a:bodyPr rtlCol="0" anchor="ctr"/>
-              <a:lstStyle/>
-              <a:p>
-                <a:pPr algn="ctr"/>
-                <a:r>
-                  <a:rPr lang="pt-BR" dirty="0" smtClean="0">
-                    <a:solidFill>
-                      <a:schemeClr val="tx1"/>
-                    </a:solidFill>
-                    <a:latin typeface="Bahnschrift Light SemiCondensed" panose="020B0502040204020203" pitchFamily="34" charset="0"/>
-                  </a:rPr>
-                  <a:t>/</a:t>
-                </a:r>
-                <a:r>
-                  <a:rPr lang="en-GB" dirty="0" smtClean="0">
-                    <a:solidFill>
-                      <a:schemeClr val="tx1"/>
-                    </a:solidFill>
-                    <a:latin typeface="Bahnschrift Light SemiCondensed" panose="020B0502040204020203" pitchFamily="34" charset="0"/>
-                  </a:rPr>
-                  <a:t>’</a:t>
-                </a:r>
-                <a:r>
-                  <a:rPr lang="en-GB" dirty="0" err="1" smtClean="0">
-                    <a:solidFill>
-                      <a:schemeClr val="tx1"/>
-                    </a:solidFill>
-                    <a:latin typeface="Bahnschrift Light SemiCondensed" panose="020B0502040204020203" pitchFamily="34" charset="0"/>
-                  </a:rPr>
-                  <a:t>pɔɾ.tə</a:t>
-                </a:r>
-                <a:r>
-                  <a:rPr lang="pt-BR" dirty="0" smtClean="0">
-                    <a:solidFill>
-                      <a:schemeClr val="tx1"/>
-                    </a:solidFill>
-                    <a:latin typeface="Bahnschrift Light SemiCondensed" panose="020B0502040204020203" pitchFamily="34" charset="0"/>
-                  </a:rPr>
-                  <a:t>/</a:t>
-                </a:r>
-                <a:endParaRPr lang="pt-BR" dirty="0">
-                  <a:solidFill>
-                    <a:schemeClr val="tx1"/>
-                  </a:solidFill>
-                  <a:latin typeface="Bahnschrift Light SemiCondensed" panose="020B0502040204020203" pitchFamily="34" charset="0"/>
-                </a:endParaRPr>
-              </a:p>
-            </p:txBody>
-          </p:sp>
-        </p:grpSp>
-        <p:cxnSp>
-          <p:nvCxnSpPr>
-            <p:cNvPr id="94" name="Conector recto de flecha 93"/>
-            <p:cNvCxnSpPr>
-              <a:stCxn id="87" idx="3"/>
-              <a:endCxn id="89" idx="2"/>
-            </p:cNvCxnSpPr>
-            <p:nvPr/>
-          </p:nvCxnSpPr>
-          <p:spPr>
-            <a:xfrm>
-              <a:off x="5094252" y="2374307"/>
-              <a:ext cx="1396891" cy="12811"/>
-            </a:xfrm>
-            <a:prstGeom prst="straightConnector1">
-              <a:avLst/>
-            </a:prstGeom>
-            <a:ln w="28575">
-              <a:solidFill>
-                <a:schemeClr val="accent1">
-                  <a:lumMod val="75000"/>
-                </a:schemeClr>
-              </a:solidFill>
-              <a:prstDash val="sysDot"/>
-              <a:tailEnd type="triangle"/>
-            </a:ln>
-          </p:spPr>
-          <p:style>
-            <a:lnRef idx="1">
-              <a:schemeClr val="accent1"/>
-            </a:lnRef>
-            <a:fillRef idx="0">
-              <a:schemeClr val="accent1"/>
-            </a:fillRef>
-            <a:effectRef idx="0">
-              <a:schemeClr val="accent1"/>
-            </a:effectRef>
-            <a:fontRef idx="minor">
-              <a:schemeClr val="tx1"/>
-            </a:fontRef>
-          </p:style>
-        </p:cxnSp>
-        <p:sp>
-          <p:nvSpPr>
-            <p:cNvPr id="96" name="CuadroTexto 95"/>
-            <p:cNvSpPr txBox="1"/>
-            <p:nvPr/>
-          </p:nvSpPr>
-          <p:spPr>
-            <a:xfrm>
-              <a:off x="8332328" y="1133660"/>
-              <a:ext cx="1373497" cy="523220"/>
-            </a:xfrm>
-            <a:prstGeom prst="rect">
-              <a:avLst/>
-            </a:prstGeom>
-            <a:noFill/>
-          </p:spPr>
-          <p:txBody>
-            <a:bodyPr wrap="square" rtlCol="0" anchor="ctr">
-              <a:spAutoFit/>
-            </a:bodyPr>
-            <a:lstStyle/>
-            <a:p>
-              <a:pPr algn="ctr"/>
-              <a:r>
-                <a:rPr lang="es-ES" sz="1400" dirty="0" err="1" smtClean="0">
-                  <a:latin typeface="Bahnschrift Light SemiCondensed" panose="020B0502040204020203" pitchFamily="34" charset="0"/>
-                </a:rPr>
-                <a:t>Semantic</a:t>
-              </a:r>
-              <a:r>
-                <a:rPr lang="es-ES" sz="1400" dirty="0" smtClean="0">
-                  <a:latin typeface="Bahnschrift Light SemiCondensed" panose="020B0502040204020203" pitchFamily="34" charset="0"/>
-                </a:rPr>
-                <a:t> </a:t>
-              </a:r>
-              <a:r>
-                <a:rPr lang="es-ES" sz="1400" dirty="0" err="1" smtClean="0">
-                  <a:latin typeface="Bahnschrift Light SemiCondensed" panose="020B0502040204020203" pitchFamily="34" charset="0"/>
-                </a:rPr>
-                <a:t>representations</a:t>
-              </a:r>
-              <a:endParaRPr lang="en-GB" sz="1400" dirty="0">
-                <a:latin typeface="Bahnschrift Light SemiCondensed" panose="020B0502040204020203" pitchFamily="34" charset="0"/>
-              </a:endParaRPr>
-            </a:p>
-          </p:txBody>
-        </p:sp>
-        <p:sp>
-          <p:nvSpPr>
-            <p:cNvPr id="99" name="CuadroTexto 98"/>
-            <p:cNvSpPr txBox="1"/>
-            <p:nvPr/>
-          </p:nvSpPr>
-          <p:spPr>
-            <a:xfrm>
-              <a:off x="7540897" y="1656880"/>
-              <a:ext cx="792205" cy="338554"/>
-            </a:xfrm>
-            <a:prstGeom prst="rect">
-              <a:avLst/>
-            </a:prstGeom>
-            <a:noFill/>
-          </p:spPr>
-          <p:txBody>
-            <a:bodyPr wrap="none" rtlCol="0">
-              <a:spAutoFit/>
-            </a:bodyPr>
-            <a:lstStyle/>
-            <a:p>
-              <a:pPr algn="r"/>
-              <a:r>
-                <a:rPr lang="es-ES" sz="1600" dirty="0" err="1" smtClean="0">
-                  <a:solidFill>
-                    <a:srgbClr val="002060"/>
-                  </a:solidFill>
-                  <a:latin typeface="Bahnschrift Light SemiCondensed" panose="020B0502040204020203" pitchFamily="34" charset="0"/>
-                </a:rPr>
-                <a:t>Catalan</a:t>
-              </a:r>
-              <a:endParaRPr lang="en-GB" dirty="0">
-                <a:solidFill>
-                  <a:srgbClr val="002060"/>
-                </a:solidFill>
-                <a:latin typeface="Bahnschrift Light SemiCondensed" panose="020B0502040204020203" pitchFamily="34" charset="0"/>
-              </a:endParaRPr>
-            </a:p>
-          </p:txBody>
-        </p:sp>
-        <p:sp>
-          <p:nvSpPr>
-            <p:cNvPr id="100" name="CuadroTexto 99"/>
-            <p:cNvSpPr txBox="1"/>
-            <p:nvPr/>
-          </p:nvSpPr>
-          <p:spPr>
-            <a:xfrm>
-              <a:off x="5916674" y="1133660"/>
-              <a:ext cx="1939431" cy="523220"/>
-            </a:xfrm>
-            <a:prstGeom prst="rect">
-              <a:avLst/>
-            </a:prstGeom>
-            <a:noFill/>
-          </p:spPr>
-          <p:txBody>
-            <a:bodyPr wrap="square" rtlCol="0" anchor="ctr">
-              <a:spAutoFit/>
-            </a:bodyPr>
-            <a:lstStyle/>
-            <a:p>
-              <a:pPr algn="ctr"/>
-              <a:r>
-                <a:rPr lang="es-ES" sz="1400" dirty="0" err="1" smtClean="0">
-                  <a:latin typeface="Bahnschrift Light SemiCondensed" panose="020B0502040204020203" pitchFamily="34" charset="0"/>
-                </a:rPr>
-                <a:t>Phonological</a:t>
-              </a:r>
-              <a:r>
-                <a:rPr lang="es-ES" sz="1400" dirty="0" smtClean="0">
-                  <a:latin typeface="Bahnschrift Light SemiCondensed" panose="020B0502040204020203" pitchFamily="34" charset="0"/>
-                </a:rPr>
-                <a:t> </a:t>
-              </a:r>
-              <a:r>
-                <a:rPr lang="es-ES" sz="1400" dirty="0" err="1" smtClean="0">
-                  <a:latin typeface="Bahnschrift Light SemiCondensed" panose="020B0502040204020203" pitchFamily="34" charset="0"/>
-                </a:rPr>
-                <a:t>representations</a:t>
-              </a:r>
-              <a:endParaRPr lang="en-GB" sz="1400" dirty="0">
-                <a:latin typeface="Bahnschrift Light SemiCondensed" panose="020B0502040204020203" pitchFamily="34" charset="0"/>
-              </a:endParaRPr>
-            </a:p>
-          </p:txBody>
-        </p:sp>
-        <p:cxnSp>
-          <p:nvCxnSpPr>
-            <p:cNvPr id="101" name="Conector angular 100"/>
-            <p:cNvCxnSpPr>
-              <a:stCxn id="89" idx="6"/>
-            </p:cNvCxnSpPr>
-            <p:nvPr/>
-          </p:nvCxnSpPr>
-          <p:spPr>
-            <a:xfrm>
-              <a:off x="7649493" y="2387118"/>
-              <a:ext cx="925237" cy="591406"/>
-            </a:xfrm>
-            <a:prstGeom prst="bentConnector3">
-              <a:avLst>
-                <a:gd name="adj1" fmla="val 49314"/>
-              </a:avLst>
-            </a:prstGeom>
-            <a:ln w="28575">
-              <a:solidFill>
-                <a:schemeClr val="tx1"/>
-              </a:solidFill>
-              <a:headEnd type="triangle"/>
-              <a:tailEnd type="triangle"/>
-            </a:ln>
-          </p:spPr>
-          <p:style>
-            <a:lnRef idx="1">
-              <a:schemeClr val="accent1"/>
-            </a:lnRef>
-            <a:fillRef idx="0">
-              <a:schemeClr val="accent1"/>
-            </a:fillRef>
-            <a:effectRef idx="0">
-              <a:schemeClr val="accent1"/>
-            </a:effectRef>
-            <a:fontRef idx="minor">
-              <a:schemeClr val="tx1"/>
-            </a:fontRef>
-          </p:style>
-        </p:cxnSp>
-        <p:pic>
-          <p:nvPicPr>
-            <p:cNvPr id="108" name="Imagen 107"/>
-            <p:cNvPicPr>
-              <a:picLocks noChangeAspect="1"/>
-            </p:cNvPicPr>
-            <p:nvPr/>
-          </p:nvPicPr>
-          <p:blipFill>
-            <a:blip r:embed="rId2" cstate="print">
-              <a:extLst>
-                <a:ext uri="{28A0092B-C50C-407E-A947-70E740481C1C}">
-                  <a14:useLocalDpi xmlns:a14="http://schemas.microsoft.com/office/drawing/2010/main" val="0"/>
-                </a:ext>
-              </a:extLst>
-            </a:blip>
-            <a:stretch>
-              <a:fillRect/>
-            </a:stretch>
-          </p:blipFill>
-          <p:spPr>
-            <a:xfrm>
-              <a:off x="4441170" y="2563056"/>
-              <a:ext cx="354306" cy="354306"/>
-            </a:xfrm>
-            <a:prstGeom prst="rect">
-              <a:avLst/>
-            </a:prstGeom>
-          </p:spPr>
-        </p:pic>
-        <p:cxnSp>
-          <p:nvCxnSpPr>
-            <p:cNvPr id="26" name="Conector recto de flecha 25"/>
-            <p:cNvCxnSpPr>
-              <a:stCxn id="89" idx="4"/>
-              <a:endCxn id="72" idx="0"/>
-            </p:cNvCxnSpPr>
-            <p:nvPr/>
-          </p:nvCxnSpPr>
-          <p:spPr>
-            <a:xfrm flipH="1">
-              <a:off x="7058959" y="2710139"/>
-              <a:ext cx="11359" cy="709617"/>
-            </a:xfrm>
-            <a:prstGeom prst="straightConnector1">
-              <a:avLst/>
-            </a:prstGeom>
-            <a:ln w="28575">
-              <a:solidFill>
-                <a:schemeClr val="tx1"/>
-              </a:solidFill>
-              <a:prstDash val="dash"/>
-              <a:headEnd type="triangle"/>
-              <a:tailEnd type="triangle"/>
-            </a:ln>
-          </p:spPr>
-          <p:style>
-            <a:lnRef idx="1">
-              <a:schemeClr val="accent1"/>
-            </a:lnRef>
-            <a:fillRef idx="0">
-              <a:schemeClr val="accent1"/>
-            </a:fillRef>
-            <a:effectRef idx="0">
-              <a:schemeClr val="accent1"/>
-            </a:effectRef>
-            <a:fontRef idx="minor">
-              <a:schemeClr val="tx1"/>
-            </a:fontRef>
-          </p:style>
-        </p:cxnSp>
-        <p:cxnSp>
-          <p:nvCxnSpPr>
-            <p:cNvPr id="12" name="Conector curvado 11"/>
-            <p:cNvCxnSpPr>
-              <a:stCxn id="87" idx="3"/>
-              <a:endCxn id="72" idx="1"/>
-            </p:cNvCxnSpPr>
-            <p:nvPr/>
-          </p:nvCxnSpPr>
-          <p:spPr>
-            <a:xfrm>
-              <a:off x="5094252" y="2374307"/>
-              <a:ext cx="1555168" cy="1140060"/>
-            </a:xfrm>
-            <a:prstGeom prst="curvedConnector2">
-              <a:avLst/>
-            </a:prstGeom>
-            <a:ln w="28575">
-              <a:solidFill>
-                <a:schemeClr val="accent5"/>
-              </a:solidFill>
-              <a:prstDash val="sysDot"/>
-              <a:tailEnd type="triangle"/>
-            </a:ln>
-          </p:spPr>
-          <p:style>
-            <a:lnRef idx="1">
-              <a:schemeClr val="accent1"/>
-            </a:lnRef>
-            <a:fillRef idx="0">
-              <a:schemeClr val="accent1"/>
-            </a:fillRef>
-            <a:effectRef idx="0">
-              <a:schemeClr val="accent1"/>
-            </a:effectRef>
-            <a:fontRef idx="minor">
-              <a:schemeClr val="tx1"/>
-            </a:fontRef>
-          </p:style>
-        </p:cxnSp>
-        <p:cxnSp>
-          <p:nvCxnSpPr>
-            <p:cNvPr id="43" name="Conector curvado 42"/>
-            <p:cNvCxnSpPr>
-              <a:stCxn id="74" idx="3"/>
-              <a:endCxn id="89" idx="3"/>
-            </p:cNvCxnSpPr>
-            <p:nvPr/>
-          </p:nvCxnSpPr>
-          <p:spPr>
-            <a:xfrm flipV="1">
-              <a:off x="5094252" y="2615528"/>
-              <a:ext cx="1566527" cy="1115012"/>
-            </a:xfrm>
-            <a:prstGeom prst="curvedConnector2">
-              <a:avLst/>
-            </a:prstGeom>
-            <a:ln w="28575">
-              <a:solidFill>
-                <a:schemeClr val="accent2"/>
-              </a:solidFill>
-              <a:prstDash val="sysDot"/>
-              <a:tailEnd type="triangle"/>
-            </a:ln>
-          </p:spPr>
-          <p:style>
-            <a:lnRef idx="1">
-              <a:schemeClr val="accent1"/>
-            </a:lnRef>
-            <a:fillRef idx="0">
-              <a:schemeClr val="accent1"/>
-            </a:fillRef>
-            <a:effectRef idx="0">
-              <a:schemeClr val="accent1"/>
-            </a:effectRef>
-            <a:fontRef idx="minor">
-              <a:schemeClr val="tx1"/>
-            </a:fontRef>
-          </p:style>
-        </p:cxnSp>
-        <p:sp>
-          <p:nvSpPr>
-            <p:cNvPr id="49" name="Rectángulo 48"/>
-            <p:cNvSpPr/>
-            <p:nvPr/>
-          </p:nvSpPr>
-          <p:spPr>
-            <a:xfrm>
-              <a:off x="8576278" y="2266411"/>
-              <a:ext cx="914400" cy="1430656"/>
-            </a:xfrm>
-            <a:prstGeom prst="rect">
-              <a:avLst/>
-            </a:prstGeom>
-            <a:solidFill>
-              <a:schemeClr val="bg1">
-                <a:lumMod val="85000"/>
-              </a:schemeClr>
-            </a:solidFill>
-            <a:ln w="19050">
-              <a:noFill/>
-            </a:ln>
-          </p:spPr>
-          <p:style>
-            <a:lnRef idx="2">
-              <a:schemeClr val="accent1">
-                <a:shade val="50000"/>
-              </a:schemeClr>
-            </a:lnRef>
-            <a:fillRef idx="1">
-              <a:schemeClr val="accent1"/>
-            </a:fillRef>
-            <a:effectRef idx="0">
-              <a:schemeClr val="accent1"/>
-            </a:effectRef>
-            <a:fontRef idx="minor">
-              <a:schemeClr val="lt1"/>
-            </a:fontRef>
-          </p:style>
-          <p:txBody>
-            <a:bodyPr rtlCol="0" anchor="ctr"/>
-            <a:lstStyle/>
-            <a:p>
-              <a:pPr algn="ctr"/>
-              <a:endParaRPr lang="en-GB"/>
-            </a:p>
-          </p:txBody>
-        </p:sp>
       </p:grpSp>
-      <p:pic>
-        <p:nvPicPr>
-          <p:cNvPr id="22" name="Imagen 21"/>
-          <p:cNvPicPr>
-            <a:picLocks noChangeAspect="1"/>
-          </p:cNvPicPr>
-          <p:nvPr/>
-        </p:nvPicPr>
-        <p:blipFill>
-          <a:blip r:embed="rId3" cstate="print">
-            <a:grayscl/>
-            <a:extLst>
-              <a:ext uri="{BEBA8EAE-BF5A-486C-A8C5-ECC9F3942E4B}">
-                <a14:imgProps xmlns:a14="http://schemas.microsoft.com/office/drawing/2010/main">
-                  <a14:imgLayer r:embed="rId4">
-                    <a14:imgEffect>
-                      <a14:backgroundRemoval t="8303" b="90000" l="9901" r="89989"/>
-                    </a14:imgEffect>
-                  </a14:imgLayer>
-                </a14:imgProps>
-              </a:ext>
-              <a:ext uri="{28A0092B-C50C-407E-A947-70E740481C1C}">
-                <a14:useLocalDpi xmlns:a14="http://schemas.microsoft.com/office/drawing/2010/main" val="0"/>
-              </a:ext>
-            </a:extLst>
-          </a:blip>
-          <a:stretch>
-            <a:fillRect/>
-          </a:stretch>
-        </p:blipFill>
-        <p:spPr>
-          <a:xfrm>
-            <a:off x="8366760" y="2147253"/>
-            <a:ext cx="746636" cy="1354895"/>
-          </a:xfrm>
-          <a:prstGeom prst="rect">
-            <a:avLst/>
-          </a:prstGeom>
-        </p:spPr>
-      </p:pic>
     </p:spTree>
     <p:extLst>
       <p:ext uri="{BB962C8B-B14F-4D97-AF65-F5344CB8AC3E}">
